--- a/PPT/Lec1/1-Laravel-tutorial.pptx
+++ b/PPT/Lec1/1-Laravel-tutorial.pptx
@@ -5,35 +5,32 @@
     <p:sldMasterId id="2147483660" r:id="rId1"/>
   </p:sldMasterIdLst>
   <p:notesMasterIdLst>
-    <p:notesMasterId r:id="rId28"/>
+    <p:notesMasterId r:id="rId25"/>
   </p:notesMasterIdLst>
   <p:sldIdLst>
     <p:sldId id="268" r:id="rId2"/>
     <p:sldId id="292" r:id="rId3"/>
     <p:sldId id="262" r:id="rId4"/>
     <p:sldId id="261" r:id="rId5"/>
-    <p:sldId id="264" r:id="rId6"/>
-    <p:sldId id="258" r:id="rId7"/>
-    <p:sldId id="266" r:id="rId8"/>
-    <p:sldId id="265" r:id="rId9"/>
-    <p:sldId id="256" r:id="rId10"/>
-    <p:sldId id="257" r:id="rId11"/>
-    <p:sldId id="259" r:id="rId12"/>
-    <p:sldId id="285" r:id="rId13"/>
-    <p:sldId id="286" r:id="rId14"/>
-    <p:sldId id="287" r:id="rId15"/>
-    <p:sldId id="288" r:id="rId16"/>
-    <p:sldId id="267" r:id="rId17"/>
-    <p:sldId id="283" r:id="rId18"/>
-    <p:sldId id="293" r:id="rId19"/>
-    <p:sldId id="294" r:id="rId20"/>
-    <p:sldId id="272" r:id="rId21"/>
-    <p:sldId id="273" r:id="rId22"/>
-    <p:sldId id="269" r:id="rId23"/>
-    <p:sldId id="289" r:id="rId24"/>
-    <p:sldId id="290" r:id="rId25"/>
-    <p:sldId id="291" r:id="rId26"/>
-    <p:sldId id="282" r:id="rId27"/>
+    <p:sldId id="258" r:id="rId6"/>
+    <p:sldId id="266" r:id="rId7"/>
+    <p:sldId id="265" r:id="rId8"/>
+    <p:sldId id="256" r:id="rId9"/>
+    <p:sldId id="257" r:id="rId10"/>
+    <p:sldId id="259" r:id="rId11"/>
+    <p:sldId id="285" r:id="rId12"/>
+    <p:sldId id="286" r:id="rId13"/>
+    <p:sldId id="287" r:id="rId14"/>
+    <p:sldId id="288" r:id="rId15"/>
+    <p:sldId id="267" r:id="rId16"/>
+    <p:sldId id="273" r:id="rId17"/>
+    <p:sldId id="297" r:id="rId18"/>
+    <p:sldId id="269" r:id="rId19"/>
+    <p:sldId id="289" r:id="rId20"/>
+    <p:sldId id="290" r:id="rId21"/>
+    <p:sldId id="291" r:id="rId22"/>
+    <p:sldId id="282" r:id="rId23"/>
+    <p:sldId id="296" r:id="rId24"/>
   </p:sldIdLst>
   <p:sldSz cx="9144000" cy="6858000" type="screen4x3"/>
   <p:notesSz cx="6858000" cy="9144000"/>
@@ -3098,7 +3095,7 @@
             <a:fld id="{EA38CB6D-63C9-464B-889E-D8FE438905A2}" type="datetimeFigureOut">
               <a:rPr lang="ar-EG" smtClean="0"/>
               <a:pPr/>
-              <a:t>10/03/1440</a:t>
+              <a:t>18/03/1440</a:t>
             </a:fld>
             <a:endParaRPr lang="ar-EG"/>
           </a:p>
@@ -3430,7 +3427,7 @@
             <a:fld id="{4EB77159-C5E8-4EA6-9D45-48C290F3BD19}" type="slidenum">
               <a:rPr lang="ar-EG" smtClean="0"/>
               <a:pPr/>
-              <a:t>6</a:t>
+              <a:t>5</a:t>
             </a:fld>
             <a:endParaRPr lang="ar-EG"/>
           </a:p>
@@ -3515,7 +3512,7 @@
             <a:fld id="{4EB77159-C5E8-4EA6-9D45-48C290F3BD19}" type="slidenum">
               <a:rPr lang="ar-EG" smtClean="0"/>
               <a:pPr/>
-              <a:t>7</a:t>
+              <a:t>6</a:t>
             </a:fld>
             <a:endParaRPr lang="ar-EG"/>
           </a:p>
@@ -3698,7 +3695,7 @@
             <a:fld id="{DFA0E993-B2BE-4A9E-9AED-1F72080EE64A}" type="slidenum">
               <a:rPr lang="en-US"/>
               <a:pPr eaLnBrk="1" hangingPunct="1"/>
-              <a:t>10</a:t>
+              <a:t>9</a:t>
             </a:fld>
             <a:endParaRPr lang="en-US"/>
           </a:p>
@@ -3841,7 +3838,7 @@
             <a:fld id="{7064DDED-A035-4607-9F47-196AD2B17684}" type="slidenum">
               <a:rPr lang="en-US" smtClean="0"/>
               <a:pPr/>
-              <a:t>23</a:t>
+              <a:t>19</a:t>
             </a:fld>
             <a:endParaRPr lang="en-US"/>
           </a:p>
@@ -3926,7 +3923,7 @@
             <a:fld id="{7064DDED-A035-4607-9F47-196AD2B17684}" type="slidenum">
               <a:rPr lang="en-US" smtClean="0"/>
               <a:pPr/>
-              <a:t>24</a:t>
+              <a:t>20</a:t>
             </a:fld>
             <a:endParaRPr lang="en-US"/>
           </a:p>
@@ -4011,7 +4008,7 @@
             <a:fld id="{7064DDED-A035-4607-9F47-196AD2B17684}" type="slidenum">
               <a:rPr lang="en-US" smtClean="0"/>
               <a:pPr/>
-              <a:t>25</a:t>
+              <a:t>21</a:t>
             </a:fld>
             <a:endParaRPr lang="en-US"/>
           </a:p>
@@ -4212,7 +4209,7 @@
             <a:fld id="{1D8BD707-D9CF-40AE-B4C6-C98DA3205C09}" type="datetimeFigureOut">
               <a:rPr lang="en-US" smtClean="0"/>
               <a:pPr/>
-              <a:t>11/18/2018</a:t>
+              <a:t>11/26/2018</a:t>
             </a:fld>
             <a:endParaRPr lang="en-US"/>
           </a:p>
@@ -4379,7 +4376,7 @@
             <a:fld id="{1D8BD707-D9CF-40AE-B4C6-C98DA3205C09}" type="datetimeFigureOut">
               <a:rPr lang="en-US" smtClean="0"/>
               <a:pPr/>
-              <a:t>11/18/2018</a:t>
+              <a:t>11/26/2018</a:t>
             </a:fld>
             <a:endParaRPr lang="en-US"/>
           </a:p>
@@ -4556,7 +4553,7 @@
             <a:fld id="{1D8BD707-D9CF-40AE-B4C6-C98DA3205C09}" type="datetimeFigureOut">
               <a:rPr lang="en-US" smtClean="0"/>
               <a:pPr/>
-              <a:t>11/18/2018</a:t>
+              <a:t>11/26/2018</a:t>
             </a:fld>
             <a:endParaRPr lang="en-US"/>
           </a:p>
@@ -4723,7 +4720,7 @@
             <a:fld id="{1D8BD707-D9CF-40AE-B4C6-C98DA3205C09}" type="datetimeFigureOut">
               <a:rPr lang="en-US" smtClean="0"/>
               <a:pPr/>
-              <a:t>11/18/2018</a:t>
+              <a:t>11/26/2018</a:t>
             </a:fld>
             <a:endParaRPr lang="en-US"/>
           </a:p>
@@ -4966,7 +4963,7 @@
             <a:fld id="{1D8BD707-D9CF-40AE-B4C6-C98DA3205C09}" type="datetimeFigureOut">
               <a:rPr lang="en-US" smtClean="0"/>
               <a:pPr/>
-              <a:t>11/18/2018</a:t>
+              <a:t>11/26/2018</a:t>
             </a:fld>
             <a:endParaRPr lang="en-US"/>
           </a:p>
@@ -5251,7 +5248,7 @@
             <a:fld id="{1D8BD707-D9CF-40AE-B4C6-C98DA3205C09}" type="datetimeFigureOut">
               <a:rPr lang="en-US" smtClean="0"/>
               <a:pPr/>
-              <a:t>11/18/2018</a:t>
+              <a:t>11/26/2018</a:t>
             </a:fld>
             <a:endParaRPr lang="en-US"/>
           </a:p>
@@ -5670,7 +5667,7 @@
             <a:fld id="{1D8BD707-D9CF-40AE-B4C6-C98DA3205C09}" type="datetimeFigureOut">
               <a:rPr lang="en-US" smtClean="0"/>
               <a:pPr/>
-              <a:t>11/18/2018</a:t>
+              <a:t>11/26/2018</a:t>
             </a:fld>
             <a:endParaRPr lang="en-US"/>
           </a:p>
@@ -5785,7 +5782,7 @@
             <a:fld id="{1D8BD707-D9CF-40AE-B4C6-C98DA3205C09}" type="datetimeFigureOut">
               <a:rPr lang="en-US" smtClean="0"/>
               <a:pPr/>
-              <a:t>11/18/2018</a:t>
+              <a:t>11/26/2018</a:t>
             </a:fld>
             <a:endParaRPr lang="en-US"/>
           </a:p>
@@ -5877,7 +5874,7 @@
             <a:fld id="{1D8BD707-D9CF-40AE-B4C6-C98DA3205C09}" type="datetimeFigureOut">
               <a:rPr lang="en-US" smtClean="0"/>
               <a:pPr/>
-              <a:t>11/18/2018</a:t>
+              <a:t>11/26/2018</a:t>
             </a:fld>
             <a:endParaRPr lang="en-US"/>
           </a:p>
@@ -6151,7 +6148,7 @@
             <a:fld id="{1D8BD707-D9CF-40AE-B4C6-C98DA3205C09}" type="datetimeFigureOut">
               <a:rPr lang="en-US" smtClean="0"/>
               <a:pPr/>
-              <a:t>11/18/2018</a:t>
+              <a:t>11/26/2018</a:t>
             </a:fld>
             <a:endParaRPr lang="en-US"/>
           </a:p>
@@ -6401,7 +6398,7 @@
             <a:fld id="{1D8BD707-D9CF-40AE-B4C6-C98DA3205C09}" type="datetimeFigureOut">
               <a:rPr lang="en-US" smtClean="0"/>
               <a:pPr/>
-              <a:t>11/18/2018</a:t>
+              <a:t>11/26/2018</a:t>
             </a:fld>
             <a:endParaRPr lang="en-US"/>
           </a:p>
@@ -6611,7 +6608,7 @@
             <a:fld id="{1D8BD707-D9CF-40AE-B4C6-C98DA3205C09}" type="datetimeFigureOut">
               <a:rPr lang="en-US" smtClean="0"/>
               <a:pPr/>
-              <a:t>11/18/2018</a:t>
+              <a:t>11/26/2018</a:t>
             </a:fld>
             <a:endParaRPr lang="en-US"/>
           </a:p>
@@ -7036,6 +7033,4602 @@
 </file>
 
 <file path=ppt/slides/slide10.xml><?xml version="1.0" encoding="utf-8"?>
+<p:sld xmlns:a="http://schemas.openxmlformats.org/drawingml/2006/main" xmlns:r="http://schemas.openxmlformats.org/officeDocument/2006/relationships" xmlns:p="http://schemas.openxmlformats.org/presentationml/2006/main">
+  <p:cSld>
+    <p:spTree>
+      <p:nvGrpSpPr>
+        <p:cNvPr id="1" name=""/>
+        <p:cNvGrpSpPr/>
+        <p:nvPr/>
+      </p:nvGrpSpPr>
+      <p:grpSpPr>
+        <a:xfrm>
+          <a:off x="0" y="0"/>
+          <a:ext cx="0" cy="0"/>
+          <a:chOff x="0" y="0"/>
+          <a:chExt cx="0" cy="0"/>
+        </a:xfrm>
+      </p:grpSpPr>
+      <p:sp>
+        <p:nvSpPr>
+          <p:cNvPr id="115714" name="Rectangle 2"/>
+          <p:cNvSpPr>
+            <a:spLocks noGrp="1" noChangeArrowheads="1"/>
+          </p:cNvSpPr>
+          <p:nvPr>
+            <p:ph type="title"/>
+          </p:nvPr>
+        </p:nvSpPr>
+        <p:spPr/>
+        <p:txBody>
+          <a:bodyPr>
+            <a:normAutofit/>
+          </a:bodyPr>
+          <a:lstStyle/>
+          <a:p>
+            <a:r>
+              <a:rPr lang="en-US" dirty="0"/>
+              <a:t>CSS : </a:t>
+            </a:r>
+            <a:r>
+              <a:rPr lang="en-US" b="1" dirty="0">
+                <a:solidFill>
+                  <a:srgbClr val="FF0000"/>
+                </a:solidFill>
+              </a:rPr>
+              <a:t>C</a:t>
+            </a:r>
+            <a:r>
+              <a:rPr lang="en-US" dirty="0"/>
+              <a:t>ascading </a:t>
+            </a:r>
+            <a:r>
+              <a:rPr lang="en-US" b="1" dirty="0">
+                <a:solidFill>
+                  <a:srgbClr val="FF0000"/>
+                </a:solidFill>
+              </a:rPr>
+              <a:t>S</a:t>
+            </a:r>
+            <a:r>
+              <a:rPr lang="en-US" dirty="0"/>
+              <a:t>tyle </a:t>
+            </a:r>
+            <a:r>
+              <a:rPr lang="en-US" b="1" dirty="0">
+                <a:solidFill>
+                  <a:srgbClr val="FF0000"/>
+                </a:solidFill>
+              </a:rPr>
+              <a:t>S</a:t>
+            </a:r>
+            <a:r>
+              <a:rPr lang="en-US" dirty="0"/>
+              <a:t>heets</a:t>
+            </a:r>
+          </a:p>
+        </p:txBody>
+      </p:sp>
+      <p:sp>
+        <p:nvSpPr>
+          <p:cNvPr id="115715" name="Rectangle 3"/>
+          <p:cNvSpPr>
+            <a:spLocks noGrp="1" noChangeArrowheads="1"/>
+          </p:cNvSpPr>
+          <p:nvPr>
+            <p:ph idx="1"/>
+          </p:nvPr>
+        </p:nvSpPr>
+        <p:spPr/>
+        <p:txBody>
+          <a:bodyPr>
+            <a:normAutofit/>
+          </a:bodyPr>
+          <a:lstStyle/>
+          <a:p>
+            <a:r>
+              <a:rPr lang="en-US" sz="2800" b="1" dirty="0">
+                <a:solidFill>
+                  <a:srgbClr val="FF0000"/>
+                </a:solidFill>
+              </a:rPr>
+              <a:t>What is CSS?</a:t>
+            </a:r>
+          </a:p>
+          <a:p>
+            <a:r>
+              <a:rPr lang="en-US" sz="2800" b="1" dirty="0"/>
+              <a:t>CSS</a:t>
+            </a:r>
+            <a:r>
+              <a:rPr lang="en-US" sz="2800" dirty="0"/>
+              <a:t> stands for </a:t>
+            </a:r>
+            <a:r>
+              <a:rPr lang="en-US" sz="2800" b="1" dirty="0"/>
+              <a:t>C</a:t>
+            </a:r>
+            <a:r>
+              <a:rPr lang="en-US" sz="2800" dirty="0"/>
+              <a:t>ascading </a:t>
+            </a:r>
+            <a:r>
+              <a:rPr lang="en-US" sz="2800" b="1" dirty="0"/>
+              <a:t>S</a:t>
+            </a:r>
+            <a:r>
+              <a:rPr lang="en-US" sz="2800" dirty="0"/>
+              <a:t>tyle </a:t>
+            </a:r>
+            <a:r>
+              <a:rPr lang="en-US" sz="2800" b="1" dirty="0"/>
+              <a:t>S</a:t>
+            </a:r>
+            <a:r>
+              <a:rPr lang="en-US" sz="2800" dirty="0"/>
+              <a:t>heets</a:t>
+            </a:r>
+          </a:p>
+          <a:p>
+            <a:r>
+              <a:rPr lang="en-US" sz="2800" dirty="0"/>
+              <a:t>Styles define </a:t>
+            </a:r>
+            <a:r>
+              <a:rPr lang="en-US" sz="2800" b="1" dirty="0"/>
+              <a:t>how to display</a:t>
+            </a:r>
+            <a:r>
+              <a:rPr lang="en-US" sz="2800" dirty="0"/>
+              <a:t> </a:t>
+            </a:r>
+            <a:r>
+              <a:rPr lang="en-US" sz="2800" dirty="0" smtClean="0"/>
+              <a:t>HTML , XML </a:t>
+            </a:r>
+            <a:r>
+              <a:rPr lang="en-US" sz="2800" dirty="0"/>
+              <a:t>elements</a:t>
+            </a:r>
+          </a:p>
+          <a:p>
+            <a:r>
+              <a:rPr lang="en-US" sz="2800" dirty="0"/>
+              <a:t>Styles were added to HTML 4.0 </a:t>
+            </a:r>
+            <a:r>
+              <a:rPr lang="en-US" sz="2800" b="1" dirty="0"/>
+              <a:t>to solve a </a:t>
+            </a:r>
+            <a:r>
+              <a:rPr lang="en-US" sz="2800" b="1" dirty="0" smtClean="0"/>
+              <a:t>problem</a:t>
+            </a:r>
+          </a:p>
+          <a:p>
+            <a:r>
+              <a:rPr lang="en-US" sz="2800" dirty="0"/>
+              <a:t>Combined with </a:t>
+            </a:r>
+            <a:r>
+              <a:rPr lang="en-US" sz="2800" b="1" dirty="0"/>
+              <a:t>JavaScript and VBScript </a:t>
+            </a:r>
+            <a:endParaRPr lang="en-US" sz="2800" b="1" dirty="0" smtClean="0"/>
+          </a:p>
+          <a:p>
+            <a:r>
+              <a:rPr lang="en-US" sz="2800" b="1" dirty="0"/>
+              <a:t>Separate</a:t>
+            </a:r>
+            <a:r>
+              <a:rPr lang="en-US" sz="2800" dirty="0"/>
+              <a:t> </a:t>
+            </a:r>
+            <a:r>
+              <a:rPr lang="en-US" sz="2800" b="1" dirty="0"/>
+              <a:t>format</a:t>
+            </a:r>
+            <a:r>
+              <a:rPr lang="en-US" sz="2800" dirty="0"/>
+              <a:t> and </a:t>
+            </a:r>
+            <a:r>
+              <a:rPr lang="en-US" sz="2800" dirty="0" smtClean="0"/>
+              <a:t>content</a:t>
+            </a:r>
+          </a:p>
+          <a:p>
+            <a:r>
+              <a:rPr lang="en-US" sz="2800" b="1" dirty="0" smtClean="0"/>
+              <a:t>External </a:t>
+            </a:r>
+            <a:r>
+              <a:rPr lang="en-US" sz="2800" b="1" dirty="0"/>
+              <a:t>Style Sheets</a:t>
+            </a:r>
+            <a:r>
+              <a:rPr lang="en-US" sz="2800" dirty="0"/>
+              <a:t> can save a lot of work</a:t>
+            </a:r>
+          </a:p>
+          <a:p>
+            <a:pPr marL="0" indent="0">
+              <a:buNone/>
+            </a:pPr>
+            <a:endParaRPr lang="en-US" sz="2800" dirty="0"/>
+          </a:p>
+        </p:txBody>
+      </p:sp>
+      <p:sp>
+        <p:nvSpPr>
+          <p:cNvPr id="6" name="Slide Number Placeholder 5"/>
+          <p:cNvSpPr>
+            <a:spLocks noGrp="1"/>
+          </p:cNvSpPr>
+          <p:nvPr>
+            <p:ph type="sldNum" sz="quarter" idx="12"/>
+          </p:nvPr>
+        </p:nvSpPr>
+        <p:spPr/>
+        <p:txBody>
+          <a:bodyPr/>
+          <a:lstStyle/>
+          <a:p>
+            <a:fld id="{4F88D95F-3A11-4A91-9442-80922F515B4F}" type="slidenum">
+              <a:rPr lang="en-US" altLang="zh-CN"/>
+              <a:pPr/>
+              <a:t>10</a:t>
+            </a:fld>
+            <a:endParaRPr lang="en-US" altLang="zh-CN"/>
+          </a:p>
+        </p:txBody>
+      </p:sp>
+    </p:spTree>
+    <p:extLst>
+      <p:ext uri="{BB962C8B-B14F-4D97-AF65-F5344CB8AC3E}">
+        <p14:creationId xmlns="" xmlns:p14="http://schemas.microsoft.com/office/powerpoint/2010/main" val="2740047258"/>
+      </p:ext>
+    </p:extLst>
+  </p:cSld>
+  <p:clrMapOvr>
+    <a:masterClrMapping/>
+  </p:clrMapOvr>
+  <p:timing>
+    <p:tnLst>
+      <p:par>
+        <p:cTn id="1" dur="indefinite" restart="never" nodeType="tmRoot"/>
+      </p:par>
+    </p:tnLst>
+  </p:timing>
+</p:sld>
+</file>
+
+<file path=ppt/slides/slide11.xml><?xml version="1.0" encoding="utf-8"?>
+<p:sld xmlns:a="http://schemas.openxmlformats.org/drawingml/2006/main" xmlns:r="http://schemas.openxmlformats.org/officeDocument/2006/relationships" xmlns:p="http://schemas.openxmlformats.org/presentationml/2006/main">
+  <p:cSld>
+    <p:spTree>
+      <p:nvGrpSpPr>
+        <p:cNvPr id="1" name=""/>
+        <p:cNvGrpSpPr/>
+        <p:nvPr/>
+      </p:nvGrpSpPr>
+      <p:grpSpPr>
+        <a:xfrm>
+          <a:off x="0" y="0"/>
+          <a:ext cx="0" cy="0"/>
+          <a:chOff x="0" y="0"/>
+          <a:chExt cx="0" cy="0"/>
+        </a:xfrm>
+      </p:grpSpPr>
+      <p:sp>
+        <p:nvSpPr>
+          <p:cNvPr id="2" name="Title 1"/>
+          <p:cNvSpPr>
+            <a:spLocks noGrp="1"/>
+          </p:cNvSpPr>
+          <p:nvPr>
+            <p:ph type="title"/>
+          </p:nvPr>
+        </p:nvSpPr>
+        <p:spPr/>
+        <p:txBody>
+          <a:bodyPr>
+            <a:normAutofit fontScale="90000"/>
+          </a:bodyPr>
+          <a:lstStyle/>
+          <a:p>
+            <a:r>
+              <a:rPr lang="en-US" dirty="0" err="1" smtClean="0"/>
+              <a:t>Laravel</a:t>
+            </a:r>
+            <a:r>
+              <a:rPr lang="en-US" dirty="0" smtClean="0"/>
+              <a:t> Course  layout</a:t>
+            </a:r>
+            <a:br>
+              <a:rPr lang="en-US" dirty="0" smtClean="0"/>
+            </a:br>
+            <a:endParaRPr lang="en-US" dirty="0"/>
+          </a:p>
+        </p:txBody>
+      </p:sp>
+      <p:sp>
+        <p:nvSpPr>
+          <p:cNvPr id="5" name="Content Placeholder 4"/>
+          <p:cNvSpPr>
+            <a:spLocks noGrp="1"/>
+          </p:cNvSpPr>
+          <p:nvPr>
+            <p:ph idx="1"/>
+          </p:nvPr>
+        </p:nvSpPr>
+        <p:spPr/>
+        <p:txBody>
+          <a:bodyPr>
+            <a:noAutofit/>
+          </a:bodyPr>
+          <a:lstStyle/>
+          <a:p>
+            <a:r>
+              <a:rPr lang="en-US" sz="2400" dirty="0" err="1" smtClean="0"/>
+              <a:t>Laravel</a:t>
+            </a:r>
+            <a:r>
+              <a:rPr lang="en-US" sz="2400" dirty="0" smtClean="0"/>
+              <a:t> is MVC PHP framework created by </a:t>
+            </a:r>
+            <a:r>
+              <a:rPr lang="en-US" sz="2400" b="1" dirty="0" smtClean="0"/>
+              <a:t>Taylor </a:t>
+            </a:r>
+            <a:r>
+              <a:rPr lang="en-US" sz="2400" b="1" dirty="0" err="1" smtClean="0"/>
+              <a:t>Otwell</a:t>
+            </a:r>
+            <a:r>
+              <a:rPr lang="en-US" sz="2400" b="1" dirty="0" smtClean="0"/>
+              <a:t> </a:t>
+            </a:r>
+            <a:r>
+              <a:rPr lang="en-US" sz="2400" dirty="0" smtClean="0"/>
+              <a:t>in</a:t>
+            </a:r>
+            <a:r>
+              <a:rPr lang="bg-BG" sz="2400" dirty="0" smtClean="0"/>
+              <a:t> </a:t>
+            </a:r>
+            <a:r>
+              <a:rPr lang="en-US" sz="2400" b="1" dirty="0" smtClean="0"/>
+              <a:t>2011</a:t>
+            </a:r>
+            <a:endParaRPr lang="en-US" sz="2400" dirty="0" smtClean="0"/>
+          </a:p>
+          <a:p>
+            <a:pPr lvl="0"/>
+            <a:r>
+              <a:rPr lang="en-US" sz="2400" dirty="0" smtClean="0"/>
+              <a:t>Free open-source license with many contributors worldwide</a:t>
+            </a:r>
+          </a:p>
+          <a:p>
+            <a:pPr lvl="0"/>
+            <a:r>
+              <a:rPr lang="en-US" sz="2400" dirty="0" smtClean="0"/>
+              <a:t>One of the best frameworks together with </a:t>
+            </a:r>
+            <a:r>
+              <a:rPr lang="en-US" sz="2400" dirty="0" err="1" smtClean="0"/>
+              <a:t>Symfony</a:t>
+            </a:r>
+            <a:r>
+              <a:rPr lang="en-US" sz="2400" dirty="0" smtClean="0"/>
+              <a:t>, </a:t>
+            </a:r>
+            <a:r>
+              <a:rPr lang="en-US" sz="2400" dirty="0" err="1" smtClean="0"/>
+              <a:t>CodeIgniter</a:t>
+            </a:r>
+            <a:r>
+              <a:rPr lang="en-US" sz="2400" dirty="0" smtClean="0"/>
+              <a:t>, </a:t>
+            </a:r>
+            <a:r>
+              <a:rPr lang="en-US" sz="2400" dirty="0" err="1" smtClean="0"/>
+              <a:t>Yii</a:t>
+            </a:r>
+            <a:endParaRPr lang="en-US" sz="2400" dirty="0" smtClean="0"/>
+          </a:p>
+          <a:p>
+            <a:pPr lvl="0"/>
+            <a:r>
+              <a:rPr lang="en-US" sz="2400" dirty="0" smtClean="0"/>
+              <a:t>Has powerful features, saving us time</a:t>
+            </a:r>
+          </a:p>
+          <a:p>
+            <a:pPr lvl="0"/>
+            <a:r>
+              <a:rPr lang="en-US" sz="2400" dirty="0" smtClean="0"/>
+              <a:t>Uses </a:t>
+            </a:r>
+            <a:r>
+              <a:rPr lang="en-US" sz="2400" dirty="0" err="1" smtClean="0"/>
+              <a:t>Symfony</a:t>
+            </a:r>
+            <a:r>
+              <a:rPr lang="en-US" sz="2400" dirty="0" smtClean="0"/>
+              <a:t> packages</a:t>
+            </a:r>
+          </a:p>
+          <a:p>
+            <a:pPr lvl="0"/>
+            <a:r>
+              <a:rPr lang="en-US" sz="2400" dirty="0" smtClean="0"/>
+              <a:t>Lets see some statistics</a:t>
+            </a:r>
+          </a:p>
+          <a:p>
+            <a:endParaRPr lang="en-US" sz="2400" dirty="0" smtClean="0"/>
+          </a:p>
+          <a:p>
+            <a:endParaRPr lang="en-US" sz="2400" dirty="0" smtClean="0"/>
+          </a:p>
+          <a:p>
+            <a:endParaRPr lang="en-US" sz="2400" dirty="0" smtClean="0"/>
+          </a:p>
+          <a:p>
+            <a:endParaRPr lang="en-US" sz="2400" dirty="0" smtClean="0"/>
+          </a:p>
+          <a:p>
+            <a:endParaRPr lang="en-US" sz="2400" dirty="0"/>
+          </a:p>
+        </p:txBody>
+      </p:sp>
+    </p:spTree>
+  </p:cSld>
+  <p:clrMapOvr>
+    <a:masterClrMapping/>
+  </p:clrMapOvr>
+</p:sld>
+</file>
+
+<file path=ppt/slides/slide12.xml><?xml version="1.0" encoding="utf-8"?>
+<p:sld xmlns:a="http://schemas.openxmlformats.org/drawingml/2006/main" xmlns:r="http://schemas.openxmlformats.org/officeDocument/2006/relationships" xmlns:p="http://schemas.openxmlformats.org/presentationml/2006/main">
+  <p:cSld>
+    <p:spTree>
+      <p:nvGrpSpPr>
+        <p:cNvPr id="1" name=""/>
+        <p:cNvGrpSpPr/>
+        <p:nvPr/>
+      </p:nvGrpSpPr>
+      <p:grpSpPr>
+        <a:xfrm>
+          <a:off x="0" y="0"/>
+          <a:ext cx="0" cy="0"/>
+          <a:chOff x="0" y="0"/>
+          <a:chExt cx="0" cy="0"/>
+        </a:xfrm>
+      </p:grpSpPr>
+      <p:sp>
+        <p:nvSpPr>
+          <p:cNvPr id="4" name="Title 3"/>
+          <p:cNvSpPr>
+            <a:spLocks noGrp="1"/>
+          </p:cNvSpPr>
+          <p:nvPr>
+            <p:ph type="title"/>
+          </p:nvPr>
+        </p:nvSpPr>
+        <p:spPr/>
+        <p:txBody>
+          <a:bodyPr>
+            <a:normAutofit fontScale="90000"/>
+          </a:bodyPr>
+          <a:lstStyle/>
+          <a:p>
+            <a:pPr lvl="0"/>
+            <a:r>
+              <a:rPr lang="en-US" dirty="0" smtClean="0"/>
+              <a:t>Google Trends (2012 – 2017)</a:t>
+            </a:r>
+            <a:br>
+              <a:rPr lang="en-US" dirty="0" smtClean="0"/>
+            </a:br>
+            <a:endParaRPr lang="en-US" dirty="0"/>
+          </a:p>
+        </p:txBody>
+      </p:sp>
+      <p:sp>
+        <p:nvSpPr>
+          <p:cNvPr id="6" name="Content Placeholder 5"/>
+          <p:cNvSpPr>
+            <a:spLocks noGrp="1"/>
+          </p:cNvSpPr>
+          <p:nvPr>
+            <p:ph idx="1"/>
+          </p:nvPr>
+        </p:nvSpPr>
+        <p:spPr/>
+        <p:txBody>
+          <a:bodyPr/>
+          <a:lstStyle/>
+          <a:p>
+            <a:endParaRPr lang="en-US"/>
+          </a:p>
+        </p:txBody>
+      </p:sp>
+      <p:sp>
+        <p:nvSpPr>
+          <p:cNvPr id="7" name="Title 1"/>
+          <p:cNvSpPr txBox="1">
+            <a:spLocks/>
+          </p:cNvSpPr>
+          <p:nvPr/>
+        </p:nvSpPr>
+        <p:spPr>
+          <a:xfrm>
+            <a:off x="-574430" y="1"/>
+            <a:ext cx="9492537" cy="1080654"/>
+          </a:xfrm>
+          <a:prstGeom prst="rect">
+            <a:avLst/>
+          </a:prstGeom>
+        </p:spPr>
+        <p:txBody>
+          <a:bodyPr vert="horz" lIns="91440" tIns="45720" rIns="91440" bIns="45720" rtlCol="0" anchor="ctr">
+            <a:normAutofit/>
+          </a:bodyPr>
+          <a:lstStyle/>
+          <a:p>
+            <a:pPr marL="0" marR="0" lvl="0" indent="0" algn="ctr" defTabSz="914400" rtl="0" eaLnBrk="1" fontAlgn="auto" latinLnBrk="0" hangingPunct="1">
+              <a:lnSpc>
+                <a:spcPct val="100000"/>
+              </a:lnSpc>
+              <a:spcBef>
+                <a:spcPct val="0"/>
+              </a:spcBef>
+              <a:spcAft>
+                <a:spcPts val="0"/>
+              </a:spcAft>
+              <a:buClrTx/>
+              <a:buSzTx/>
+              <a:buFontTx/>
+              <a:buNone/>
+              <a:tabLst/>
+              <a:defRPr/>
+            </a:pPr>
+            <a:endParaRPr kumimoji="0" lang="en-US" sz="4400" b="0" i="0" u="none" strike="noStrike" kern="1200" cap="none" spc="0" normalizeH="0" baseline="0" noProof="0" dirty="0">
+              <a:ln>
+                <a:noFill/>
+              </a:ln>
+              <a:solidFill>
+                <a:schemeClr val="tx1"/>
+              </a:solidFill>
+              <a:effectLst/>
+              <a:uLnTx/>
+              <a:uFillTx/>
+              <a:latin typeface="+mj-lt"/>
+              <a:ea typeface="+mj-ea"/>
+              <a:cs typeface="+mj-cs"/>
+            </a:endParaRPr>
+          </a:p>
+        </p:txBody>
+      </p:sp>
+      <p:pic>
+        <p:nvPicPr>
+          <p:cNvPr id="8" name="Picture 7"/>
+          <p:cNvPicPr>
+            <a:picLocks noChangeAspect="1"/>
+          </p:cNvPicPr>
+          <p:nvPr/>
+        </p:nvPicPr>
+        <p:blipFill>
+          <a:blip r:embed="rId2">
+            <a:extLst>
+              <a:ext uri="{28A0092B-C50C-407E-A947-70E740481C1C}">
+                <a14:useLocalDpi xmlns="" xmlns:a14="http://schemas.microsoft.com/office/drawing/2010/main" val="0"/>
+              </a:ext>
+            </a:extLst>
+          </a:blip>
+          <a:stretch>
+            <a:fillRect/>
+          </a:stretch>
+        </p:blipFill>
+        <p:spPr>
+          <a:xfrm>
+            <a:off x="152401" y="960581"/>
+            <a:ext cx="8458200" cy="5763241"/>
+          </a:xfrm>
+          <a:prstGeom prst="rect">
+            <a:avLst/>
+          </a:prstGeom>
+        </p:spPr>
+      </p:pic>
+    </p:spTree>
+  </p:cSld>
+  <p:clrMapOvr>
+    <a:masterClrMapping/>
+  </p:clrMapOvr>
+</p:sld>
+</file>
+
+<file path=ppt/slides/slide13.xml><?xml version="1.0" encoding="utf-8"?>
+<p:sld xmlns:a="http://schemas.openxmlformats.org/drawingml/2006/main" xmlns:r="http://schemas.openxmlformats.org/officeDocument/2006/relationships" xmlns:p="http://schemas.openxmlformats.org/presentationml/2006/main">
+  <p:cSld>
+    <p:spTree>
+      <p:nvGrpSpPr>
+        <p:cNvPr id="1" name=""/>
+        <p:cNvGrpSpPr/>
+        <p:nvPr/>
+      </p:nvGrpSpPr>
+      <p:grpSpPr>
+        <a:xfrm>
+          <a:off x="0" y="0"/>
+          <a:ext cx="0" cy="0"/>
+          <a:chOff x="0" y="0"/>
+          <a:chExt cx="0" cy="0"/>
+        </a:xfrm>
+      </p:grpSpPr>
+      <p:sp>
+        <p:nvSpPr>
+          <p:cNvPr id="4" name="Title 3"/>
+          <p:cNvSpPr>
+            <a:spLocks noGrp="1"/>
+          </p:cNvSpPr>
+          <p:nvPr>
+            <p:ph type="title"/>
+          </p:nvPr>
+        </p:nvSpPr>
+        <p:spPr/>
+        <p:txBody>
+          <a:bodyPr>
+            <a:normAutofit fontScale="90000"/>
+          </a:bodyPr>
+          <a:lstStyle/>
+          <a:p>
+            <a:pPr lvl="0"/>
+            <a:r>
+              <a:rPr lang="en-US" dirty="0" smtClean="0"/>
+              <a:t>Google Trends (2012 – 2017)</a:t>
+            </a:r>
+            <a:br>
+              <a:rPr lang="en-US" dirty="0" smtClean="0"/>
+            </a:br>
+            <a:endParaRPr lang="en-US" dirty="0"/>
+          </a:p>
+        </p:txBody>
+      </p:sp>
+      <p:sp>
+        <p:nvSpPr>
+          <p:cNvPr id="6" name="Content Placeholder 5"/>
+          <p:cNvSpPr>
+            <a:spLocks noGrp="1"/>
+          </p:cNvSpPr>
+          <p:nvPr>
+            <p:ph idx="1"/>
+          </p:nvPr>
+        </p:nvSpPr>
+        <p:spPr/>
+        <p:txBody>
+          <a:bodyPr/>
+          <a:lstStyle/>
+          <a:p>
+            <a:endParaRPr lang="en-US"/>
+          </a:p>
+        </p:txBody>
+      </p:sp>
+      <p:sp>
+        <p:nvSpPr>
+          <p:cNvPr id="7" name="Title 1"/>
+          <p:cNvSpPr txBox="1">
+            <a:spLocks/>
+          </p:cNvSpPr>
+          <p:nvPr/>
+        </p:nvSpPr>
+        <p:spPr>
+          <a:xfrm>
+            <a:off x="-574430" y="1"/>
+            <a:ext cx="9492537" cy="1080654"/>
+          </a:xfrm>
+          <a:prstGeom prst="rect">
+            <a:avLst/>
+          </a:prstGeom>
+        </p:spPr>
+        <p:txBody>
+          <a:bodyPr vert="horz" lIns="91440" tIns="45720" rIns="91440" bIns="45720" rtlCol="0" anchor="ctr">
+            <a:normAutofit/>
+          </a:bodyPr>
+          <a:lstStyle/>
+          <a:p>
+            <a:pPr marL="0" marR="0" lvl="0" indent="0" algn="ctr" defTabSz="914400" rtl="0" eaLnBrk="1" fontAlgn="auto" latinLnBrk="0" hangingPunct="1">
+              <a:lnSpc>
+                <a:spcPct val="100000"/>
+              </a:lnSpc>
+              <a:spcBef>
+                <a:spcPct val="0"/>
+              </a:spcBef>
+              <a:spcAft>
+                <a:spcPts val="0"/>
+              </a:spcAft>
+              <a:buClrTx/>
+              <a:buSzTx/>
+              <a:buFontTx/>
+              <a:buNone/>
+              <a:tabLst/>
+              <a:defRPr/>
+            </a:pPr>
+            <a:endParaRPr kumimoji="0" lang="en-US" sz="4400" b="0" i="0" u="none" strike="noStrike" kern="1200" cap="none" spc="0" normalizeH="0" baseline="0" noProof="0" dirty="0">
+              <a:ln>
+                <a:noFill/>
+              </a:ln>
+              <a:solidFill>
+                <a:schemeClr val="tx1"/>
+              </a:solidFill>
+              <a:effectLst/>
+              <a:uLnTx/>
+              <a:uFillTx/>
+              <a:latin typeface="+mj-lt"/>
+              <a:ea typeface="+mj-ea"/>
+              <a:cs typeface="+mj-cs"/>
+            </a:endParaRPr>
+          </a:p>
+        </p:txBody>
+      </p:sp>
+      <p:pic>
+        <p:nvPicPr>
+          <p:cNvPr id="9" name="Picture 8"/>
+          <p:cNvPicPr>
+            <a:picLocks noChangeAspect="1"/>
+          </p:cNvPicPr>
+          <p:nvPr/>
+        </p:nvPicPr>
+        <p:blipFill>
+          <a:blip r:embed="rId2" cstate="print">
+            <a:extLst>
+              <a:ext uri="{28A0092B-C50C-407E-A947-70E740481C1C}">
+                <a14:useLocalDpi xmlns="" xmlns:a14="http://schemas.microsoft.com/office/drawing/2010/main" val="0"/>
+              </a:ext>
+            </a:extLst>
+          </a:blip>
+          <a:stretch>
+            <a:fillRect/>
+          </a:stretch>
+        </p:blipFill>
+        <p:spPr>
+          <a:xfrm>
+            <a:off x="457200" y="990600"/>
+            <a:ext cx="8153400" cy="5599825"/>
+          </a:xfrm>
+          <a:prstGeom prst="rect">
+            <a:avLst/>
+          </a:prstGeom>
+        </p:spPr>
+      </p:pic>
+    </p:spTree>
+  </p:cSld>
+  <p:clrMapOvr>
+    <a:masterClrMapping/>
+  </p:clrMapOvr>
+</p:sld>
+</file>
+
+<file path=ppt/slides/slide14.xml><?xml version="1.0" encoding="utf-8"?>
+<p:sld xmlns:a="http://schemas.openxmlformats.org/drawingml/2006/main" xmlns:r="http://schemas.openxmlformats.org/officeDocument/2006/relationships" xmlns:p="http://schemas.openxmlformats.org/presentationml/2006/main">
+  <p:cSld>
+    <p:spTree>
+      <p:nvGrpSpPr>
+        <p:cNvPr id="1" name=""/>
+        <p:cNvGrpSpPr/>
+        <p:nvPr/>
+      </p:nvGrpSpPr>
+      <p:grpSpPr>
+        <a:xfrm>
+          <a:off x="0" y="0"/>
+          <a:ext cx="0" cy="0"/>
+          <a:chOff x="0" y="0"/>
+          <a:chExt cx="0" cy="0"/>
+        </a:xfrm>
+      </p:grpSpPr>
+      <p:sp>
+        <p:nvSpPr>
+          <p:cNvPr id="10" name="Title 1"/>
+          <p:cNvSpPr>
+            <a:spLocks noGrp="1"/>
+          </p:cNvSpPr>
+          <p:nvPr>
+            <p:ph type="title"/>
+          </p:nvPr>
+        </p:nvSpPr>
+        <p:spPr>
+          <a:xfrm>
+            <a:off x="60358" y="0"/>
+            <a:ext cx="9083642" cy="1034472"/>
+          </a:xfrm>
+        </p:spPr>
+        <p:txBody>
+          <a:bodyPr/>
+          <a:lstStyle/>
+          <a:p>
+            <a:r>
+              <a:rPr lang="en-US" dirty="0" smtClean="0"/>
+              <a:t>Features	</a:t>
+            </a:r>
+            <a:endParaRPr lang="en-US" dirty="0"/>
+          </a:p>
+        </p:txBody>
+      </p:sp>
+      <p:sp>
+        <p:nvSpPr>
+          <p:cNvPr id="11" name="Content Placeholder 2"/>
+          <p:cNvSpPr>
+            <a:spLocks noGrp="1"/>
+          </p:cNvSpPr>
+          <p:nvPr>
+            <p:ph idx="1"/>
+          </p:nvPr>
+        </p:nvSpPr>
+        <p:spPr>
+          <a:xfrm>
+            <a:off x="609600" y="914400"/>
+            <a:ext cx="7698509" cy="5541818"/>
+          </a:xfrm>
+        </p:spPr>
+        <p:txBody>
+          <a:bodyPr>
+            <a:noAutofit/>
+          </a:bodyPr>
+          <a:lstStyle/>
+          <a:p>
+            <a:r>
+              <a:rPr lang="en-US" sz="2000" b="1" dirty="0" smtClean="0"/>
+              <a:t>Eloquent ORM </a:t>
+            </a:r>
+            <a:r>
+              <a:rPr lang="en-US" sz="2000" dirty="0" smtClean="0"/>
+              <a:t>(object-relational mapping) – implements </a:t>
+            </a:r>
+            <a:r>
+              <a:rPr lang="en-US" sz="2000" dirty="0" err="1" smtClean="0"/>
+              <a:t>ActiveRecord</a:t>
+            </a:r>
+            <a:r>
+              <a:rPr lang="en-US" sz="2000" dirty="0" smtClean="0"/>
+              <a:t> </a:t>
+            </a:r>
+          </a:p>
+          <a:p>
+            <a:r>
+              <a:rPr lang="en-US" sz="2000" b="1" dirty="0" smtClean="0"/>
+              <a:t>Query builder </a:t>
+            </a:r>
+            <a:r>
+              <a:rPr lang="en-US" sz="2000" dirty="0" smtClean="0"/>
+              <a:t>– helps you to build secured SQL queries</a:t>
+            </a:r>
+          </a:p>
+          <a:p>
+            <a:r>
+              <a:rPr lang="en-US" sz="2000" b="1" dirty="0" smtClean="0"/>
+              <a:t>Restful controllers </a:t>
+            </a:r>
+            <a:r>
+              <a:rPr lang="en-US" sz="2000" dirty="0" smtClean="0"/>
+              <a:t>– provides a way for separating the different HTTP requests (GET, POST, DELETE, etc.)</a:t>
+            </a:r>
+          </a:p>
+          <a:p>
+            <a:r>
+              <a:rPr lang="en-US" sz="2000" b="1" dirty="0" smtClean="0"/>
+              <a:t>Blade template engine </a:t>
+            </a:r>
+            <a:r>
+              <a:rPr lang="en-US" sz="2000" dirty="0" smtClean="0"/>
+              <a:t>– combines templates with a data model to produce views</a:t>
+            </a:r>
+          </a:p>
+          <a:p>
+            <a:r>
+              <a:rPr lang="en-US" sz="2000" b="1" dirty="0" smtClean="0"/>
+              <a:t>Migrations</a:t>
+            </a:r>
+            <a:r>
+              <a:rPr lang="en-US" sz="2000" dirty="0" smtClean="0"/>
+              <a:t> – version control system for database, update your database easier</a:t>
+            </a:r>
+          </a:p>
+          <a:p>
+            <a:r>
+              <a:rPr lang="en-US" sz="2000" b="1" dirty="0" smtClean="0"/>
+              <a:t>Database seeding </a:t>
+            </a:r>
+            <a:r>
+              <a:rPr lang="en-US" sz="2000" dirty="0" smtClean="0"/>
+              <a:t>– provides a way to populate database tables with test data used for testing</a:t>
+            </a:r>
+          </a:p>
+          <a:p>
+            <a:r>
+              <a:rPr lang="en-US" sz="2000" b="1" dirty="0" smtClean="0"/>
+              <a:t>Pagination</a:t>
+            </a:r>
+            <a:r>
+              <a:rPr lang="en-US" sz="2000" dirty="0" smtClean="0"/>
+              <a:t> – easy to use advanced pagination functionalities</a:t>
+            </a:r>
+          </a:p>
+          <a:p>
+            <a:r>
+              <a:rPr lang="en-US" sz="2000" b="1" dirty="0" smtClean="0"/>
+              <a:t>Forms security </a:t>
+            </a:r>
+            <a:r>
+              <a:rPr lang="en-US" sz="2000" dirty="0" smtClean="0"/>
+              <a:t>– provides CSRF token middleware, protecting all the forms</a:t>
+            </a:r>
+            <a:endParaRPr lang="bg-BG" sz="2000" dirty="0" smtClean="0"/>
+          </a:p>
+        </p:txBody>
+      </p:sp>
+    </p:spTree>
+  </p:cSld>
+  <p:clrMapOvr>
+    <a:masterClrMapping/>
+  </p:clrMapOvr>
+</p:sld>
+</file>
+
+<file path=ppt/slides/slide15.xml><?xml version="1.0" encoding="utf-8"?>
+<p:sld xmlns:a="http://schemas.openxmlformats.org/drawingml/2006/main" xmlns:r="http://schemas.openxmlformats.org/officeDocument/2006/relationships" xmlns:p="http://schemas.openxmlformats.org/presentationml/2006/main">
+  <p:cSld>
+    <p:spTree>
+      <p:nvGrpSpPr>
+        <p:cNvPr id="1" name=""/>
+        <p:cNvGrpSpPr/>
+        <p:nvPr/>
+      </p:nvGrpSpPr>
+      <p:grpSpPr>
+        <a:xfrm>
+          <a:off x="0" y="0"/>
+          <a:ext cx="0" cy="0"/>
+          <a:chOff x="0" y="0"/>
+          <a:chExt cx="0" cy="0"/>
+        </a:xfrm>
+      </p:grpSpPr>
+      <p:sp>
+        <p:nvSpPr>
+          <p:cNvPr id="2" name="Title 1"/>
+          <p:cNvSpPr>
+            <a:spLocks noGrp="1"/>
+          </p:cNvSpPr>
+          <p:nvPr>
+            <p:ph type="title"/>
+          </p:nvPr>
+        </p:nvSpPr>
+        <p:spPr/>
+        <p:txBody>
+          <a:bodyPr>
+            <a:normAutofit fontScale="90000"/>
+          </a:bodyPr>
+          <a:lstStyle/>
+          <a:p>
+            <a:r>
+              <a:rPr lang="en-US" dirty="0" smtClean="0"/>
+              <a:t>Environment Setup </a:t>
+            </a:r>
+            <a:br>
+              <a:rPr lang="en-US" dirty="0" smtClean="0"/>
+            </a:br>
+            <a:endParaRPr lang="en-US" dirty="0"/>
+          </a:p>
+        </p:txBody>
+      </p:sp>
+      <p:sp>
+        <p:nvSpPr>
+          <p:cNvPr id="6" name="Content Placeholder 5"/>
+          <p:cNvSpPr>
+            <a:spLocks noGrp="1"/>
+          </p:cNvSpPr>
+          <p:nvPr>
+            <p:ph idx="1"/>
+          </p:nvPr>
+        </p:nvSpPr>
+        <p:spPr>
+          <a:xfrm>
+            <a:off x="457200" y="1600200"/>
+            <a:ext cx="8229600" cy="4571999"/>
+          </a:xfrm>
+        </p:spPr>
+        <p:txBody>
+          <a:bodyPr>
+            <a:normAutofit fontScale="85000" lnSpcReduction="20000"/>
+          </a:bodyPr>
+          <a:lstStyle/>
+          <a:p>
+            <a:r>
+              <a:rPr lang="en-US" sz="3300" b="1" u="sng" dirty="0" smtClean="0">
+                <a:solidFill>
+                  <a:srgbClr val="FF0000"/>
+                </a:solidFill>
+              </a:rPr>
+              <a:t>Required Programs</a:t>
+            </a:r>
+          </a:p>
+          <a:p>
+            <a:pPr marL="514350" indent="-514350">
+              <a:buFont typeface="+mj-lt"/>
+              <a:buAutoNum type="arabicPeriod"/>
+            </a:pPr>
+            <a:r>
+              <a:rPr lang="en-US" dirty="0" err="1" smtClean="0"/>
+              <a:t>Ampps</a:t>
+            </a:r>
+            <a:endParaRPr lang="en-US" dirty="0" smtClean="0"/>
+          </a:p>
+          <a:p>
+            <a:pPr marL="514350" indent="-514350">
+              <a:buFont typeface="+mj-lt"/>
+              <a:buAutoNum type="arabicPeriod"/>
+            </a:pPr>
+            <a:r>
+              <a:rPr lang="en-US" dirty="0" smtClean="0">
+                <a:hlinkClick r:id="rId2"/>
+              </a:rPr>
+              <a:t>Node.js</a:t>
+            </a:r>
+            <a:endParaRPr lang="en-US" dirty="0" smtClean="0"/>
+          </a:p>
+          <a:p>
+            <a:pPr marL="514350" indent="-514350">
+              <a:buFont typeface="+mj-lt"/>
+              <a:buAutoNum type="arabicPeriod"/>
+            </a:pPr>
+            <a:r>
+              <a:rPr lang="en-US" dirty="0" smtClean="0">
+                <a:hlinkClick r:id="rId3"/>
+              </a:rPr>
+              <a:t>Composer</a:t>
+            </a:r>
+            <a:r>
+              <a:rPr lang="en-US" dirty="0" smtClean="0"/>
+              <a:t> </a:t>
+            </a:r>
+            <a:r>
+              <a:rPr lang="en-US" b="1" dirty="0" smtClean="0"/>
+              <a:t>To manage its dependencies</a:t>
+            </a:r>
+          </a:p>
+          <a:p>
+            <a:endParaRPr lang="en-US" b="1" dirty="0" smtClean="0"/>
+          </a:p>
+          <a:p>
+            <a:r>
+              <a:rPr lang="en-US" b="1" u="sng" dirty="0" smtClean="0">
+                <a:solidFill>
+                  <a:schemeClr val="accent6">
+                    <a:lumMod val="50000"/>
+                  </a:schemeClr>
+                </a:solidFill>
+              </a:rPr>
+              <a:t>Optional Programs</a:t>
+            </a:r>
+          </a:p>
+          <a:p>
+            <a:pPr marL="514350" indent="-514350">
+              <a:buFont typeface="+mj-lt"/>
+              <a:buAutoNum type="arabicPeriod"/>
+            </a:pPr>
+            <a:r>
+              <a:rPr lang="en-US" dirty="0" smtClean="0">
+                <a:hlinkClick r:id="rId4"/>
+              </a:rPr>
+              <a:t>VScode </a:t>
+            </a:r>
+            <a:r>
+              <a:rPr lang="en-US" dirty="0" smtClean="0"/>
+              <a:t>IDE Setup </a:t>
+            </a:r>
+          </a:p>
+          <a:p>
+            <a:pPr marL="514350" indent="-514350">
+              <a:buFont typeface="+mj-lt"/>
+              <a:buAutoNum type="arabicPeriod"/>
+            </a:pPr>
+            <a:r>
+              <a:rPr lang="en-US" b="1" dirty="0" err="1" smtClean="0">
+                <a:hlinkClick r:id="rId5"/>
+              </a:rPr>
+              <a:t>GitHub</a:t>
+            </a:r>
+            <a:r>
+              <a:rPr lang="en-US" b="1" dirty="0" smtClean="0"/>
+              <a:t> </a:t>
+            </a:r>
+            <a:r>
+              <a:rPr lang="en-US" b="1" dirty="0" smtClean="0">
+                <a:hlinkClick r:id="rId6"/>
+              </a:rPr>
+              <a:t>Version Control </a:t>
+            </a:r>
+            <a:endParaRPr lang="en-US" b="1" dirty="0" smtClean="0"/>
+          </a:p>
+          <a:p>
+            <a:pPr marL="514350" indent="-514350">
+              <a:buFont typeface="+mj-lt"/>
+              <a:buAutoNum type="arabicPeriod"/>
+            </a:pPr>
+            <a:r>
+              <a:rPr lang="en-US" b="1" dirty="0" smtClean="0">
+                <a:hlinkClick r:id="rId7"/>
+              </a:rPr>
+              <a:t>Postman</a:t>
+            </a:r>
+            <a:r>
+              <a:rPr lang="en-US" b="1" dirty="0" smtClean="0"/>
+              <a:t> Makes API Development Simple</a:t>
+            </a:r>
+          </a:p>
+          <a:p>
+            <a:pPr marL="514350" indent="-514350">
+              <a:buFont typeface="+mj-lt"/>
+              <a:buAutoNum type="arabicPeriod"/>
+            </a:pPr>
+            <a:r>
+              <a:rPr lang="en-US" b="1" dirty="0" smtClean="0">
+                <a:hlinkClick r:id="rId8"/>
+              </a:rPr>
+              <a:t>filezilla  </a:t>
+            </a:r>
+            <a:r>
+              <a:rPr lang="en-US" b="1" dirty="0" smtClean="0"/>
+              <a:t>FTP solution for both client and server.</a:t>
+            </a:r>
+          </a:p>
+          <a:p>
+            <a:pPr marL="514350" indent="-514350">
+              <a:buFont typeface="+mj-lt"/>
+              <a:buAutoNum type="arabicPeriod"/>
+            </a:pPr>
+            <a:r>
+              <a:rPr lang="en-US" b="1" dirty="0" smtClean="0">
+                <a:hlinkClick r:id="rId9"/>
+              </a:rPr>
+              <a:t>PuTTY</a:t>
+            </a:r>
+            <a:r>
+              <a:rPr lang="en-US" dirty="0" smtClean="0"/>
+              <a:t> i</a:t>
+            </a:r>
+            <a:r>
+              <a:rPr lang="en-US" b="1" dirty="0" smtClean="0"/>
+              <a:t>s</a:t>
+            </a:r>
+            <a:r>
+              <a:rPr lang="en-US" dirty="0" smtClean="0"/>
+              <a:t> </a:t>
+            </a:r>
+            <a:r>
+              <a:rPr lang="en-US" b="1" dirty="0" smtClean="0"/>
+              <a:t>an SSH and telnet client</a:t>
+            </a:r>
+            <a:endParaRPr lang="en-US" b="1" dirty="0"/>
+          </a:p>
+        </p:txBody>
+      </p:sp>
+      <p:pic>
+        <p:nvPicPr>
+          <p:cNvPr id="4" name="Picture 3" descr="1200px-Node.js_logo.svg.png"/>
+          <p:cNvPicPr>
+            <a:picLocks noChangeAspect="1"/>
+          </p:cNvPicPr>
+          <p:nvPr/>
+        </p:nvPicPr>
+        <p:blipFill>
+          <a:blip r:embed="rId10" cstate="print"/>
+          <a:stretch>
+            <a:fillRect/>
+          </a:stretch>
+        </p:blipFill>
+        <p:spPr>
+          <a:xfrm>
+            <a:off x="3020176" y="2362201"/>
+            <a:ext cx="996621" cy="609600"/>
+          </a:xfrm>
+          <a:prstGeom prst="rect">
+            <a:avLst/>
+          </a:prstGeom>
+        </p:spPr>
+      </p:pic>
+      <p:pic>
+        <p:nvPicPr>
+          <p:cNvPr id="5" name="Picture 2" descr="نتيجة بحث الصور عن ‪composer‬‏"/>
+          <p:cNvPicPr>
+            <a:picLocks noChangeAspect="1" noChangeArrowheads="1"/>
+          </p:cNvPicPr>
+          <p:nvPr/>
+        </p:nvPicPr>
+        <p:blipFill>
+          <a:blip r:embed="rId11" cstate="print"/>
+          <a:srcRect/>
+          <a:stretch>
+            <a:fillRect/>
+          </a:stretch>
+        </p:blipFill>
+        <p:spPr bwMode="auto">
+          <a:xfrm>
+            <a:off x="7696200" y="2362200"/>
+            <a:ext cx="1047750" cy="1243732"/>
+          </a:xfrm>
+          <a:prstGeom prst="rect">
+            <a:avLst/>
+          </a:prstGeom>
+          <a:noFill/>
+        </p:spPr>
+      </p:pic>
+      <p:pic>
+        <p:nvPicPr>
+          <p:cNvPr id="7" name="Picture 6" descr="Capture.PNG"/>
+          <p:cNvPicPr>
+            <a:picLocks noChangeAspect="1"/>
+          </p:cNvPicPr>
+          <p:nvPr/>
+        </p:nvPicPr>
+        <p:blipFill>
+          <a:blip r:embed="rId12"/>
+          <a:stretch>
+            <a:fillRect/>
+          </a:stretch>
+        </p:blipFill>
+        <p:spPr>
+          <a:xfrm>
+            <a:off x="3733800" y="3657600"/>
+            <a:ext cx="800212" cy="809739"/>
+          </a:xfrm>
+          <a:prstGeom prst="rect">
+            <a:avLst/>
+          </a:prstGeom>
+        </p:spPr>
+      </p:pic>
+      <p:pic>
+        <p:nvPicPr>
+          <p:cNvPr id="8" name="Picture 2" descr="نتيجة بحث الصور عن ‪github‬‏"/>
+          <p:cNvPicPr>
+            <a:picLocks noChangeAspect="1" noChangeArrowheads="1"/>
+          </p:cNvPicPr>
+          <p:nvPr/>
+        </p:nvPicPr>
+        <p:blipFill>
+          <a:blip r:embed="rId13"/>
+          <a:srcRect/>
+          <a:stretch>
+            <a:fillRect/>
+          </a:stretch>
+        </p:blipFill>
+        <p:spPr bwMode="auto">
+          <a:xfrm>
+            <a:off x="4572000" y="4191000"/>
+            <a:ext cx="1428751" cy="751975"/>
+          </a:xfrm>
+          <a:prstGeom prst="rect">
+            <a:avLst/>
+          </a:prstGeom>
+          <a:noFill/>
+        </p:spPr>
+      </p:pic>
+      <p:pic>
+        <p:nvPicPr>
+          <p:cNvPr id="9" name="Picture 2" descr="نتيجة بحث الصور عن ‪Postman‬‏"/>
+          <p:cNvPicPr>
+            <a:picLocks noChangeAspect="1" noChangeArrowheads="1"/>
+          </p:cNvPicPr>
+          <p:nvPr/>
+        </p:nvPicPr>
+        <p:blipFill>
+          <a:blip r:embed="rId14"/>
+          <a:srcRect/>
+          <a:stretch>
+            <a:fillRect/>
+          </a:stretch>
+        </p:blipFill>
+        <p:spPr bwMode="auto">
+          <a:xfrm>
+            <a:off x="7086600" y="4495800"/>
+            <a:ext cx="762000" cy="762000"/>
+          </a:xfrm>
+          <a:prstGeom prst="rect">
+            <a:avLst/>
+          </a:prstGeom>
+          <a:noFill/>
+        </p:spPr>
+      </p:pic>
+    </p:spTree>
+  </p:cSld>
+  <p:clrMapOvr>
+    <a:masterClrMapping/>
+  </p:clrMapOvr>
+  <p:timing>
+    <p:tnLst>
+      <p:par>
+        <p:cTn id="1" dur="indefinite" restart="never" nodeType="tmRoot"/>
+      </p:par>
+    </p:tnLst>
+  </p:timing>
+</p:sld>
+</file>
+
+<file path=ppt/slides/slide16.xml><?xml version="1.0" encoding="utf-8"?>
+<p:sld xmlns:a="http://schemas.openxmlformats.org/drawingml/2006/main" xmlns:r="http://schemas.openxmlformats.org/officeDocument/2006/relationships" xmlns:p="http://schemas.openxmlformats.org/presentationml/2006/main">
+  <p:cSld>
+    <p:spTree>
+      <p:nvGrpSpPr>
+        <p:cNvPr id="1" name=""/>
+        <p:cNvGrpSpPr/>
+        <p:nvPr/>
+      </p:nvGrpSpPr>
+      <p:grpSpPr>
+        <a:xfrm>
+          <a:off x="0" y="0"/>
+          <a:ext cx="0" cy="0"/>
+          <a:chOff x="0" y="0"/>
+          <a:chExt cx="0" cy="0"/>
+        </a:xfrm>
+      </p:grpSpPr>
+      <p:sp>
+        <p:nvSpPr>
+          <p:cNvPr id="2" name="Title 1"/>
+          <p:cNvSpPr>
+            <a:spLocks noGrp="1"/>
+          </p:cNvSpPr>
+          <p:nvPr>
+            <p:ph type="title"/>
+          </p:nvPr>
+        </p:nvSpPr>
+        <p:spPr/>
+        <p:txBody>
+          <a:bodyPr>
+            <a:normAutofit fontScale="90000"/>
+          </a:bodyPr>
+          <a:lstStyle/>
+          <a:p>
+            <a:r>
+              <a:rPr lang="en-US" dirty="0" smtClean="0"/>
+              <a:t>Environment Setup </a:t>
+            </a:r>
+            <a:br>
+              <a:rPr lang="en-US" dirty="0" smtClean="0"/>
+            </a:br>
+            <a:endParaRPr lang="en-US" dirty="0"/>
+          </a:p>
+        </p:txBody>
+      </p:sp>
+      <p:sp>
+        <p:nvSpPr>
+          <p:cNvPr id="3" name="Content Placeholder 2"/>
+          <p:cNvSpPr>
+            <a:spLocks noGrp="1"/>
+          </p:cNvSpPr>
+          <p:nvPr>
+            <p:ph idx="1"/>
+          </p:nvPr>
+        </p:nvSpPr>
+        <p:spPr/>
+        <p:txBody>
+          <a:bodyPr>
+            <a:normAutofit fontScale="85000" lnSpcReduction="20000"/>
+          </a:bodyPr>
+          <a:lstStyle/>
+          <a:p>
+            <a:r>
+              <a:rPr lang="en-US" b="1" dirty="0" smtClean="0"/>
+              <a:t>visual studio code IDE extensions</a:t>
+            </a:r>
+          </a:p>
+          <a:p>
+            <a:endParaRPr lang="en-US" b="1" dirty="0" smtClean="0"/>
+          </a:p>
+          <a:p>
+            <a:r>
+              <a:rPr lang="en-US" b="1" dirty="0" err="1" smtClean="0"/>
+              <a:t>Laravel</a:t>
+            </a:r>
+            <a:r>
+              <a:rPr lang="en-US" b="1" dirty="0" smtClean="0"/>
+              <a:t> 5.6 Snippets</a:t>
+            </a:r>
+          </a:p>
+          <a:p>
+            <a:r>
+              <a:rPr lang="en-US" b="1" dirty="0" err="1" smtClean="0">
+                <a:hlinkClick r:id="rId2" tooltip="https://marketplace.visualstudio.com/items?itemName=onecentlin.laravel-blade"/>
+              </a:rPr>
+              <a:t>Laravel</a:t>
+            </a:r>
+            <a:r>
+              <a:rPr lang="en-US" b="1" dirty="0" smtClean="0">
+                <a:hlinkClick r:id="rId2" tooltip="https://marketplace.visualstudio.com/items?itemName=onecentlin.laravel-blade"/>
+              </a:rPr>
+              <a:t> Blade Snippets</a:t>
+            </a:r>
+            <a:endParaRPr lang="en-US" b="1" dirty="0" smtClean="0"/>
+          </a:p>
+          <a:p>
+            <a:r>
+              <a:rPr lang="en-US" b="1" dirty="0" err="1" smtClean="0"/>
+              <a:t>Laravel</a:t>
+            </a:r>
+            <a:r>
+              <a:rPr lang="en-US" b="1" dirty="0" smtClean="0"/>
+              <a:t> </a:t>
+            </a:r>
+            <a:r>
+              <a:rPr lang="en-US" b="1" dirty="0" err="1" smtClean="0"/>
+              <a:t>goto</a:t>
+            </a:r>
+            <a:r>
+              <a:rPr lang="en-US" b="1" dirty="0" smtClean="0"/>
+              <a:t> view</a:t>
+            </a:r>
+          </a:p>
+          <a:p>
+            <a:r>
+              <a:rPr lang="en-US" b="1" dirty="0" err="1" smtClean="0"/>
+              <a:t>laravel</a:t>
+            </a:r>
+            <a:r>
+              <a:rPr lang="en-US" b="1" dirty="0" smtClean="0"/>
+              <a:t>-</a:t>
+            </a:r>
+            <a:r>
+              <a:rPr lang="en-US" b="1" dirty="0" err="1" smtClean="0"/>
+              <a:t>goto</a:t>
+            </a:r>
+            <a:r>
+              <a:rPr lang="en-US" b="1" dirty="0" smtClean="0"/>
+              <a:t>-controller</a:t>
+            </a:r>
+            <a:r>
+              <a:rPr lang="en-US" dirty="0" smtClean="0"/>
+              <a:t/>
+            </a:r>
+            <a:br>
+              <a:rPr lang="en-US" dirty="0" smtClean="0"/>
+            </a:br>
+            <a:r>
+              <a:rPr lang="en-US" b="1" dirty="0" err="1" smtClean="0">
+                <a:hlinkClick r:id="rId3"/>
+              </a:rPr>
+              <a:t>Laravel</a:t>
+            </a:r>
+            <a:r>
+              <a:rPr lang="en-US" b="1" dirty="0" smtClean="0">
+                <a:hlinkClick r:id="rId3"/>
+              </a:rPr>
+              <a:t> Artisan</a:t>
+            </a:r>
+            <a:endParaRPr lang="en-US" b="1" dirty="0" smtClean="0"/>
+          </a:p>
+          <a:p>
+            <a:endParaRPr lang="en-US" b="1" dirty="0" smtClean="0"/>
+          </a:p>
+          <a:p>
+            <a:r>
+              <a:rPr lang="en-US" b="1" dirty="0" err="1" smtClean="0">
+                <a:hlinkClick r:id="rId4"/>
+              </a:rPr>
+              <a:t>Git</a:t>
+            </a:r>
+            <a:endParaRPr lang="en-US" b="1" dirty="0" smtClean="0"/>
+          </a:p>
+          <a:p>
+            <a:r>
+              <a:rPr lang="en-US" b="1" dirty="0" err="1" smtClean="0"/>
+              <a:t>MySQL</a:t>
+            </a:r>
+            <a:r>
+              <a:rPr lang="en-US" dirty="0" smtClean="0"/>
+              <a:t/>
+            </a:r>
+            <a:br>
+              <a:rPr lang="en-US" dirty="0" smtClean="0"/>
+            </a:br>
+            <a:endParaRPr lang="en-US" b="1" dirty="0" smtClean="0"/>
+          </a:p>
+          <a:p>
+            <a:endParaRPr lang="en-US" b="1" dirty="0"/>
+          </a:p>
+        </p:txBody>
+      </p:sp>
+      <p:pic>
+        <p:nvPicPr>
+          <p:cNvPr id="5" name="Picture 4" descr="Capture.PNG"/>
+          <p:cNvPicPr>
+            <a:picLocks noChangeAspect="1"/>
+          </p:cNvPicPr>
+          <p:nvPr/>
+        </p:nvPicPr>
+        <p:blipFill>
+          <a:blip r:embed="rId5"/>
+          <a:stretch>
+            <a:fillRect/>
+          </a:stretch>
+        </p:blipFill>
+        <p:spPr>
+          <a:xfrm>
+            <a:off x="6324600" y="3352800"/>
+            <a:ext cx="1600423" cy="1619476"/>
+          </a:xfrm>
+          <a:prstGeom prst="rect">
+            <a:avLst/>
+          </a:prstGeom>
+        </p:spPr>
+      </p:pic>
+      <p:sp>
+        <p:nvSpPr>
+          <p:cNvPr id="6" name="Rectangle 5"/>
+          <p:cNvSpPr/>
+          <p:nvPr/>
+        </p:nvSpPr>
+        <p:spPr>
+          <a:xfrm>
+            <a:off x="1447800" y="6096000"/>
+            <a:ext cx="3071546" cy="369332"/>
+          </a:xfrm>
+          <a:prstGeom prst="rect">
+            <a:avLst/>
+          </a:prstGeom>
+        </p:spPr>
+        <p:txBody>
+          <a:bodyPr wrap="none">
+            <a:spAutoFit/>
+          </a:bodyPr>
+          <a:lstStyle/>
+          <a:p>
+            <a:r>
+              <a:rPr lang="en-US" dirty="0" smtClean="0"/>
+              <a:t>https://code.visualstudio.com/</a:t>
+            </a:r>
+            <a:endParaRPr lang="en-US" dirty="0"/>
+          </a:p>
+        </p:txBody>
+      </p:sp>
+    </p:spTree>
+  </p:cSld>
+  <p:clrMapOvr>
+    <a:masterClrMapping/>
+  </p:clrMapOvr>
+</p:sld>
+</file>
+
+<file path=ppt/slides/slide17.xml><?xml version="1.0" encoding="utf-8"?>
+<p:sld xmlns:a="http://schemas.openxmlformats.org/drawingml/2006/main" xmlns:r="http://schemas.openxmlformats.org/officeDocument/2006/relationships" xmlns:p="http://schemas.openxmlformats.org/presentationml/2006/main">
+  <p:cSld>
+    <p:spTree>
+      <p:nvGrpSpPr>
+        <p:cNvPr id="1" name=""/>
+        <p:cNvGrpSpPr/>
+        <p:nvPr/>
+      </p:nvGrpSpPr>
+      <p:grpSpPr>
+        <a:xfrm>
+          <a:off x="0" y="0"/>
+          <a:ext cx="0" cy="0"/>
+          <a:chOff x="0" y="0"/>
+          <a:chExt cx="0" cy="0"/>
+        </a:xfrm>
+      </p:grpSpPr>
+      <p:sp>
+        <p:nvSpPr>
+          <p:cNvPr id="2" name="Title 1"/>
+          <p:cNvSpPr>
+            <a:spLocks noGrp="1"/>
+          </p:cNvSpPr>
+          <p:nvPr>
+            <p:ph type="title"/>
+          </p:nvPr>
+        </p:nvSpPr>
+        <p:spPr/>
+        <p:txBody>
+          <a:bodyPr>
+            <a:normAutofit fontScale="90000"/>
+          </a:bodyPr>
+          <a:lstStyle/>
+          <a:p>
+            <a:r>
+              <a:rPr lang="en-US" dirty="0" smtClean="0"/>
+              <a:t>Environment Setup </a:t>
+            </a:r>
+            <a:br>
+              <a:rPr lang="en-US" dirty="0" smtClean="0"/>
+            </a:br>
+            <a:endParaRPr lang="en-US" dirty="0"/>
+          </a:p>
+        </p:txBody>
+      </p:sp>
+      <p:sp>
+        <p:nvSpPr>
+          <p:cNvPr id="3" name="Content Placeholder 2"/>
+          <p:cNvSpPr>
+            <a:spLocks noGrp="1"/>
+          </p:cNvSpPr>
+          <p:nvPr>
+            <p:ph idx="1"/>
+          </p:nvPr>
+        </p:nvSpPr>
+        <p:spPr/>
+        <p:txBody>
+          <a:bodyPr>
+            <a:normAutofit/>
+          </a:bodyPr>
+          <a:lstStyle/>
+          <a:p>
+            <a:r>
+              <a:rPr lang="en-US" b="1" dirty="0" smtClean="0"/>
+              <a:t>visual studio code User Snippets</a:t>
+            </a:r>
+          </a:p>
+          <a:p>
+            <a:r>
+              <a:rPr lang="en-US" sz="1800" dirty="0" smtClean="0"/>
+              <a:t>"Route::resource('$1','$2Controller');\n </a:t>
+            </a:r>
+            <a:r>
+              <a:rPr lang="en-US" sz="1800" dirty="0" err="1" smtClean="0"/>
+              <a:t>php</a:t>
+            </a:r>
+            <a:r>
+              <a:rPr lang="en-US" sz="1800" dirty="0" smtClean="0"/>
+              <a:t> artisan </a:t>
+            </a:r>
+            <a:r>
+              <a:rPr lang="en-US" sz="1800" dirty="0" err="1" smtClean="0"/>
+              <a:t>make:Controller</a:t>
+            </a:r>
+            <a:r>
+              <a:rPr lang="en-US" sz="1800" dirty="0" smtClean="0"/>
+              <a:t> $2 -r -m $2"</a:t>
+            </a:r>
+          </a:p>
+          <a:p>
+            <a:r>
+              <a:rPr lang="en-US" sz="2000" dirty="0" smtClean="0"/>
+              <a:t/>
+            </a:r>
+            <a:br>
+              <a:rPr lang="en-US" sz="2000" dirty="0" smtClean="0"/>
+            </a:br>
+            <a:endParaRPr lang="en-US" sz="2000" dirty="0" smtClean="0"/>
+          </a:p>
+          <a:p>
+            <a:endParaRPr lang="en-US" b="1" dirty="0" smtClean="0"/>
+          </a:p>
+          <a:p>
+            <a:endParaRPr lang="en-US" b="1" dirty="0" smtClean="0"/>
+          </a:p>
+          <a:p>
+            <a:endParaRPr lang="en-US" b="1" dirty="0"/>
+          </a:p>
+        </p:txBody>
+      </p:sp>
+      <p:pic>
+        <p:nvPicPr>
+          <p:cNvPr id="5" name="Picture 4" descr="Capture.PNG"/>
+          <p:cNvPicPr>
+            <a:picLocks noChangeAspect="1"/>
+          </p:cNvPicPr>
+          <p:nvPr/>
+        </p:nvPicPr>
+        <p:blipFill>
+          <a:blip r:embed="rId2"/>
+          <a:stretch>
+            <a:fillRect/>
+          </a:stretch>
+        </p:blipFill>
+        <p:spPr>
+          <a:xfrm>
+            <a:off x="6324600" y="3352800"/>
+            <a:ext cx="1600423" cy="1619476"/>
+          </a:xfrm>
+          <a:prstGeom prst="rect">
+            <a:avLst/>
+          </a:prstGeom>
+        </p:spPr>
+      </p:pic>
+      <p:sp>
+        <p:nvSpPr>
+          <p:cNvPr id="6" name="Rectangle 5"/>
+          <p:cNvSpPr/>
+          <p:nvPr/>
+        </p:nvSpPr>
+        <p:spPr>
+          <a:xfrm>
+            <a:off x="1447800" y="6096000"/>
+            <a:ext cx="3071546" cy="369332"/>
+          </a:xfrm>
+          <a:prstGeom prst="rect">
+            <a:avLst/>
+          </a:prstGeom>
+        </p:spPr>
+        <p:txBody>
+          <a:bodyPr wrap="none">
+            <a:spAutoFit/>
+          </a:bodyPr>
+          <a:lstStyle/>
+          <a:p>
+            <a:r>
+              <a:rPr lang="en-US" dirty="0" smtClean="0"/>
+              <a:t>https://code.visualstudio.com/</a:t>
+            </a:r>
+            <a:endParaRPr lang="en-US" dirty="0"/>
+          </a:p>
+        </p:txBody>
+      </p:sp>
+    </p:spTree>
+  </p:cSld>
+  <p:clrMapOvr>
+    <a:masterClrMapping/>
+  </p:clrMapOvr>
+</p:sld>
+</file>
+
+<file path=ppt/slides/slide18.xml><?xml version="1.0" encoding="utf-8"?>
+<p:sld xmlns:a="http://schemas.openxmlformats.org/drawingml/2006/main" xmlns:r="http://schemas.openxmlformats.org/officeDocument/2006/relationships" xmlns:p="http://schemas.openxmlformats.org/presentationml/2006/main">
+  <p:cSld>
+    <p:spTree>
+      <p:nvGrpSpPr>
+        <p:cNvPr id="1" name=""/>
+        <p:cNvGrpSpPr/>
+        <p:nvPr/>
+      </p:nvGrpSpPr>
+      <p:grpSpPr>
+        <a:xfrm>
+          <a:off x="0" y="0"/>
+          <a:ext cx="0" cy="0"/>
+          <a:chOff x="0" y="0"/>
+          <a:chExt cx="0" cy="0"/>
+        </a:xfrm>
+      </p:grpSpPr>
+      <p:sp>
+        <p:nvSpPr>
+          <p:cNvPr id="2" name="Title 1"/>
+          <p:cNvSpPr>
+            <a:spLocks noGrp="1"/>
+          </p:cNvSpPr>
+          <p:nvPr>
+            <p:ph type="title"/>
+          </p:nvPr>
+        </p:nvSpPr>
+        <p:spPr>
+          <a:xfrm>
+            <a:off x="4724400" y="838200"/>
+            <a:ext cx="4038600" cy="1143000"/>
+          </a:xfrm>
+        </p:spPr>
+        <p:txBody>
+          <a:bodyPr>
+            <a:normAutofit fontScale="90000"/>
+          </a:bodyPr>
+          <a:lstStyle/>
+          <a:p>
+            <a:r>
+              <a:rPr lang="en-US" b="1" dirty="0" smtClean="0"/>
+              <a:t>Project Setup</a:t>
+            </a:r>
+            <a:r>
+              <a:rPr lang="ar-EG" b="1" dirty="0" smtClean="0"/>
+              <a:t/>
+            </a:r>
+            <a:br>
+              <a:rPr lang="ar-EG" b="1" dirty="0" smtClean="0"/>
+            </a:br>
+            <a:endParaRPr lang="en-US" b="1" dirty="0" smtClean="0"/>
+          </a:p>
+        </p:txBody>
+      </p:sp>
+      <p:sp>
+        <p:nvSpPr>
+          <p:cNvPr id="3" name="Content Placeholder 2"/>
+          <p:cNvSpPr>
+            <a:spLocks noGrp="1"/>
+          </p:cNvSpPr>
+          <p:nvPr>
+            <p:ph idx="1"/>
+          </p:nvPr>
+        </p:nvSpPr>
+        <p:spPr/>
+        <p:txBody>
+          <a:bodyPr>
+            <a:normAutofit fontScale="92500" lnSpcReduction="10000"/>
+          </a:bodyPr>
+          <a:lstStyle/>
+          <a:p>
+            <a:endParaRPr lang="ar-EG" dirty="0" smtClean="0"/>
+          </a:p>
+          <a:p>
+            <a:endParaRPr lang="ar-EG" dirty="0" smtClean="0"/>
+          </a:p>
+          <a:p>
+            <a:endParaRPr lang="ar-EG" dirty="0"/>
+          </a:p>
+          <a:p>
+            <a:r>
+              <a:rPr lang="en-US" dirty="0" smtClean="0"/>
+              <a:t>composer global require "</a:t>
+            </a:r>
+            <a:r>
+              <a:rPr lang="en-US" dirty="0" err="1" smtClean="0"/>
+              <a:t>laravel</a:t>
+            </a:r>
+            <a:r>
+              <a:rPr lang="en-US" dirty="0" smtClean="0"/>
+              <a:t>/installer"</a:t>
+            </a:r>
+          </a:p>
+          <a:p>
+            <a:r>
+              <a:rPr lang="en-US" dirty="0" smtClean="0"/>
+              <a:t>composer create-project --prefer-dist </a:t>
+            </a:r>
+            <a:r>
+              <a:rPr lang="en-US" dirty="0" err="1" smtClean="0"/>
+              <a:t>laravel</a:t>
+            </a:r>
+            <a:r>
+              <a:rPr lang="en-US" dirty="0" smtClean="0"/>
+              <a:t>/</a:t>
+            </a:r>
+            <a:r>
+              <a:rPr lang="en-US" dirty="0" err="1" smtClean="0"/>
+              <a:t>laravel</a:t>
+            </a:r>
+            <a:r>
+              <a:rPr lang="en-US" dirty="0" smtClean="0"/>
+              <a:t> </a:t>
+            </a:r>
+            <a:r>
+              <a:rPr lang="en-US" dirty="0" err="1" smtClean="0"/>
+              <a:t>alhendy</a:t>
+            </a:r>
+            <a:endParaRPr lang="en-US" dirty="0" smtClean="0"/>
+          </a:p>
+          <a:p>
+            <a:r>
+              <a:rPr lang="en-US" dirty="0" err="1" smtClean="0"/>
+              <a:t>npm</a:t>
+            </a:r>
+            <a:r>
+              <a:rPr lang="en-US" dirty="0" smtClean="0"/>
+              <a:t> install</a:t>
+            </a:r>
+          </a:p>
+          <a:p>
+            <a:r>
+              <a:rPr lang="en-US" sz="2600" dirty="0" err="1" smtClean="0"/>
+              <a:t>php</a:t>
+            </a:r>
+            <a:r>
+              <a:rPr lang="en-US" sz="2600" dirty="0" smtClean="0"/>
+              <a:t> artisan serve or “</a:t>
+            </a:r>
+            <a:r>
+              <a:rPr lang="en-US" sz="2600" dirty="0" err="1" smtClean="0"/>
+              <a:t>php</a:t>
+            </a:r>
+            <a:r>
+              <a:rPr lang="en-US" sz="2600" dirty="0" smtClean="0"/>
+              <a:t> -S localhost:8000 -t public/”</a:t>
+            </a:r>
+          </a:p>
+          <a:p>
+            <a:r>
+              <a:rPr lang="en-US" dirty="0" smtClean="0">
+                <a:hlinkClick r:id="rId2"/>
+              </a:rPr>
+              <a:t>https://laravel.com/docs/5.7/installation</a:t>
+            </a:r>
+            <a:endParaRPr lang="en-US" dirty="0" smtClean="0"/>
+          </a:p>
+          <a:p>
+            <a:endParaRPr lang="en-US" dirty="0" smtClean="0"/>
+          </a:p>
+          <a:p>
+            <a:endParaRPr lang="en-US" dirty="0"/>
+          </a:p>
+        </p:txBody>
+      </p:sp>
+      <p:pic>
+        <p:nvPicPr>
+          <p:cNvPr id="13314" name="Picture 2" descr="نتيجة بحث الصور عن ‪laravel‬‏"/>
+          <p:cNvPicPr>
+            <a:picLocks noChangeAspect="1" noChangeArrowheads="1"/>
+          </p:cNvPicPr>
+          <p:nvPr/>
+        </p:nvPicPr>
+        <p:blipFill>
+          <a:blip r:embed="rId3"/>
+          <a:srcRect/>
+          <a:stretch>
+            <a:fillRect/>
+          </a:stretch>
+        </p:blipFill>
+        <p:spPr bwMode="auto">
+          <a:xfrm>
+            <a:off x="685800" y="304800"/>
+            <a:ext cx="3962400" cy="2228851"/>
+          </a:xfrm>
+          <a:prstGeom prst="rect">
+            <a:avLst/>
+          </a:prstGeom>
+          <a:noFill/>
+        </p:spPr>
+      </p:pic>
+    </p:spTree>
+  </p:cSld>
+  <p:clrMapOvr>
+    <a:masterClrMapping/>
+  </p:clrMapOvr>
+</p:sld>
+</file>
+
+<file path=ppt/slides/slide19.xml><?xml version="1.0" encoding="utf-8"?>
+<p:sld xmlns:a="http://schemas.openxmlformats.org/drawingml/2006/main" xmlns:r="http://schemas.openxmlformats.org/officeDocument/2006/relationships" xmlns:p="http://schemas.openxmlformats.org/presentationml/2006/main">
+  <p:cSld>
+    <p:spTree>
+      <p:nvGrpSpPr>
+        <p:cNvPr id="1" name=""/>
+        <p:cNvGrpSpPr/>
+        <p:nvPr/>
+      </p:nvGrpSpPr>
+      <p:grpSpPr>
+        <a:xfrm>
+          <a:off x="0" y="0"/>
+          <a:ext cx="0" cy="0"/>
+          <a:chOff x="0" y="0"/>
+          <a:chExt cx="0" cy="0"/>
+        </a:xfrm>
+      </p:grpSpPr>
+      <p:pic>
+        <p:nvPicPr>
+          <p:cNvPr id="3" name="Picture 2"/>
+          <p:cNvPicPr>
+            <a:picLocks noChangeAspect="1"/>
+          </p:cNvPicPr>
+          <p:nvPr/>
+        </p:nvPicPr>
+        <p:blipFill>
+          <a:blip r:embed="rId3">
+            <a:extLst>
+              <a:ext uri="{28A0092B-C50C-407E-A947-70E740481C1C}">
+                <a14:useLocalDpi xmlns="" xmlns:a14="http://schemas.microsoft.com/office/drawing/2010/main" val="0"/>
+              </a:ext>
+            </a:extLst>
+          </a:blip>
+          <a:stretch>
+            <a:fillRect/>
+          </a:stretch>
+        </p:blipFill>
+        <p:spPr>
+          <a:xfrm>
+            <a:off x="6446398" y="92642"/>
+            <a:ext cx="2705506" cy="6858000"/>
+          </a:xfrm>
+          <a:prstGeom prst="rect">
+            <a:avLst/>
+          </a:prstGeom>
+        </p:spPr>
+      </p:pic>
+      <p:sp>
+        <p:nvSpPr>
+          <p:cNvPr id="2" name="Title 1"/>
+          <p:cNvSpPr>
+            <a:spLocks noGrp="1"/>
+          </p:cNvSpPr>
+          <p:nvPr>
+            <p:ph type="title"/>
+          </p:nvPr>
+        </p:nvSpPr>
+        <p:spPr>
+          <a:xfrm>
+            <a:off x="1" y="1"/>
+            <a:ext cx="6095999" cy="1120634"/>
+          </a:xfrm>
+        </p:spPr>
+        <p:txBody>
+          <a:bodyPr>
+            <a:normAutofit/>
+          </a:bodyPr>
+          <a:lstStyle/>
+          <a:p>
+            <a:pPr algn="l"/>
+            <a:r>
+              <a:rPr lang="en-US" dirty="0" smtClean="0"/>
+              <a:t>           The structure</a:t>
+            </a:r>
+            <a:endParaRPr lang="en-US" dirty="0"/>
+          </a:p>
+        </p:txBody>
+      </p:sp>
+      <p:cxnSp>
+        <p:nvCxnSpPr>
+          <p:cNvPr id="11" name="Straight Arrow Connector 10"/>
+          <p:cNvCxnSpPr/>
+          <p:nvPr/>
+        </p:nvCxnSpPr>
+        <p:spPr>
+          <a:xfrm flipV="1">
+            <a:off x="4246124" y="990601"/>
+            <a:ext cx="2313427" cy="682557"/>
+          </a:xfrm>
+          <a:prstGeom prst="straightConnector1">
+            <a:avLst/>
+          </a:prstGeom>
+          <a:ln w="92075">
+            <a:solidFill>
+              <a:schemeClr val="accent1"/>
+            </a:solidFill>
+            <a:tailEnd type="triangle"/>
+          </a:ln>
+        </p:spPr>
+        <p:style>
+          <a:lnRef idx="1">
+            <a:schemeClr val="accent1"/>
+          </a:lnRef>
+          <a:fillRef idx="0">
+            <a:schemeClr val="accent1"/>
+          </a:fillRef>
+          <a:effectRef idx="0">
+            <a:schemeClr val="accent1"/>
+          </a:effectRef>
+          <a:fontRef idx="minor">
+            <a:schemeClr val="tx1"/>
+          </a:fontRef>
+        </p:style>
+      </p:cxnSp>
+      <p:sp>
+        <p:nvSpPr>
+          <p:cNvPr id="14" name="TextBox 13"/>
+          <p:cNvSpPr txBox="1"/>
+          <p:nvPr/>
+        </p:nvSpPr>
+        <p:spPr>
+          <a:xfrm>
+            <a:off x="1018972" y="1673157"/>
+            <a:ext cx="3553028" cy="923330"/>
+          </a:xfrm>
+          <a:prstGeom prst="rect">
+            <a:avLst/>
+          </a:prstGeom>
+          <a:noFill/>
+        </p:spPr>
+        <p:txBody>
+          <a:bodyPr wrap="square" rtlCol="0">
+            <a:spAutoFit/>
+          </a:bodyPr>
+          <a:lstStyle/>
+          <a:p>
+            <a:pPr algn="ctr"/>
+            <a:r>
+              <a:rPr lang="en-US" b="1" dirty="0" smtClean="0"/>
+              <a:t>app/Http</a:t>
+            </a:r>
+            <a:r>
+              <a:rPr lang="en-US" dirty="0" smtClean="0"/>
+              <a:t> folder contains the </a:t>
+            </a:r>
+            <a:r>
+              <a:rPr lang="en-US" b="1" dirty="0" smtClean="0"/>
+              <a:t>Controllers</a:t>
+            </a:r>
+            <a:r>
+              <a:rPr lang="en-US" dirty="0" smtClean="0"/>
+              <a:t>, </a:t>
+            </a:r>
+            <a:r>
+              <a:rPr lang="en-US" b="1" dirty="0" err="1" smtClean="0"/>
+              <a:t>Middlewares</a:t>
+            </a:r>
+            <a:r>
+              <a:rPr lang="en-US" dirty="0" smtClean="0"/>
+              <a:t> and </a:t>
+            </a:r>
+            <a:r>
+              <a:rPr lang="en-US" b="1" dirty="0" smtClean="0"/>
+              <a:t>Kernel</a:t>
+            </a:r>
+            <a:r>
+              <a:rPr lang="en-US" dirty="0" smtClean="0"/>
+              <a:t> file</a:t>
+            </a:r>
+            <a:endParaRPr lang="en-US" dirty="0"/>
+          </a:p>
+        </p:txBody>
+      </p:sp>
+      <p:cxnSp>
+        <p:nvCxnSpPr>
+          <p:cNvPr id="19" name="Straight Arrow Connector 18"/>
+          <p:cNvCxnSpPr>
+            <a:stCxn id="20" idx="3"/>
+          </p:cNvCxnSpPr>
+          <p:nvPr/>
+        </p:nvCxnSpPr>
+        <p:spPr>
+          <a:xfrm>
+            <a:off x="4571999" y="3431464"/>
+            <a:ext cx="1919430" cy="180357"/>
+          </a:xfrm>
+          <a:prstGeom prst="straightConnector1">
+            <a:avLst/>
+          </a:prstGeom>
+          <a:ln w="92075">
+            <a:solidFill>
+              <a:schemeClr val="accent1"/>
+            </a:solidFill>
+            <a:tailEnd type="triangle"/>
+          </a:ln>
+        </p:spPr>
+        <p:style>
+          <a:lnRef idx="1">
+            <a:schemeClr val="accent1"/>
+          </a:lnRef>
+          <a:fillRef idx="0">
+            <a:schemeClr val="accent1"/>
+          </a:fillRef>
+          <a:effectRef idx="0">
+            <a:schemeClr val="accent1"/>
+          </a:effectRef>
+          <a:fontRef idx="minor">
+            <a:schemeClr val="tx1"/>
+          </a:fontRef>
+        </p:style>
+      </p:cxnSp>
+      <p:sp>
+        <p:nvSpPr>
+          <p:cNvPr id="20" name="TextBox 19"/>
+          <p:cNvSpPr txBox="1"/>
+          <p:nvPr/>
+        </p:nvSpPr>
+        <p:spPr>
+          <a:xfrm>
+            <a:off x="1018972" y="3108298"/>
+            <a:ext cx="3553028" cy="646331"/>
+          </a:xfrm>
+          <a:prstGeom prst="rect">
+            <a:avLst/>
+          </a:prstGeom>
+          <a:noFill/>
+        </p:spPr>
+        <p:txBody>
+          <a:bodyPr wrap="square" rtlCol="0">
+            <a:spAutoFit/>
+          </a:bodyPr>
+          <a:lstStyle/>
+          <a:p>
+            <a:pPr algn="ctr"/>
+            <a:r>
+              <a:rPr lang="en-US" dirty="0" smtClean="0"/>
+              <a:t>All the models should be located in </a:t>
+            </a:r>
+            <a:r>
+              <a:rPr lang="en-US" b="1" dirty="0" smtClean="0"/>
+              <a:t>app/Models</a:t>
+            </a:r>
+            <a:r>
+              <a:rPr lang="en-US" dirty="0" smtClean="0"/>
+              <a:t> folder</a:t>
+            </a:r>
+            <a:endParaRPr lang="en-US" dirty="0"/>
+          </a:p>
+        </p:txBody>
+      </p:sp>
+      <p:cxnSp>
+        <p:nvCxnSpPr>
+          <p:cNvPr id="22" name="Straight Arrow Connector 21"/>
+          <p:cNvCxnSpPr>
+            <a:stCxn id="23" idx="3"/>
+          </p:cNvCxnSpPr>
+          <p:nvPr/>
+        </p:nvCxnSpPr>
+        <p:spPr>
+          <a:xfrm>
+            <a:off x="4700664" y="5615004"/>
+            <a:ext cx="1745734" cy="23797"/>
+          </a:xfrm>
+          <a:prstGeom prst="straightConnector1">
+            <a:avLst/>
+          </a:prstGeom>
+          <a:ln w="92075">
+            <a:solidFill>
+              <a:schemeClr val="accent1"/>
+            </a:solidFill>
+            <a:tailEnd type="triangle"/>
+          </a:ln>
+        </p:spPr>
+        <p:style>
+          <a:lnRef idx="1">
+            <a:schemeClr val="accent1"/>
+          </a:lnRef>
+          <a:fillRef idx="0">
+            <a:schemeClr val="accent1"/>
+          </a:fillRef>
+          <a:effectRef idx="0">
+            <a:schemeClr val="accent1"/>
+          </a:effectRef>
+          <a:fontRef idx="minor">
+            <a:schemeClr val="tx1"/>
+          </a:fontRef>
+        </p:style>
+      </p:cxnSp>
+      <p:sp>
+        <p:nvSpPr>
+          <p:cNvPr id="23" name="TextBox 22"/>
+          <p:cNvSpPr txBox="1"/>
+          <p:nvPr/>
+        </p:nvSpPr>
+        <p:spPr>
+          <a:xfrm>
+            <a:off x="1147636" y="5291838"/>
+            <a:ext cx="3553028" cy="646331"/>
+          </a:xfrm>
+          <a:prstGeom prst="rect">
+            <a:avLst/>
+          </a:prstGeom>
+          <a:noFill/>
+        </p:spPr>
+        <p:txBody>
+          <a:bodyPr wrap="square" rtlCol="0">
+            <a:spAutoFit/>
+          </a:bodyPr>
+          <a:lstStyle/>
+          <a:p>
+            <a:pPr algn="ctr"/>
+            <a:r>
+              <a:rPr lang="en-US" dirty="0" smtClean="0"/>
+              <a:t>All the </a:t>
+            </a:r>
+            <a:r>
+              <a:rPr lang="en-US" dirty="0" err="1" smtClean="0"/>
+              <a:t>config</a:t>
+            </a:r>
+            <a:r>
+              <a:rPr lang="en-US" dirty="0" smtClean="0"/>
+              <a:t> files are located in </a:t>
+            </a:r>
+            <a:r>
+              <a:rPr lang="en-US" b="1" dirty="0" smtClean="0"/>
+              <a:t>app/</a:t>
+            </a:r>
+            <a:r>
+              <a:rPr lang="en-US" b="1" dirty="0" err="1" smtClean="0"/>
+              <a:t>config</a:t>
+            </a:r>
+            <a:r>
+              <a:rPr lang="en-US" dirty="0" smtClean="0"/>
+              <a:t> folder</a:t>
+            </a:r>
+            <a:endParaRPr lang="en-US" dirty="0"/>
+          </a:p>
+        </p:txBody>
+      </p:sp>
+      <p:cxnSp>
+        <p:nvCxnSpPr>
+          <p:cNvPr id="16" name="Straight Arrow Connector 15"/>
+          <p:cNvCxnSpPr>
+            <a:stCxn id="17" idx="3"/>
+          </p:cNvCxnSpPr>
+          <p:nvPr/>
+        </p:nvCxnSpPr>
+        <p:spPr>
+          <a:xfrm flipV="1">
+            <a:off x="4571999" y="4220997"/>
+            <a:ext cx="1987551" cy="373640"/>
+          </a:xfrm>
+          <a:prstGeom prst="straightConnector1">
+            <a:avLst/>
+          </a:prstGeom>
+          <a:ln w="92075">
+            <a:solidFill>
+              <a:schemeClr val="accent1"/>
+            </a:solidFill>
+            <a:tailEnd type="triangle"/>
+          </a:ln>
+        </p:spPr>
+        <p:style>
+          <a:lnRef idx="1">
+            <a:schemeClr val="accent1"/>
+          </a:lnRef>
+          <a:fillRef idx="0">
+            <a:schemeClr val="accent1"/>
+          </a:fillRef>
+          <a:effectRef idx="0">
+            <a:schemeClr val="accent1"/>
+          </a:effectRef>
+          <a:fontRef idx="minor">
+            <a:schemeClr val="tx1"/>
+          </a:fontRef>
+        </p:style>
+      </p:cxnSp>
+      <p:sp>
+        <p:nvSpPr>
+          <p:cNvPr id="17" name="TextBox 16"/>
+          <p:cNvSpPr txBox="1"/>
+          <p:nvPr/>
+        </p:nvSpPr>
+        <p:spPr>
+          <a:xfrm>
+            <a:off x="1018972" y="4132972"/>
+            <a:ext cx="3553028" cy="923330"/>
+          </a:xfrm>
+          <a:prstGeom prst="rect">
+            <a:avLst/>
+          </a:prstGeom>
+          <a:noFill/>
+        </p:spPr>
+        <p:txBody>
+          <a:bodyPr wrap="square" rtlCol="0">
+            <a:spAutoFit/>
+          </a:bodyPr>
+          <a:lstStyle/>
+          <a:p>
+            <a:pPr algn="ctr"/>
+            <a:r>
+              <a:rPr lang="en-US" dirty="0" smtClean="0"/>
+              <a:t>The service providers that are bootstrapping functions in our app are located in  </a:t>
+            </a:r>
+            <a:r>
+              <a:rPr lang="en-US" b="1" dirty="0" smtClean="0"/>
+              <a:t>app/Providers</a:t>
+            </a:r>
+            <a:r>
+              <a:rPr lang="en-US" dirty="0" smtClean="0"/>
+              <a:t> folder</a:t>
+            </a:r>
+            <a:endParaRPr lang="en-US" dirty="0"/>
+          </a:p>
+        </p:txBody>
+      </p:sp>
+    </p:spTree>
+    <p:extLst>
+      <p:ext uri="{BB962C8B-B14F-4D97-AF65-F5344CB8AC3E}">
+        <p14:creationId xmlns="" xmlns:p14="http://schemas.microsoft.com/office/powerpoint/2010/main" val="2722977966"/>
+      </p:ext>
+    </p:extLst>
+  </p:cSld>
+  <p:clrMapOvr>
+    <a:masterClrMapping/>
+  </p:clrMapOvr>
+  <mc:AlternateContent xmlns:mc="http://schemas.openxmlformats.org/markup-compatibility/2006">
+    <mc:Choice xmlns="" xmlns:p14="http://schemas.microsoft.com/office/powerpoint/2010/main" Requires="p14">
+      <p:transition spd="slow">
+        <p14:reveal/>
+      </p:transition>
+    </mc:Choice>
+    <mc:Fallback>
+      <p:transition spd="slow">
+        <p:fade/>
+      </p:transition>
+    </mc:Fallback>
+  </mc:AlternateContent>
+  <p:timing>
+    <p:tnLst>
+      <p:par>
+        <p:cTn id="1" dur="indefinite" restart="never" nodeType="tmRoot"/>
+      </p:par>
+    </p:tnLst>
+  </p:timing>
+</p:sld>
+</file>
+
+<file path=ppt/slides/slide2.xml><?xml version="1.0" encoding="utf-8"?>
+<p:sld xmlns:a="http://schemas.openxmlformats.org/drawingml/2006/main" xmlns:r="http://schemas.openxmlformats.org/officeDocument/2006/relationships" xmlns:p="http://schemas.openxmlformats.org/presentationml/2006/main">
+  <p:cSld>
+    <p:spTree>
+      <p:nvGrpSpPr>
+        <p:cNvPr id="1" name=""/>
+        <p:cNvGrpSpPr/>
+        <p:nvPr/>
+      </p:nvGrpSpPr>
+      <p:grpSpPr>
+        <a:xfrm>
+          <a:off x="0" y="0"/>
+          <a:ext cx="0" cy="0"/>
+          <a:chOff x="0" y="0"/>
+          <a:chExt cx="0" cy="0"/>
+        </a:xfrm>
+      </p:grpSpPr>
+      <p:sp>
+        <p:nvSpPr>
+          <p:cNvPr id="2" name="Title 1"/>
+          <p:cNvSpPr>
+            <a:spLocks noGrp="1"/>
+          </p:cNvSpPr>
+          <p:nvPr>
+            <p:ph type="title"/>
+          </p:nvPr>
+        </p:nvSpPr>
+        <p:spPr/>
+        <p:txBody>
+          <a:bodyPr>
+            <a:normAutofit fontScale="90000"/>
+          </a:bodyPr>
+          <a:lstStyle/>
+          <a:p>
+            <a:r>
+              <a:rPr lang="en-US" dirty="0" err="1" smtClean="0"/>
+              <a:t>Laravel</a:t>
+            </a:r>
+            <a:r>
+              <a:rPr lang="en-US" dirty="0" smtClean="0"/>
+              <a:t> Course  layout</a:t>
+            </a:r>
+            <a:br>
+              <a:rPr lang="en-US" dirty="0" smtClean="0"/>
+            </a:br>
+            <a:endParaRPr lang="en-US" dirty="0"/>
+          </a:p>
+        </p:txBody>
+      </p:sp>
+      <p:sp>
+        <p:nvSpPr>
+          <p:cNvPr id="5" name="Content Placeholder 4"/>
+          <p:cNvSpPr>
+            <a:spLocks noGrp="1"/>
+          </p:cNvSpPr>
+          <p:nvPr>
+            <p:ph idx="1"/>
+          </p:nvPr>
+        </p:nvSpPr>
+        <p:spPr/>
+        <p:txBody>
+          <a:bodyPr>
+            <a:noAutofit/>
+          </a:bodyPr>
+          <a:lstStyle/>
+          <a:p>
+            <a:pPr>
+              <a:buFont typeface="+mj-lt"/>
+              <a:buAutoNum type="arabicPeriod"/>
+            </a:pPr>
+            <a:endParaRPr lang="ar-EG" sz="2000" dirty="0" smtClean="0"/>
+          </a:p>
+          <a:p>
+            <a:pPr>
+              <a:buFont typeface="+mj-lt"/>
+              <a:buAutoNum type="arabicPeriod"/>
+            </a:pPr>
+            <a:r>
+              <a:rPr lang="en-US" sz="2000" dirty="0" smtClean="0"/>
+              <a:t>Client/Server Architecture</a:t>
+            </a:r>
+            <a:endParaRPr lang="ar-EG" sz="2000" dirty="0" smtClean="0"/>
+          </a:p>
+          <a:p>
+            <a:pPr>
+              <a:buFont typeface="+mj-lt"/>
+              <a:buAutoNum type="arabicPeriod"/>
+            </a:pPr>
+            <a:r>
+              <a:rPr lang="en-US" sz="2000" dirty="0" smtClean="0"/>
+              <a:t>What is </a:t>
+            </a:r>
+            <a:r>
+              <a:rPr lang="en-US" sz="2000" dirty="0" err="1" smtClean="0"/>
+              <a:t>Laravel</a:t>
+            </a:r>
+            <a:r>
+              <a:rPr lang="bg-BG" sz="2000" dirty="0" smtClean="0"/>
+              <a:t> </a:t>
+            </a:r>
+            <a:endParaRPr lang="en-US" sz="2000" dirty="0" smtClean="0"/>
+          </a:p>
+          <a:p>
+            <a:pPr>
+              <a:buFont typeface="+mj-lt"/>
+              <a:buAutoNum type="arabicPeriod"/>
+            </a:pPr>
+            <a:r>
+              <a:rPr lang="en-US" sz="2000" dirty="0" smtClean="0"/>
+              <a:t>Install  programs</a:t>
+            </a:r>
+          </a:p>
+          <a:p>
+            <a:pPr>
+              <a:buFont typeface="+mj-lt"/>
+              <a:buAutoNum type="arabicPeriod"/>
+            </a:pPr>
+            <a:r>
+              <a:rPr lang="en-US" sz="2000" dirty="0" smtClean="0"/>
+              <a:t>Files structure</a:t>
+            </a:r>
+          </a:p>
+          <a:p>
+            <a:pPr>
+              <a:buFont typeface="+mj-lt"/>
+              <a:buAutoNum type="arabicPeriod"/>
+            </a:pPr>
+            <a:r>
+              <a:rPr lang="en-US" sz="2000" dirty="0" smtClean="0">
+                <a:hlinkClick r:id="rId2"/>
+              </a:rPr>
+              <a:t>Route</a:t>
+            </a:r>
+            <a:r>
+              <a:rPr lang="en-US" sz="2000" dirty="0" smtClean="0"/>
+              <a:t>, </a:t>
+            </a:r>
+            <a:r>
+              <a:rPr lang="en-US" sz="2000" dirty="0" smtClean="0">
+                <a:hlinkClick r:id="rId3"/>
+              </a:rPr>
+              <a:t>View</a:t>
+            </a:r>
+            <a:r>
+              <a:rPr lang="en-US" sz="2000" dirty="0" smtClean="0"/>
+              <a:t>, </a:t>
+            </a:r>
+            <a:r>
+              <a:rPr lang="en-US" sz="2000" dirty="0" smtClean="0">
+                <a:hlinkClick r:id="rId4"/>
+              </a:rPr>
+              <a:t>Controller</a:t>
+            </a:r>
+            <a:endParaRPr lang="en-US" sz="2000" dirty="0" smtClean="0"/>
+          </a:p>
+          <a:p>
+            <a:pPr>
+              <a:buFont typeface="+mj-lt"/>
+              <a:buAutoNum type="arabicPeriod"/>
+            </a:pPr>
+            <a:r>
+              <a:rPr lang="en-US" sz="2000" dirty="0" smtClean="0"/>
+              <a:t>pass data from Controller to View &amp; blade syntax &amp; </a:t>
+            </a:r>
+            <a:r>
+              <a:rPr lang="en-US" sz="2000" dirty="0" err="1" smtClean="0"/>
+              <a:t>php</a:t>
+            </a:r>
+            <a:r>
+              <a:rPr lang="en-US" sz="2000" dirty="0" smtClean="0"/>
+              <a:t> syntax</a:t>
+            </a:r>
+          </a:p>
+          <a:p>
+            <a:pPr>
+              <a:buFont typeface="+mj-lt"/>
+              <a:buAutoNum type="arabicPeriod"/>
+            </a:pPr>
+            <a:r>
+              <a:rPr lang="en-US" sz="2000" dirty="0" smtClean="0"/>
+              <a:t>Migration </a:t>
+            </a:r>
+          </a:p>
+          <a:p>
+            <a:pPr>
+              <a:buFont typeface="+mj-lt"/>
+              <a:buAutoNum type="arabicPeriod"/>
+            </a:pPr>
+            <a:r>
+              <a:rPr lang="en-US" sz="2000" dirty="0" smtClean="0"/>
+              <a:t>create, read (CRUD)</a:t>
+            </a:r>
+          </a:p>
+          <a:p>
+            <a:pPr>
+              <a:buFont typeface="+mj-lt"/>
+              <a:buAutoNum type="arabicPeriod"/>
+            </a:pPr>
+            <a:r>
+              <a:rPr lang="en-US" sz="2000" dirty="0" smtClean="0"/>
+              <a:t> update, and delete (CRUD)</a:t>
+            </a:r>
+          </a:p>
+          <a:p>
+            <a:pPr>
+              <a:buFont typeface="+mj-lt"/>
+              <a:buAutoNum type="arabicPeriod"/>
+            </a:pPr>
+            <a:r>
+              <a:rPr lang="en-US" sz="2000" dirty="0" smtClean="0"/>
+              <a:t> Validation </a:t>
+            </a:r>
+          </a:p>
+          <a:p>
+            <a:pPr>
+              <a:buFont typeface="+mj-lt"/>
+              <a:buAutoNum type="arabicPeriod"/>
+            </a:pPr>
+            <a:r>
+              <a:rPr lang="en-US" sz="2000" dirty="0" smtClean="0"/>
+              <a:t>Layouts </a:t>
+            </a:r>
+          </a:p>
+          <a:p>
+            <a:pPr>
+              <a:buFont typeface="+mj-lt"/>
+              <a:buAutoNum type="arabicPeriod"/>
+            </a:pPr>
+            <a:r>
+              <a:rPr lang="en-US" sz="2000" dirty="0" smtClean="0"/>
+              <a:t> project</a:t>
+            </a:r>
+          </a:p>
+          <a:p>
+            <a:endParaRPr lang="en-US" sz="1400" dirty="0" smtClean="0"/>
+          </a:p>
+          <a:p>
+            <a:endParaRPr lang="en-US" sz="1400" dirty="0" smtClean="0"/>
+          </a:p>
+          <a:p>
+            <a:endParaRPr lang="en-US" sz="1400" dirty="0" smtClean="0"/>
+          </a:p>
+          <a:p>
+            <a:endParaRPr lang="en-US" sz="1400" dirty="0" smtClean="0"/>
+          </a:p>
+          <a:p>
+            <a:endParaRPr lang="en-US" sz="1400" dirty="0"/>
+          </a:p>
+        </p:txBody>
+      </p:sp>
+    </p:spTree>
+  </p:cSld>
+  <p:clrMapOvr>
+    <a:masterClrMapping/>
+  </p:clrMapOvr>
+</p:sld>
+</file>
+
+<file path=ppt/slides/slide20.xml><?xml version="1.0" encoding="utf-8"?>
+<p:sld xmlns:a="http://schemas.openxmlformats.org/drawingml/2006/main" xmlns:r="http://schemas.openxmlformats.org/officeDocument/2006/relationships" xmlns:p="http://schemas.openxmlformats.org/presentationml/2006/main">
+  <p:cSld>
+    <p:spTree>
+      <p:nvGrpSpPr>
+        <p:cNvPr id="1" name=""/>
+        <p:cNvGrpSpPr/>
+        <p:nvPr/>
+      </p:nvGrpSpPr>
+      <p:grpSpPr>
+        <a:xfrm>
+          <a:off x="0" y="0"/>
+          <a:ext cx="0" cy="0"/>
+          <a:chOff x="0" y="0"/>
+          <a:chExt cx="0" cy="0"/>
+        </a:xfrm>
+      </p:grpSpPr>
+      <p:pic>
+        <p:nvPicPr>
+          <p:cNvPr id="2" name="Picture 1"/>
+          <p:cNvPicPr>
+            <a:picLocks noChangeAspect="1"/>
+          </p:cNvPicPr>
+          <p:nvPr/>
+        </p:nvPicPr>
+        <p:blipFill>
+          <a:blip r:embed="rId3">
+            <a:extLst>
+              <a:ext uri="{28A0092B-C50C-407E-A947-70E740481C1C}">
+                <a14:useLocalDpi xmlns="" xmlns:a14="http://schemas.microsoft.com/office/drawing/2010/main" val="0"/>
+              </a:ext>
+            </a:extLst>
+          </a:blip>
+          <a:stretch>
+            <a:fillRect/>
+          </a:stretch>
+        </p:blipFill>
+        <p:spPr>
+          <a:xfrm>
+            <a:off x="6328351" y="19236"/>
+            <a:ext cx="2815649" cy="6858000"/>
+          </a:xfrm>
+          <a:prstGeom prst="rect">
+            <a:avLst/>
+          </a:prstGeom>
+        </p:spPr>
+      </p:pic>
+      <p:cxnSp>
+        <p:nvCxnSpPr>
+          <p:cNvPr id="11" name="Straight Arrow Connector 10"/>
+          <p:cNvCxnSpPr>
+            <a:stCxn id="14" idx="3"/>
+          </p:cNvCxnSpPr>
+          <p:nvPr/>
+        </p:nvCxnSpPr>
+        <p:spPr>
+          <a:xfrm flipV="1">
+            <a:off x="4271173" y="132460"/>
+            <a:ext cx="2262977" cy="526004"/>
+          </a:xfrm>
+          <a:prstGeom prst="straightConnector1">
+            <a:avLst/>
+          </a:prstGeom>
+          <a:ln w="92075">
+            <a:solidFill>
+              <a:schemeClr val="accent1"/>
+            </a:solidFill>
+            <a:tailEnd type="triangle"/>
+          </a:ln>
+        </p:spPr>
+        <p:style>
+          <a:lnRef idx="1">
+            <a:schemeClr val="accent1"/>
+          </a:lnRef>
+          <a:fillRef idx="0">
+            <a:schemeClr val="accent1"/>
+          </a:fillRef>
+          <a:effectRef idx="0">
+            <a:schemeClr val="accent1"/>
+          </a:effectRef>
+          <a:fontRef idx="minor">
+            <a:schemeClr val="tx1"/>
+          </a:fontRef>
+        </p:style>
+      </p:cxnSp>
+      <p:sp>
+        <p:nvSpPr>
+          <p:cNvPr id="14" name="TextBox 13"/>
+          <p:cNvSpPr txBox="1"/>
+          <p:nvPr/>
+        </p:nvSpPr>
+        <p:spPr>
+          <a:xfrm>
+            <a:off x="1383338" y="335299"/>
+            <a:ext cx="2887836" cy="646331"/>
+          </a:xfrm>
+          <a:prstGeom prst="rect">
+            <a:avLst/>
+          </a:prstGeom>
+          <a:noFill/>
+        </p:spPr>
+        <p:txBody>
+          <a:bodyPr wrap="square" rtlCol="0">
+            <a:spAutoFit/>
+          </a:bodyPr>
+          <a:lstStyle/>
+          <a:p>
+            <a:pPr algn="ctr"/>
+            <a:r>
+              <a:rPr lang="en-US" b="1" dirty="0" smtClean="0"/>
+              <a:t>Database</a:t>
+            </a:r>
+            <a:r>
+              <a:rPr lang="en-US" dirty="0" smtClean="0"/>
+              <a:t> folder contains the </a:t>
+            </a:r>
+            <a:r>
+              <a:rPr lang="en-US" b="1" dirty="0" smtClean="0"/>
+              <a:t>migrations and seeds</a:t>
+            </a:r>
+            <a:endParaRPr lang="en-US" dirty="0"/>
+          </a:p>
+        </p:txBody>
+      </p:sp>
+      <p:cxnSp>
+        <p:nvCxnSpPr>
+          <p:cNvPr id="19" name="Straight Arrow Connector 18"/>
+          <p:cNvCxnSpPr/>
+          <p:nvPr/>
+        </p:nvCxnSpPr>
+        <p:spPr>
+          <a:xfrm>
+            <a:off x="4706451" y="1607127"/>
+            <a:ext cx="1827699" cy="772006"/>
+          </a:xfrm>
+          <a:prstGeom prst="straightConnector1">
+            <a:avLst/>
+          </a:prstGeom>
+          <a:ln w="92075">
+            <a:solidFill>
+              <a:schemeClr val="accent1"/>
+            </a:solidFill>
+            <a:tailEnd type="triangle"/>
+          </a:ln>
+        </p:spPr>
+        <p:style>
+          <a:lnRef idx="1">
+            <a:schemeClr val="accent1"/>
+          </a:lnRef>
+          <a:fillRef idx="0">
+            <a:schemeClr val="accent1"/>
+          </a:fillRef>
+          <a:effectRef idx="0">
+            <a:schemeClr val="accent1"/>
+          </a:effectRef>
+          <a:fontRef idx="minor">
+            <a:schemeClr val="tx1"/>
+          </a:fontRef>
+        </p:style>
+      </p:cxnSp>
+      <p:sp>
+        <p:nvSpPr>
+          <p:cNvPr id="20" name="TextBox 19"/>
+          <p:cNvSpPr txBox="1"/>
+          <p:nvPr/>
+        </p:nvSpPr>
+        <p:spPr>
+          <a:xfrm>
+            <a:off x="1050742" y="1307580"/>
+            <a:ext cx="3553028" cy="1200329"/>
+          </a:xfrm>
+          <a:prstGeom prst="rect">
+            <a:avLst/>
+          </a:prstGeom>
+          <a:noFill/>
+        </p:spPr>
+        <p:txBody>
+          <a:bodyPr wrap="square" rtlCol="0">
+            <a:spAutoFit/>
+          </a:bodyPr>
+          <a:lstStyle/>
+          <a:p>
+            <a:pPr algn="ctr"/>
+            <a:r>
+              <a:rPr lang="en-US" dirty="0" smtClean="0"/>
+              <a:t>The public folder is the actual folder you are opening on the web server. </a:t>
+            </a:r>
+          </a:p>
+          <a:p>
+            <a:pPr algn="ctr"/>
+            <a:r>
+              <a:rPr lang="en-US" dirty="0" smtClean="0"/>
+              <a:t>All JS / CSS / Images / Uploads are located there.</a:t>
+            </a:r>
+            <a:endParaRPr lang="en-US" dirty="0"/>
+          </a:p>
+        </p:txBody>
+      </p:sp>
+      <p:cxnSp>
+        <p:nvCxnSpPr>
+          <p:cNvPr id="22" name="Straight Arrow Connector 21"/>
+          <p:cNvCxnSpPr/>
+          <p:nvPr/>
+        </p:nvCxnSpPr>
+        <p:spPr>
+          <a:xfrm flipV="1">
+            <a:off x="4603770" y="2555769"/>
+            <a:ext cx="1930381" cy="545549"/>
+          </a:xfrm>
+          <a:prstGeom prst="straightConnector1">
+            <a:avLst/>
+          </a:prstGeom>
+          <a:ln w="92075">
+            <a:solidFill>
+              <a:schemeClr val="accent1"/>
+            </a:solidFill>
+            <a:tailEnd type="triangle"/>
+          </a:ln>
+        </p:spPr>
+        <p:style>
+          <a:lnRef idx="1">
+            <a:schemeClr val="accent1"/>
+          </a:lnRef>
+          <a:fillRef idx="0">
+            <a:schemeClr val="accent1"/>
+          </a:fillRef>
+          <a:effectRef idx="0">
+            <a:schemeClr val="accent1"/>
+          </a:effectRef>
+          <a:fontRef idx="minor">
+            <a:schemeClr val="tx1"/>
+          </a:fontRef>
+        </p:style>
+      </p:cxnSp>
+      <p:sp>
+        <p:nvSpPr>
+          <p:cNvPr id="23" name="TextBox 22"/>
+          <p:cNvSpPr txBox="1"/>
+          <p:nvPr/>
+        </p:nvSpPr>
+        <p:spPr>
+          <a:xfrm>
+            <a:off x="835909" y="2683868"/>
+            <a:ext cx="3553028" cy="1200329"/>
+          </a:xfrm>
+          <a:prstGeom prst="rect">
+            <a:avLst/>
+          </a:prstGeom>
+          <a:noFill/>
+        </p:spPr>
+        <p:txBody>
+          <a:bodyPr wrap="square" rtlCol="0">
+            <a:spAutoFit/>
+          </a:bodyPr>
+          <a:lstStyle/>
+          <a:p>
+            <a:pPr algn="ctr"/>
+            <a:r>
+              <a:rPr lang="en-US" dirty="0" smtClean="0"/>
+              <a:t>The resources folder contains all the </a:t>
+            </a:r>
+            <a:r>
+              <a:rPr lang="en-US" b="1" dirty="0" smtClean="0"/>
+              <a:t>translations</a:t>
+            </a:r>
+            <a:r>
+              <a:rPr lang="en-US" dirty="0" smtClean="0"/>
+              <a:t>, </a:t>
+            </a:r>
+            <a:r>
+              <a:rPr lang="en-US" b="1" dirty="0" smtClean="0"/>
+              <a:t>views</a:t>
+            </a:r>
+            <a:r>
+              <a:rPr lang="en-US" dirty="0" smtClean="0"/>
+              <a:t> and </a:t>
+            </a:r>
+            <a:r>
+              <a:rPr lang="en-US" b="1" dirty="0" smtClean="0"/>
+              <a:t>assets</a:t>
+            </a:r>
+            <a:r>
+              <a:rPr lang="en-US" dirty="0" smtClean="0"/>
+              <a:t> </a:t>
+            </a:r>
+            <a:r>
+              <a:rPr lang="en-US" dirty="0"/>
+              <a:t>(SASS, LESS, JS)</a:t>
+            </a:r>
+          </a:p>
+          <a:p>
+            <a:pPr algn="ctr"/>
+            <a:r>
+              <a:rPr lang="en-US" dirty="0" smtClean="0"/>
+              <a:t> that are compiled into public folder</a:t>
+            </a:r>
+            <a:endParaRPr lang="en-US" dirty="0"/>
+          </a:p>
+        </p:txBody>
+      </p:sp>
+      <p:cxnSp>
+        <p:nvCxnSpPr>
+          <p:cNvPr id="15" name="Straight Arrow Connector 14"/>
+          <p:cNvCxnSpPr/>
+          <p:nvPr/>
+        </p:nvCxnSpPr>
+        <p:spPr>
+          <a:xfrm>
+            <a:off x="4388937" y="4276437"/>
+            <a:ext cx="2145214" cy="145184"/>
+          </a:xfrm>
+          <a:prstGeom prst="straightConnector1">
+            <a:avLst/>
+          </a:prstGeom>
+          <a:ln w="92075">
+            <a:solidFill>
+              <a:schemeClr val="accent1"/>
+            </a:solidFill>
+            <a:tailEnd type="triangle"/>
+          </a:ln>
+        </p:spPr>
+        <p:style>
+          <a:lnRef idx="1">
+            <a:schemeClr val="accent1"/>
+          </a:lnRef>
+          <a:fillRef idx="0">
+            <a:schemeClr val="accent1"/>
+          </a:fillRef>
+          <a:effectRef idx="0">
+            <a:schemeClr val="accent1"/>
+          </a:effectRef>
+          <a:fontRef idx="minor">
+            <a:schemeClr val="tx1"/>
+          </a:fontRef>
+        </p:style>
+      </p:cxnSp>
+      <p:sp>
+        <p:nvSpPr>
+          <p:cNvPr id="16" name="TextBox 15"/>
+          <p:cNvSpPr txBox="1"/>
+          <p:nvPr/>
+        </p:nvSpPr>
+        <p:spPr>
+          <a:xfrm>
+            <a:off x="718146" y="4060157"/>
+            <a:ext cx="3553028" cy="646331"/>
+          </a:xfrm>
+          <a:prstGeom prst="rect">
+            <a:avLst/>
+          </a:prstGeom>
+          <a:noFill/>
+        </p:spPr>
+        <p:txBody>
+          <a:bodyPr wrap="square" rtlCol="0">
+            <a:spAutoFit/>
+          </a:bodyPr>
+          <a:lstStyle/>
+          <a:p>
+            <a:pPr algn="ctr"/>
+            <a:r>
+              <a:rPr lang="en-US" dirty="0" smtClean="0"/>
+              <a:t>The routes folder contains all the routes for the project</a:t>
+            </a:r>
+            <a:endParaRPr lang="en-US" dirty="0"/>
+          </a:p>
+        </p:txBody>
+      </p:sp>
+      <p:cxnSp>
+        <p:nvCxnSpPr>
+          <p:cNvPr id="24" name="Straight Arrow Connector 23"/>
+          <p:cNvCxnSpPr/>
+          <p:nvPr/>
+        </p:nvCxnSpPr>
+        <p:spPr>
+          <a:xfrm>
+            <a:off x="4388937" y="5213511"/>
+            <a:ext cx="2145214" cy="239023"/>
+          </a:xfrm>
+          <a:prstGeom prst="straightConnector1">
+            <a:avLst/>
+          </a:prstGeom>
+          <a:ln w="92075">
+            <a:solidFill>
+              <a:schemeClr val="accent1"/>
+            </a:solidFill>
+            <a:tailEnd type="triangle"/>
+          </a:ln>
+        </p:spPr>
+        <p:style>
+          <a:lnRef idx="1">
+            <a:schemeClr val="accent1"/>
+          </a:lnRef>
+          <a:fillRef idx="0">
+            <a:schemeClr val="accent1"/>
+          </a:fillRef>
+          <a:effectRef idx="0">
+            <a:schemeClr val="accent1"/>
+          </a:effectRef>
+          <a:fontRef idx="minor">
+            <a:schemeClr val="tx1"/>
+          </a:fontRef>
+        </p:style>
+      </p:cxnSp>
+      <p:sp>
+        <p:nvSpPr>
+          <p:cNvPr id="25" name="TextBox 24"/>
+          <p:cNvSpPr txBox="1"/>
+          <p:nvPr/>
+        </p:nvSpPr>
+        <p:spPr>
+          <a:xfrm>
+            <a:off x="718146" y="4997230"/>
+            <a:ext cx="3553028" cy="646331"/>
+          </a:xfrm>
+          <a:prstGeom prst="rect">
+            <a:avLst/>
+          </a:prstGeom>
+          <a:noFill/>
+        </p:spPr>
+        <p:txBody>
+          <a:bodyPr wrap="square" rtlCol="0">
+            <a:spAutoFit/>
+          </a:bodyPr>
+          <a:lstStyle/>
+          <a:p>
+            <a:pPr algn="ctr"/>
+            <a:r>
+              <a:rPr lang="en-US" dirty="0" smtClean="0"/>
+              <a:t>All the </a:t>
+            </a:r>
+            <a:r>
+              <a:rPr lang="en-US" b="1" dirty="0" smtClean="0"/>
+              <a:t>logs</a:t>
+            </a:r>
+            <a:r>
+              <a:rPr lang="en-US" dirty="0" smtClean="0"/>
+              <a:t> / </a:t>
+            </a:r>
+            <a:r>
+              <a:rPr lang="en-US" b="1" dirty="0" smtClean="0"/>
+              <a:t>cache</a:t>
+            </a:r>
+            <a:r>
+              <a:rPr lang="en-US" dirty="0" smtClean="0"/>
+              <a:t> files are located in </a:t>
+            </a:r>
+            <a:r>
+              <a:rPr lang="en-US" b="1" dirty="0" smtClean="0"/>
+              <a:t>storage</a:t>
+            </a:r>
+            <a:r>
+              <a:rPr lang="en-US" dirty="0" smtClean="0"/>
+              <a:t> folder</a:t>
+            </a:r>
+            <a:endParaRPr lang="en-US" dirty="0"/>
+          </a:p>
+        </p:txBody>
+      </p:sp>
+      <p:cxnSp>
+        <p:nvCxnSpPr>
+          <p:cNvPr id="27" name="Straight Arrow Connector 26"/>
+          <p:cNvCxnSpPr/>
+          <p:nvPr/>
+        </p:nvCxnSpPr>
+        <p:spPr>
+          <a:xfrm flipV="1">
+            <a:off x="5563110" y="5858934"/>
+            <a:ext cx="971041" cy="384139"/>
+          </a:xfrm>
+          <a:prstGeom prst="straightConnector1">
+            <a:avLst/>
+          </a:prstGeom>
+          <a:ln w="92075">
+            <a:solidFill>
+              <a:schemeClr val="accent1"/>
+            </a:solidFill>
+            <a:tailEnd type="triangle"/>
+          </a:ln>
+        </p:spPr>
+        <p:style>
+          <a:lnRef idx="1">
+            <a:schemeClr val="accent1"/>
+          </a:lnRef>
+          <a:fillRef idx="0">
+            <a:schemeClr val="accent1"/>
+          </a:fillRef>
+          <a:effectRef idx="0">
+            <a:schemeClr val="accent1"/>
+          </a:effectRef>
+          <a:fontRef idx="minor">
+            <a:schemeClr val="tx1"/>
+          </a:fontRef>
+        </p:style>
+      </p:cxnSp>
+      <p:sp>
+        <p:nvSpPr>
+          <p:cNvPr id="28" name="TextBox 27"/>
+          <p:cNvSpPr txBox="1"/>
+          <p:nvPr/>
+        </p:nvSpPr>
+        <p:spPr>
+          <a:xfrm>
+            <a:off x="1892319" y="6026792"/>
+            <a:ext cx="3553028" cy="646331"/>
+          </a:xfrm>
+          <a:prstGeom prst="rect">
+            <a:avLst/>
+          </a:prstGeom>
+          <a:noFill/>
+        </p:spPr>
+        <p:txBody>
+          <a:bodyPr wrap="square" rtlCol="0">
+            <a:spAutoFit/>
+          </a:bodyPr>
+          <a:lstStyle/>
+          <a:p>
+            <a:pPr algn="ctr"/>
+            <a:r>
+              <a:rPr lang="en-US" dirty="0" smtClean="0"/>
+              <a:t>The </a:t>
+            </a:r>
+            <a:r>
+              <a:rPr lang="en-US" b="1" dirty="0" smtClean="0"/>
+              <a:t>vendor</a:t>
+            </a:r>
+            <a:r>
+              <a:rPr lang="en-US" dirty="0" smtClean="0"/>
+              <a:t> folder contains all the composer packages (dependencies)</a:t>
+            </a:r>
+            <a:endParaRPr lang="en-US" dirty="0"/>
+          </a:p>
+        </p:txBody>
+      </p:sp>
+    </p:spTree>
+    <p:extLst>
+      <p:ext uri="{BB962C8B-B14F-4D97-AF65-F5344CB8AC3E}">
+        <p14:creationId xmlns="" xmlns:p14="http://schemas.microsoft.com/office/powerpoint/2010/main" val="3136044450"/>
+      </p:ext>
+    </p:extLst>
+  </p:cSld>
+  <p:clrMapOvr>
+    <a:masterClrMapping/>
+  </p:clrMapOvr>
+  <mc:AlternateContent xmlns:mc="http://schemas.openxmlformats.org/markup-compatibility/2006">
+    <mc:Choice xmlns="" xmlns:p14="http://schemas.microsoft.com/office/powerpoint/2010/main" Requires="p14">
+      <p:transition spd="slow">
+        <p14:reveal/>
+      </p:transition>
+    </mc:Choice>
+    <mc:Fallback>
+      <p:transition spd="slow">
+        <p:fade/>
+      </p:transition>
+    </mc:Fallback>
+  </mc:AlternateContent>
+  <p:timing>
+    <p:tnLst>
+      <p:par>
+        <p:cTn id="1" dur="indefinite" restart="never" nodeType="tmRoot"/>
+      </p:par>
+    </p:tnLst>
+  </p:timing>
+</p:sld>
+</file>
+
+<file path=ppt/slides/slide21.xml><?xml version="1.0" encoding="utf-8"?>
+<p:sld xmlns:a="http://schemas.openxmlformats.org/drawingml/2006/main" xmlns:r="http://schemas.openxmlformats.org/officeDocument/2006/relationships" xmlns:p="http://schemas.openxmlformats.org/presentationml/2006/main">
+  <p:cSld>
+    <p:spTree>
+      <p:nvGrpSpPr>
+        <p:cNvPr id="1" name=""/>
+        <p:cNvGrpSpPr/>
+        <p:nvPr/>
+      </p:nvGrpSpPr>
+      <p:grpSpPr>
+        <a:xfrm>
+          <a:off x="0" y="0"/>
+          <a:ext cx="0" cy="0"/>
+          <a:chOff x="0" y="0"/>
+          <a:chExt cx="0" cy="0"/>
+        </a:xfrm>
+      </p:grpSpPr>
+      <p:sp>
+        <p:nvSpPr>
+          <p:cNvPr id="2" name="Title 1"/>
+          <p:cNvSpPr>
+            <a:spLocks noGrp="1"/>
+          </p:cNvSpPr>
+          <p:nvPr>
+            <p:ph type="title"/>
+          </p:nvPr>
+        </p:nvSpPr>
+        <p:spPr>
+          <a:xfrm>
+            <a:off x="602674" y="2"/>
+            <a:ext cx="4420361" cy="1681017"/>
+          </a:xfrm>
+        </p:spPr>
+        <p:txBody>
+          <a:bodyPr/>
+          <a:lstStyle/>
+          <a:p>
+            <a:r>
+              <a:rPr lang="en-US" dirty="0" smtClean="0"/>
+              <a:t>  Artisan !</a:t>
+            </a:r>
+            <a:endParaRPr lang="en-US" dirty="0"/>
+          </a:p>
+        </p:txBody>
+      </p:sp>
+      <p:sp>
+        <p:nvSpPr>
+          <p:cNvPr id="3" name="Content Placeholder 2"/>
+          <p:cNvSpPr>
+            <a:spLocks noGrp="1"/>
+          </p:cNvSpPr>
+          <p:nvPr>
+            <p:ph idx="1"/>
+          </p:nvPr>
+        </p:nvSpPr>
+        <p:spPr>
+          <a:xfrm>
+            <a:off x="824345" y="961782"/>
+            <a:ext cx="3962400" cy="4672401"/>
+          </a:xfrm>
+        </p:spPr>
+        <p:txBody>
+          <a:bodyPr>
+            <a:noAutofit/>
+          </a:bodyPr>
+          <a:lstStyle/>
+          <a:p>
+            <a:pPr lvl="0"/>
+            <a:endParaRPr lang="en-US" sz="2000" dirty="0" smtClean="0"/>
+          </a:p>
+          <a:p>
+            <a:pPr lvl="0"/>
+            <a:r>
+              <a:rPr lang="en-US" sz="2000" b="1" dirty="0" smtClean="0"/>
+              <a:t>Artisan</a:t>
+            </a:r>
+            <a:r>
+              <a:rPr lang="en-US" sz="2000" dirty="0" smtClean="0"/>
+              <a:t> is command-line interface for </a:t>
+            </a:r>
+            <a:r>
+              <a:rPr lang="en-US" sz="2000" b="1" dirty="0" err="1" smtClean="0"/>
+              <a:t>Laravel</a:t>
+            </a:r>
+            <a:endParaRPr lang="en-US" sz="2000" b="1" dirty="0" smtClean="0"/>
+          </a:p>
+          <a:p>
+            <a:pPr lvl="0"/>
+            <a:r>
+              <a:rPr lang="en-US" sz="2000" dirty="0"/>
+              <a:t>C</a:t>
+            </a:r>
+            <a:r>
+              <a:rPr lang="en-US" sz="2000" dirty="0" smtClean="0"/>
+              <a:t>ommands that are saving time</a:t>
+            </a:r>
+          </a:p>
+          <a:p>
+            <a:pPr lvl="0"/>
+            <a:r>
+              <a:rPr lang="en-US" sz="2000" dirty="0" smtClean="0"/>
+              <a:t>Generating files with artisan is </a:t>
+            </a:r>
+            <a:r>
+              <a:rPr lang="en-US" sz="2000" b="1" dirty="0" smtClean="0"/>
+              <a:t>recommended</a:t>
+            </a:r>
+          </a:p>
+          <a:p>
+            <a:pPr lvl="0"/>
+            <a:r>
+              <a:rPr lang="en-US" sz="2000" dirty="0" smtClean="0"/>
+              <a:t>Run</a:t>
+            </a:r>
+            <a:r>
+              <a:rPr lang="en-US" sz="2000" b="1" dirty="0" smtClean="0"/>
+              <a:t> </a:t>
+            </a:r>
+            <a:r>
+              <a:rPr lang="en-US" sz="2000" b="1" dirty="0" err="1" smtClean="0"/>
+              <a:t>php</a:t>
+            </a:r>
+            <a:r>
+              <a:rPr lang="en-US" sz="2000" b="1" dirty="0" smtClean="0"/>
+              <a:t> artisan list </a:t>
+            </a:r>
+            <a:r>
+              <a:rPr lang="en-US" sz="2000" dirty="0" smtClean="0"/>
+              <a:t>in the console</a:t>
+            </a:r>
+          </a:p>
+        </p:txBody>
+      </p:sp>
+      <p:pic>
+        <p:nvPicPr>
+          <p:cNvPr id="6" name="Picture 5"/>
+          <p:cNvPicPr>
+            <a:picLocks noChangeAspect="1"/>
+          </p:cNvPicPr>
+          <p:nvPr/>
+        </p:nvPicPr>
+        <p:blipFill>
+          <a:blip r:embed="rId3">
+            <a:extLst>
+              <a:ext uri="{28A0092B-C50C-407E-A947-70E740481C1C}">
+                <a14:useLocalDpi xmlns="" xmlns:a14="http://schemas.microsoft.com/office/drawing/2010/main" val="0"/>
+              </a:ext>
+            </a:extLst>
+          </a:blip>
+          <a:stretch>
+            <a:fillRect/>
+          </a:stretch>
+        </p:blipFill>
+        <p:spPr>
+          <a:xfrm>
+            <a:off x="5023035" y="1"/>
+            <a:ext cx="4120966" cy="6858000"/>
+          </a:xfrm>
+          <a:prstGeom prst="rect">
+            <a:avLst/>
+          </a:prstGeom>
+        </p:spPr>
+      </p:pic>
+    </p:spTree>
+    <p:extLst>
+      <p:ext uri="{BB962C8B-B14F-4D97-AF65-F5344CB8AC3E}">
+        <p14:creationId xmlns="" xmlns:p14="http://schemas.microsoft.com/office/powerpoint/2010/main" val="3837674544"/>
+      </p:ext>
+    </p:extLst>
+  </p:cSld>
+  <p:clrMapOvr>
+    <a:masterClrMapping/>
+  </p:clrMapOvr>
+  <mc:AlternateContent xmlns:mc="http://schemas.openxmlformats.org/markup-compatibility/2006">
+    <mc:Choice xmlns="" xmlns:p14="http://schemas.microsoft.com/office/powerpoint/2010/main" Requires="p14">
+      <p:transition spd="slow">
+        <p14:reveal/>
+      </p:transition>
+    </mc:Choice>
+    <mc:Fallback>
+      <p:transition spd="slow">
+        <p:fade/>
+      </p:transition>
+    </mc:Fallback>
+  </mc:AlternateContent>
+  <p:timing>
+    <p:tnLst>
+      <p:par>
+        <p:cTn id="1" dur="indefinite" restart="never" nodeType="tmRoot"/>
+      </p:par>
+    </p:tnLst>
+  </p:timing>
+</p:sld>
+</file>
+
+<file path=ppt/slides/slide22.xml><?xml version="1.0" encoding="utf-8"?>
+<p:sld xmlns:a="http://schemas.openxmlformats.org/drawingml/2006/main" xmlns:r="http://schemas.openxmlformats.org/officeDocument/2006/relationships" xmlns:p="http://schemas.openxmlformats.org/presentationml/2006/main">
+  <p:cSld>
+    <p:spTree>
+      <p:nvGrpSpPr>
+        <p:cNvPr id="1" name=""/>
+        <p:cNvGrpSpPr/>
+        <p:nvPr/>
+      </p:nvGrpSpPr>
+      <p:grpSpPr>
+        <a:xfrm>
+          <a:off x="0" y="0"/>
+          <a:ext cx="0" cy="0"/>
+          <a:chOff x="0" y="0"/>
+          <a:chExt cx="0" cy="0"/>
+        </a:xfrm>
+      </p:grpSpPr>
+      <p:sp>
+        <p:nvSpPr>
+          <p:cNvPr id="2" name="Title 1"/>
+          <p:cNvSpPr>
+            <a:spLocks noGrp="1"/>
+          </p:cNvSpPr>
+          <p:nvPr>
+            <p:ph type="title"/>
+          </p:nvPr>
+        </p:nvSpPr>
+        <p:spPr/>
+        <p:txBody>
+          <a:bodyPr/>
+          <a:lstStyle/>
+          <a:p>
+            <a:r>
+              <a:rPr lang="en-US" dirty="0" err="1" smtClean="0"/>
+              <a:t>Laravel</a:t>
+            </a:r>
+            <a:r>
+              <a:rPr lang="en-US" dirty="0" smtClean="0"/>
+              <a:t> Architecture</a:t>
+            </a:r>
+            <a:endParaRPr lang="en-US" dirty="0"/>
+          </a:p>
+        </p:txBody>
+      </p:sp>
+      <p:pic>
+        <p:nvPicPr>
+          <p:cNvPr id="5" name="Content Placeholder 4" descr="00cb9e0e03b8d71095ce1bbc38c75627d5cd2375.png"/>
+          <p:cNvPicPr>
+            <a:picLocks noGrp="1" noChangeAspect="1"/>
+          </p:cNvPicPr>
+          <p:nvPr>
+            <p:ph idx="1"/>
+          </p:nvPr>
+        </p:nvPicPr>
+        <p:blipFill>
+          <a:blip r:embed="rId2" cstate="print"/>
+          <a:stretch>
+            <a:fillRect/>
+          </a:stretch>
+        </p:blipFill>
+        <p:spPr>
+          <a:xfrm>
+            <a:off x="1022714" y="1600200"/>
+            <a:ext cx="7098572" cy="4525963"/>
+          </a:xfrm>
+        </p:spPr>
+      </p:pic>
+    </p:spTree>
+  </p:cSld>
+  <p:clrMapOvr>
+    <a:masterClrMapping/>
+  </p:clrMapOvr>
+</p:sld>
+</file>
+
+<file path=ppt/slides/slide23.xml><?xml version="1.0" encoding="utf-8"?>
+<p:sld xmlns:a="http://schemas.openxmlformats.org/drawingml/2006/main" xmlns:r="http://schemas.openxmlformats.org/officeDocument/2006/relationships" xmlns:p="http://schemas.openxmlformats.org/presentationml/2006/main">
+  <p:cSld>
+    <p:spTree>
+      <p:nvGrpSpPr>
+        <p:cNvPr id="1" name=""/>
+        <p:cNvGrpSpPr/>
+        <p:nvPr/>
+      </p:nvGrpSpPr>
+      <p:grpSpPr>
+        <a:xfrm>
+          <a:off x="0" y="0"/>
+          <a:ext cx="0" cy="0"/>
+          <a:chOff x="0" y="0"/>
+          <a:chExt cx="0" cy="0"/>
+        </a:xfrm>
+      </p:grpSpPr>
+      <p:sp>
+        <p:nvSpPr>
+          <p:cNvPr id="2" name="Title 1"/>
+          <p:cNvSpPr>
+            <a:spLocks noGrp="1"/>
+          </p:cNvSpPr>
+          <p:nvPr>
+            <p:ph type="title"/>
+          </p:nvPr>
+        </p:nvSpPr>
+        <p:spPr/>
+        <p:txBody>
+          <a:bodyPr/>
+          <a:lstStyle/>
+          <a:p>
+            <a:endParaRPr lang="en-US"/>
+          </a:p>
+        </p:txBody>
+      </p:sp>
+      <p:sp>
+        <p:nvSpPr>
+          <p:cNvPr id="3" name="Content Placeholder 2"/>
+          <p:cNvSpPr>
+            <a:spLocks noGrp="1"/>
+          </p:cNvSpPr>
+          <p:nvPr>
+            <p:ph idx="1"/>
+          </p:nvPr>
+        </p:nvSpPr>
+        <p:spPr/>
+        <p:txBody>
+          <a:bodyPr/>
+          <a:lstStyle/>
+          <a:p>
+            <a:pPr fontAlgn="base"/>
+            <a:r>
+              <a:rPr lang="en-US" dirty="0" smtClean="0">
+                <a:hlinkClick r:id="rId2"/>
+              </a:rPr>
+              <a:t>How to Format </a:t>
+            </a:r>
+            <a:r>
+              <a:rPr lang="en-US" dirty="0" err="1" smtClean="0">
+                <a:hlinkClick r:id="rId2"/>
+              </a:rPr>
+              <a:t>Laravel</a:t>
+            </a:r>
+            <a:r>
+              <a:rPr lang="en-US" dirty="0" smtClean="0">
+                <a:hlinkClick r:id="rId2"/>
+              </a:rPr>
+              <a:t> Blade Codes in Visual Studio Code?</a:t>
+            </a:r>
+            <a:endParaRPr lang="en-US" b="1" dirty="0" smtClean="0"/>
+          </a:p>
+          <a:p>
+            <a:r>
+              <a:rPr lang="en-US" dirty="0" smtClean="0"/>
+              <a:t/>
+            </a:r>
+            <a:br>
+              <a:rPr lang="en-US" dirty="0" smtClean="0"/>
+            </a:br>
+            <a:endParaRPr lang="en-US" dirty="0"/>
+          </a:p>
+        </p:txBody>
+      </p:sp>
+    </p:spTree>
+  </p:cSld>
+  <p:clrMapOvr>
+    <a:masterClrMapping/>
+  </p:clrMapOvr>
+</p:sld>
+</file>
+
+<file path=ppt/slides/slide3.xml><?xml version="1.0" encoding="utf-8"?>
+<p:sld xmlns:a="http://schemas.openxmlformats.org/drawingml/2006/main" xmlns:r="http://schemas.openxmlformats.org/officeDocument/2006/relationships" xmlns:p="http://schemas.openxmlformats.org/presentationml/2006/main">
+  <p:cSld>
+    <p:spTree>
+      <p:nvGrpSpPr>
+        <p:cNvPr id="1" name=""/>
+        <p:cNvGrpSpPr/>
+        <p:nvPr/>
+      </p:nvGrpSpPr>
+      <p:grpSpPr>
+        <a:xfrm>
+          <a:off x="0" y="0"/>
+          <a:ext cx="0" cy="0"/>
+          <a:chOff x="0" y="0"/>
+          <a:chExt cx="0" cy="0"/>
+        </a:xfrm>
+      </p:grpSpPr>
+      <p:sp>
+        <p:nvSpPr>
+          <p:cNvPr id="2" name="Title 1"/>
+          <p:cNvSpPr>
+            <a:spLocks noGrp="1"/>
+          </p:cNvSpPr>
+          <p:nvPr>
+            <p:ph type="title"/>
+          </p:nvPr>
+        </p:nvSpPr>
+        <p:spPr/>
+        <p:txBody>
+          <a:bodyPr/>
+          <a:lstStyle/>
+          <a:p>
+            <a:r>
+              <a:rPr lang="en-US" dirty="0" smtClean="0"/>
+              <a:t>Client/Server Architecture</a:t>
+            </a:r>
+            <a:endParaRPr lang="ar-EG" dirty="0"/>
+          </a:p>
+        </p:txBody>
+      </p:sp>
+      <p:pic>
+        <p:nvPicPr>
+          <p:cNvPr id="4" name="Content Placeholder 3"/>
+          <p:cNvPicPr>
+            <a:picLocks noGrp="1" noChangeAspect="1"/>
+          </p:cNvPicPr>
+          <p:nvPr>
+            <p:ph idx="1"/>
+          </p:nvPr>
+        </p:nvPicPr>
+        <p:blipFill>
+          <a:blip r:embed="rId2">
+            <a:extLst>
+              <a:ext uri="{28A0092B-C50C-407E-A947-70E740481C1C}">
+                <a14:useLocalDpi xmlns="" xmlns:a14="http://schemas.microsoft.com/office/drawing/2010/main" val="0"/>
+              </a:ext>
+            </a:extLst>
+          </a:blip>
+          <a:stretch>
+            <a:fillRect/>
+          </a:stretch>
+        </p:blipFill>
+        <p:spPr>
+          <a:xfrm>
+            <a:off x="457199" y="1661170"/>
+            <a:ext cx="8147615" cy="4511030"/>
+          </a:xfrm>
+        </p:spPr>
+      </p:pic>
+      <p:sp>
+        <p:nvSpPr>
+          <p:cNvPr id="3" name="Slide Number Placeholder 2"/>
+          <p:cNvSpPr>
+            <a:spLocks noGrp="1"/>
+          </p:cNvSpPr>
+          <p:nvPr>
+            <p:ph type="sldNum" sz="quarter" idx="12"/>
+          </p:nvPr>
+        </p:nvSpPr>
+        <p:spPr/>
+        <p:txBody>
+          <a:bodyPr/>
+          <a:lstStyle/>
+          <a:p>
+            <a:fld id="{B6F15528-21DE-4FAA-801E-634DDDAF4B2B}" type="slidenum">
+              <a:rPr lang="en-US" smtClean="0"/>
+              <a:pPr/>
+              <a:t>3</a:t>
+            </a:fld>
+            <a:endParaRPr lang="en-US"/>
+          </a:p>
+        </p:txBody>
+      </p:sp>
+    </p:spTree>
+    <p:extLst>
+      <p:ext uri="{BB962C8B-B14F-4D97-AF65-F5344CB8AC3E}">
+        <p14:creationId xmlns="" xmlns:p14="http://schemas.microsoft.com/office/powerpoint/2010/main" val="278794199"/>
+      </p:ext>
+    </p:extLst>
+  </p:cSld>
+  <p:clrMapOvr>
+    <a:masterClrMapping/>
+  </p:clrMapOvr>
+  <p:timing>
+    <p:tnLst>
+      <p:par>
+        <p:cTn id="1" dur="indefinite" restart="never" nodeType="tmRoot"/>
+      </p:par>
+    </p:tnLst>
+  </p:timing>
+</p:sld>
+</file>
+
+<file path=ppt/slides/slide4.xml><?xml version="1.0" encoding="utf-8"?>
+<p:sld xmlns:a="http://schemas.openxmlformats.org/drawingml/2006/main" xmlns:r="http://schemas.openxmlformats.org/officeDocument/2006/relationships" xmlns:p="http://schemas.openxmlformats.org/presentationml/2006/main">
+  <p:cSld>
+    <p:spTree>
+      <p:nvGrpSpPr>
+        <p:cNvPr id="1" name=""/>
+        <p:cNvGrpSpPr/>
+        <p:nvPr/>
+      </p:nvGrpSpPr>
+      <p:grpSpPr>
+        <a:xfrm>
+          <a:off x="0" y="0"/>
+          <a:ext cx="0" cy="0"/>
+          <a:chOff x="0" y="0"/>
+          <a:chExt cx="0" cy="0"/>
+        </a:xfrm>
+      </p:grpSpPr>
+      <p:sp>
+        <p:nvSpPr>
+          <p:cNvPr id="2" name="Title 1"/>
+          <p:cNvSpPr>
+            <a:spLocks noGrp="1"/>
+          </p:cNvSpPr>
+          <p:nvPr>
+            <p:ph type="title"/>
+          </p:nvPr>
+        </p:nvSpPr>
+        <p:spPr/>
+        <p:txBody>
+          <a:bodyPr>
+            <a:normAutofit fontScale="90000"/>
+          </a:bodyPr>
+          <a:lstStyle/>
+          <a:p>
+            <a:pPr lvl="0"/>
+            <a:r>
+              <a:rPr lang="en-US" dirty="0"/>
+              <a:t>Web programming language</a:t>
+            </a:r>
+            <a:r>
+              <a:rPr lang="ar-EG" dirty="0"/>
+              <a:t/>
+            </a:r>
+            <a:br>
+              <a:rPr lang="ar-EG" dirty="0"/>
+            </a:br>
+            <a:endParaRPr lang="ar-EG" dirty="0"/>
+          </a:p>
+        </p:txBody>
+      </p:sp>
+      <p:graphicFrame>
+        <p:nvGraphicFramePr>
+          <p:cNvPr id="4" name="Content Placeholder 3"/>
+          <p:cNvGraphicFramePr>
+            <a:graphicFrameLocks noGrp="1"/>
+          </p:cNvGraphicFramePr>
+          <p:nvPr>
+            <p:ph idx="1"/>
+            <p:extLst>
+              <p:ext uri="{D42A27DB-BD31-4B8C-83A1-F6EECF244321}">
+                <p14:modId xmlns="" xmlns:p14="http://schemas.microsoft.com/office/powerpoint/2010/main" val="30894002"/>
+              </p:ext>
+            </p:extLst>
+          </p:nvPr>
+        </p:nvGraphicFramePr>
+        <p:xfrm>
+          <a:off x="457200" y="1600200"/>
+          <a:ext cx="8222776" cy="4525963"/>
+        </p:xfrm>
+        <a:graphic>
+          <a:graphicData uri="http://schemas.openxmlformats.org/drawingml/2006/diagram">
+            <dgm:relIds xmlns:dgm="http://schemas.openxmlformats.org/drawingml/2006/diagram" xmlns:r="http://schemas.openxmlformats.org/officeDocument/2006/relationships" r:dm="rId2" r:lo="rId3" r:qs="rId4" r:cs="rId5"/>
+          </a:graphicData>
+        </a:graphic>
+      </p:graphicFrame>
+      <p:sp>
+        <p:nvSpPr>
+          <p:cNvPr id="3" name="Slide Number Placeholder 2"/>
+          <p:cNvSpPr>
+            <a:spLocks noGrp="1"/>
+          </p:cNvSpPr>
+          <p:nvPr>
+            <p:ph type="sldNum" sz="quarter" idx="12"/>
+          </p:nvPr>
+        </p:nvSpPr>
+        <p:spPr/>
+        <p:txBody>
+          <a:bodyPr/>
+          <a:lstStyle/>
+          <a:p>
+            <a:fld id="{B6F15528-21DE-4FAA-801E-634DDDAF4B2B}" type="slidenum">
+              <a:rPr lang="en-US" smtClean="0"/>
+              <a:pPr/>
+              <a:t>4</a:t>
+            </a:fld>
+            <a:endParaRPr lang="en-US"/>
+          </a:p>
+        </p:txBody>
+      </p:sp>
+    </p:spTree>
+    <p:extLst>
+      <p:ext uri="{BB962C8B-B14F-4D97-AF65-F5344CB8AC3E}">
+        <p14:creationId xmlns="" xmlns:p14="http://schemas.microsoft.com/office/powerpoint/2010/main" val="2446449492"/>
+      </p:ext>
+    </p:extLst>
+  </p:cSld>
+  <p:clrMapOvr>
+    <a:masterClrMapping/>
+  </p:clrMapOvr>
+  <p:timing>
+    <p:tnLst>
+      <p:par>
+        <p:cTn id="1" dur="indefinite" restart="never" nodeType="tmRoot"/>
+      </p:par>
+    </p:tnLst>
+  </p:timing>
+</p:sld>
+</file>
+
+<file path=ppt/slides/slide5.xml><?xml version="1.0" encoding="utf-8"?>
+<p:sld xmlns:a="http://schemas.openxmlformats.org/drawingml/2006/main" xmlns:r="http://schemas.openxmlformats.org/officeDocument/2006/relationships" xmlns:p="http://schemas.openxmlformats.org/presentationml/2006/main">
+  <p:cSld>
+    <p:spTree>
+      <p:nvGrpSpPr>
+        <p:cNvPr id="1" name=""/>
+        <p:cNvGrpSpPr/>
+        <p:nvPr/>
+      </p:nvGrpSpPr>
+      <p:grpSpPr>
+        <a:xfrm>
+          <a:off x="0" y="0"/>
+          <a:ext cx="0" cy="0"/>
+          <a:chOff x="0" y="0"/>
+          <a:chExt cx="0" cy="0"/>
+        </a:xfrm>
+      </p:grpSpPr>
+      <p:pic>
+        <p:nvPicPr>
+          <p:cNvPr id="4" name="Content Placeholder 3"/>
+          <p:cNvPicPr>
+            <a:picLocks noGrp="1" noChangeAspect="1"/>
+          </p:cNvPicPr>
+          <p:nvPr>
+            <p:ph idx="1"/>
+          </p:nvPr>
+        </p:nvPicPr>
+        <p:blipFill>
+          <a:blip r:embed="rId3">
+            <a:extLst>
+              <a:ext uri="{28A0092B-C50C-407E-A947-70E740481C1C}">
+                <a14:useLocalDpi xmlns="" xmlns:a14="http://schemas.microsoft.com/office/drawing/2010/main" val="0"/>
+              </a:ext>
+            </a:extLst>
+          </a:blip>
+          <a:stretch>
+            <a:fillRect/>
+          </a:stretch>
+        </p:blipFill>
+        <p:spPr>
+          <a:xfrm>
+            <a:off x="2730500" y="2758281"/>
+            <a:ext cx="3683000" cy="2209800"/>
+          </a:xfrm>
+        </p:spPr>
+      </p:pic>
+      <p:sp>
+        <p:nvSpPr>
+          <p:cNvPr id="2" name="Slide Number Placeholder 1"/>
+          <p:cNvSpPr>
+            <a:spLocks noGrp="1"/>
+          </p:cNvSpPr>
+          <p:nvPr>
+            <p:ph type="sldNum" sz="quarter" idx="12"/>
+          </p:nvPr>
+        </p:nvSpPr>
+        <p:spPr/>
+        <p:txBody>
+          <a:bodyPr/>
+          <a:lstStyle/>
+          <a:p>
+            <a:fld id="{B6F15528-21DE-4FAA-801E-634DDDAF4B2B}" type="slidenum">
+              <a:rPr lang="en-US" smtClean="0"/>
+              <a:pPr/>
+              <a:t>5</a:t>
+            </a:fld>
+            <a:endParaRPr lang="en-US"/>
+          </a:p>
+        </p:txBody>
+      </p:sp>
+      <p:sp>
+        <p:nvSpPr>
+          <p:cNvPr id="5" name="TextBox 4"/>
+          <p:cNvSpPr txBox="1"/>
+          <p:nvPr/>
+        </p:nvSpPr>
+        <p:spPr>
+          <a:xfrm>
+            <a:off x="1295400" y="381000"/>
+            <a:ext cx="6477000" cy="1446550"/>
+          </a:xfrm>
+          <a:prstGeom prst="rect">
+            <a:avLst/>
+          </a:prstGeom>
+          <a:noFill/>
+        </p:spPr>
+        <p:txBody>
+          <a:bodyPr wrap="square" rtlCol="1">
+            <a:spAutoFit/>
+          </a:bodyPr>
+          <a:lstStyle/>
+          <a:p>
+            <a:r>
+              <a:rPr lang="en-US" sz="4400" dirty="0" smtClean="0">
+                <a:effectLst>
+                  <a:glow rad="101600">
+                    <a:schemeClr val="accent2">
+                      <a:satMod val="175000"/>
+                      <a:alpha val="40000"/>
+                    </a:schemeClr>
+                  </a:glow>
+                </a:effectLst>
+              </a:rPr>
+              <a:t>client side  Cross-platform</a:t>
+            </a:r>
+          </a:p>
+          <a:p>
+            <a:endParaRPr lang="ar-EG" sz="4400" dirty="0">
+              <a:effectLst>
+                <a:glow rad="101600">
+                  <a:schemeClr val="accent2">
+                    <a:satMod val="175000"/>
+                    <a:alpha val="40000"/>
+                  </a:schemeClr>
+                </a:glow>
+              </a:effectLst>
+            </a:endParaRPr>
+          </a:p>
+        </p:txBody>
+      </p:sp>
+      <p:sp>
+        <p:nvSpPr>
+          <p:cNvPr id="6" name="Rectangle 5"/>
+          <p:cNvSpPr/>
+          <p:nvPr/>
+        </p:nvSpPr>
+        <p:spPr>
+          <a:xfrm>
+            <a:off x="2819400" y="3276600"/>
+            <a:ext cx="3352800" cy="1077218"/>
+          </a:xfrm>
+          <a:prstGeom prst="rect">
+            <a:avLst/>
+          </a:prstGeom>
+        </p:spPr>
+        <p:style>
+          <a:lnRef idx="2">
+            <a:schemeClr val="accent6">
+              <a:shade val="50000"/>
+            </a:schemeClr>
+          </a:lnRef>
+          <a:fillRef idx="1">
+            <a:schemeClr val="accent6"/>
+          </a:fillRef>
+          <a:effectRef idx="0">
+            <a:schemeClr val="accent6"/>
+          </a:effectRef>
+          <a:fontRef idx="minor">
+            <a:schemeClr val="lt1"/>
+          </a:fontRef>
+        </p:style>
+        <p:txBody>
+          <a:bodyPr wrap="square" lIns="91440" tIns="45720" rIns="91440" bIns="45720">
+            <a:spAutoFit/>
+          </a:bodyPr>
+          <a:lstStyle/>
+          <a:p>
+            <a:r>
+              <a:rPr lang="en-US" sz="3200" dirty="0" smtClean="0"/>
+              <a:t>  client side </a:t>
+            </a:r>
+            <a:br>
+              <a:rPr lang="en-US" sz="3200" dirty="0" smtClean="0"/>
+            </a:br>
+            <a:r>
+              <a:rPr lang="en-US" sz="3200" dirty="0" smtClean="0"/>
+              <a:t> Cross-platform</a:t>
+            </a:r>
+          </a:p>
+        </p:txBody>
+      </p:sp>
+    </p:spTree>
+    <p:extLst>
+      <p:ext uri="{BB962C8B-B14F-4D97-AF65-F5344CB8AC3E}">
+        <p14:creationId xmlns="" xmlns:p14="http://schemas.microsoft.com/office/powerpoint/2010/main" val="2736865171"/>
+      </p:ext>
+    </p:extLst>
+  </p:cSld>
+  <p:clrMapOvr>
+    <a:masterClrMapping/>
+  </p:clrMapOvr>
+  <p:timing>
+    <p:tnLst>
+      <p:par>
+        <p:cTn id="1" dur="indefinite" restart="never" nodeType="tmRoot"/>
+      </p:par>
+    </p:tnLst>
+  </p:timing>
+</p:sld>
+</file>
+
+<file path=ppt/slides/slide6.xml><?xml version="1.0" encoding="utf-8"?>
+<p:sld xmlns:a="http://schemas.openxmlformats.org/drawingml/2006/main" xmlns:r="http://schemas.openxmlformats.org/officeDocument/2006/relationships" xmlns:p="http://schemas.openxmlformats.org/presentationml/2006/main">
+  <p:cSld>
+    <p:spTree>
+      <p:nvGrpSpPr>
+        <p:cNvPr id="1" name=""/>
+        <p:cNvGrpSpPr/>
+        <p:nvPr/>
+      </p:nvGrpSpPr>
+      <p:grpSpPr>
+        <a:xfrm>
+          <a:off x="0" y="0"/>
+          <a:ext cx="0" cy="0"/>
+          <a:chOff x="0" y="0"/>
+          <a:chExt cx="0" cy="0"/>
+        </a:xfrm>
+      </p:grpSpPr>
+      <p:pic>
+        <p:nvPicPr>
+          <p:cNvPr id="4" name="Content Placeholder 3"/>
+          <p:cNvPicPr>
+            <a:picLocks noGrp="1" noChangeAspect="1"/>
+          </p:cNvPicPr>
+          <p:nvPr>
+            <p:ph idx="1"/>
+          </p:nvPr>
+        </p:nvPicPr>
+        <p:blipFill>
+          <a:blip r:embed="rId3"/>
+          <a:stretch>
+            <a:fillRect/>
+          </a:stretch>
+        </p:blipFill>
+        <p:spPr>
+          <a:xfrm>
+            <a:off x="1604962" y="2262981"/>
+            <a:ext cx="5934075" cy="3200400"/>
+          </a:xfrm>
+        </p:spPr>
+      </p:pic>
+      <p:sp>
+        <p:nvSpPr>
+          <p:cNvPr id="2" name="Slide Number Placeholder 1"/>
+          <p:cNvSpPr>
+            <a:spLocks noGrp="1"/>
+          </p:cNvSpPr>
+          <p:nvPr>
+            <p:ph type="sldNum" sz="quarter" idx="12"/>
+          </p:nvPr>
+        </p:nvSpPr>
+        <p:spPr/>
+        <p:txBody>
+          <a:bodyPr/>
+          <a:lstStyle/>
+          <a:p>
+            <a:fld id="{B6F15528-21DE-4FAA-801E-634DDDAF4B2B}" type="slidenum">
+              <a:rPr lang="en-US" smtClean="0"/>
+              <a:pPr/>
+              <a:t>6</a:t>
+            </a:fld>
+            <a:endParaRPr lang="en-US"/>
+          </a:p>
+        </p:txBody>
+      </p:sp>
+      <p:sp>
+        <p:nvSpPr>
+          <p:cNvPr id="5" name="TextBox 4"/>
+          <p:cNvSpPr txBox="1"/>
+          <p:nvPr/>
+        </p:nvSpPr>
+        <p:spPr>
+          <a:xfrm>
+            <a:off x="1295400" y="381000"/>
+            <a:ext cx="6477000" cy="1446550"/>
+          </a:xfrm>
+          <a:prstGeom prst="rect">
+            <a:avLst/>
+          </a:prstGeom>
+          <a:noFill/>
+        </p:spPr>
+        <p:txBody>
+          <a:bodyPr wrap="square" rtlCol="1">
+            <a:spAutoFit/>
+          </a:bodyPr>
+          <a:lstStyle/>
+          <a:p>
+            <a:r>
+              <a:rPr lang="en-US" sz="4400" dirty="0" smtClean="0">
+                <a:effectLst>
+                  <a:glow rad="101600">
+                    <a:schemeClr val="accent2">
+                      <a:satMod val="175000"/>
+                      <a:alpha val="40000"/>
+                    </a:schemeClr>
+                  </a:glow>
+                </a:effectLst>
+              </a:rPr>
+              <a:t>client side  Cross-platform</a:t>
+            </a:r>
+          </a:p>
+          <a:p>
+            <a:endParaRPr lang="ar-EG" sz="4400" dirty="0">
+              <a:effectLst>
+                <a:glow rad="101600">
+                  <a:schemeClr val="accent2">
+                    <a:satMod val="175000"/>
+                    <a:alpha val="40000"/>
+                  </a:schemeClr>
+                </a:glow>
+              </a:effectLst>
+            </a:endParaRPr>
+          </a:p>
+        </p:txBody>
+      </p:sp>
+      <p:sp>
+        <p:nvSpPr>
+          <p:cNvPr id="6" name="Rectangle 5"/>
+          <p:cNvSpPr/>
+          <p:nvPr/>
+        </p:nvSpPr>
+        <p:spPr>
+          <a:xfrm>
+            <a:off x="2819400" y="3276600"/>
+            <a:ext cx="3352800" cy="1077218"/>
+          </a:xfrm>
+          <a:prstGeom prst="rect">
+            <a:avLst/>
+          </a:prstGeom>
+        </p:spPr>
+        <p:style>
+          <a:lnRef idx="2">
+            <a:schemeClr val="accent6">
+              <a:shade val="50000"/>
+            </a:schemeClr>
+          </a:lnRef>
+          <a:fillRef idx="1">
+            <a:schemeClr val="accent6"/>
+          </a:fillRef>
+          <a:effectRef idx="0">
+            <a:schemeClr val="accent6"/>
+          </a:effectRef>
+          <a:fontRef idx="minor">
+            <a:schemeClr val="lt1"/>
+          </a:fontRef>
+        </p:style>
+        <p:txBody>
+          <a:bodyPr wrap="square" lIns="91440" tIns="45720" rIns="91440" bIns="45720">
+            <a:spAutoFit/>
+          </a:bodyPr>
+          <a:lstStyle/>
+          <a:p>
+            <a:r>
+              <a:rPr lang="en-US" sz="3200" dirty="0" smtClean="0"/>
+              <a:t>  client side </a:t>
+            </a:r>
+            <a:br>
+              <a:rPr lang="en-US" sz="3200" dirty="0" smtClean="0"/>
+            </a:br>
+            <a:r>
+              <a:rPr lang="en-US" sz="3200" dirty="0" smtClean="0"/>
+              <a:t> Cross-platform</a:t>
+            </a:r>
+          </a:p>
+        </p:txBody>
+      </p:sp>
+    </p:spTree>
+    <p:extLst>
+      <p:ext uri="{BB962C8B-B14F-4D97-AF65-F5344CB8AC3E}">
+        <p14:creationId xmlns="" xmlns:p14="http://schemas.microsoft.com/office/powerpoint/2010/main" val="2736865171"/>
+      </p:ext>
+    </p:extLst>
+  </p:cSld>
+  <p:clrMapOvr>
+    <a:masterClrMapping/>
+  </p:clrMapOvr>
+  <p:timing>
+    <p:tnLst>
+      <p:par>
+        <p:cTn id="1" dur="indefinite" restart="never" nodeType="tmRoot"/>
+      </p:par>
+    </p:tnLst>
+  </p:timing>
+</p:sld>
+</file>
+
+<file path=ppt/slides/slide7.xml><?xml version="1.0" encoding="utf-8"?>
+<p:sld xmlns:a="http://schemas.openxmlformats.org/drawingml/2006/main" xmlns:r="http://schemas.openxmlformats.org/officeDocument/2006/relationships" xmlns:p="http://schemas.openxmlformats.org/presentationml/2006/main">
+  <p:cSld>
+    <p:spTree>
+      <p:nvGrpSpPr>
+        <p:cNvPr id="1" name=""/>
+        <p:cNvGrpSpPr/>
+        <p:nvPr/>
+      </p:nvGrpSpPr>
+      <p:grpSpPr>
+        <a:xfrm>
+          <a:off x="0" y="0"/>
+          <a:ext cx="0" cy="0"/>
+          <a:chOff x="0" y="0"/>
+          <a:chExt cx="0" cy="0"/>
+        </a:xfrm>
+      </p:grpSpPr>
+      <p:sp>
+        <p:nvSpPr>
+          <p:cNvPr id="2" name="Title 1"/>
+          <p:cNvSpPr>
+            <a:spLocks noGrp="1"/>
+          </p:cNvSpPr>
+          <p:nvPr>
+            <p:ph type="title"/>
+          </p:nvPr>
+        </p:nvSpPr>
+        <p:spPr/>
+        <p:txBody>
+          <a:bodyPr>
+            <a:normAutofit fontScale="90000"/>
+          </a:bodyPr>
+          <a:lstStyle/>
+          <a:p>
+            <a:r>
+              <a:rPr lang="en-US" dirty="0" smtClean="0"/>
+              <a:t>HTML  </a:t>
+            </a:r>
+            <a:r>
+              <a:rPr lang="en-US" b="1" dirty="0" smtClean="0">
+                <a:solidFill>
+                  <a:srgbClr val="FF0000"/>
+                </a:solidFill>
+              </a:rPr>
+              <a:t>H</a:t>
+            </a:r>
+            <a:r>
+              <a:rPr lang="en-US" dirty="0" smtClean="0"/>
+              <a:t>yper </a:t>
+            </a:r>
+            <a:r>
+              <a:rPr lang="en-US" b="1" dirty="0" smtClean="0">
+                <a:solidFill>
+                  <a:srgbClr val="FF0000"/>
+                </a:solidFill>
+              </a:rPr>
+              <a:t>T</a:t>
+            </a:r>
+            <a:r>
+              <a:rPr lang="en-US" dirty="0" smtClean="0"/>
+              <a:t>ext </a:t>
+            </a:r>
+            <a:r>
+              <a:rPr lang="en-US" b="1" dirty="0" smtClean="0">
+                <a:solidFill>
+                  <a:srgbClr val="FF0000"/>
+                </a:solidFill>
+              </a:rPr>
+              <a:t>M</a:t>
+            </a:r>
+            <a:r>
+              <a:rPr lang="en-US" dirty="0" smtClean="0"/>
+              <a:t>arkup </a:t>
+            </a:r>
+            <a:r>
+              <a:rPr lang="en-US" b="1" dirty="0" smtClean="0">
+                <a:solidFill>
+                  <a:srgbClr val="FF0000"/>
+                </a:solidFill>
+              </a:rPr>
+              <a:t>L</a:t>
+            </a:r>
+            <a:r>
+              <a:rPr lang="en-US" dirty="0" smtClean="0"/>
+              <a:t>anguage</a:t>
+            </a:r>
+            <a:br>
+              <a:rPr lang="en-US" dirty="0" smtClean="0"/>
+            </a:br>
+            <a:endParaRPr lang="ar-EG" dirty="0"/>
+          </a:p>
+        </p:txBody>
+      </p:sp>
+      <p:pic>
+        <p:nvPicPr>
+          <p:cNvPr id="4" name="Content Placeholder 3" descr="HTML.jpg"/>
+          <p:cNvPicPr>
+            <a:picLocks noGrp="1" noChangeAspect="1"/>
+          </p:cNvPicPr>
+          <p:nvPr>
+            <p:ph idx="1"/>
+          </p:nvPr>
+        </p:nvPicPr>
+        <p:blipFill>
+          <a:blip r:embed="rId2"/>
+          <a:stretch>
+            <a:fillRect/>
+          </a:stretch>
+        </p:blipFill>
+        <p:spPr>
+          <a:xfrm>
+            <a:off x="2133600" y="2024856"/>
+            <a:ext cx="4876800" cy="3676650"/>
+          </a:xfrm>
+        </p:spPr>
+      </p:pic>
+    </p:spTree>
+  </p:cSld>
+  <p:clrMapOvr>
+    <a:masterClrMapping/>
+  </p:clrMapOvr>
+</p:sld>
+</file>
+
+<file path=ppt/slides/slide8.xml><?xml version="1.0" encoding="utf-8"?>
+<p:sld xmlns:a="http://schemas.openxmlformats.org/drawingml/2006/main" xmlns:r="http://schemas.openxmlformats.org/officeDocument/2006/relationships" xmlns:p="http://schemas.openxmlformats.org/presentationml/2006/main">
+  <p:cSld>
+    <p:spTree>
+      <p:nvGrpSpPr>
+        <p:cNvPr id="1" name=""/>
+        <p:cNvGrpSpPr/>
+        <p:nvPr/>
+      </p:nvGrpSpPr>
+      <p:grpSpPr>
+        <a:xfrm>
+          <a:off x="0" y="0"/>
+          <a:ext cx="0" cy="0"/>
+          <a:chOff x="0" y="0"/>
+          <a:chExt cx="0" cy="0"/>
+        </a:xfrm>
+      </p:grpSpPr>
+      <p:sp>
+        <p:nvSpPr>
+          <p:cNvPr id="2" name="Title 1"/>
+          <p:cNvSpPr>
+            <a:spLocks noGrp="1"/>
+          </p:cNvSpPr>
+          <p:nvPr>
+            <p:ph type="title"/>
+          </p:nvPr>
+        </p:nvSpPr>
+        <p:spPr/>
+        <p:txBody>
+          <a:bodyPr>
+            <a:normAutofit fontScale="90000"/>
+          </a:bodyPr>
+          <a:lstStyle/>
+          <a:p>
+            <a:r>
+              <a:rPr lang="en-US" dirty="0"/>
+              <a:t>HTML  </a:t>
+            </a:r>
+            <a:r>
+              <a:rPr lang="en-US" b="1" dirty="0">
+                <a:solidFill>
+                  <a:srgbClr val="FF0000"/>
+                </a:solidFill>
+              </a:rPr>
+              <a:t>H</a:t>
+            </a:r>
+            <a:r>
+              <a:rPr lang="en-US" dirty="0"/>
+              <a:t>yper </a:t>
+            </a:r>
+            <a:r>
+              <a:rPr lang="en-US" b="1" dirty="0">
+                <a:solidFill>
+                  <a:srgbClr val="FF0000"/>
+                </a:solidFill>
+              </a:rPr>
+              <a:t>T</a:t>
+            </a:r>
+            <a:r>
+              <a:rPr lang="en-US" dirty="0"/>
+              <a:t>ext </a:t>
+            </a:r>
+            <a:r>
+              <a:rPr lang="en-US" b="1" dirty="0">
+                <a:solidFill>
+                  <a:srgbClr val="FF0000"/>
+                </a:solidFill>
+              </a:rPr>
+              <a:t>M</a:t>
+            </a:r>
+            <a:r>
+              <a:rPr lang="en-US" dirty="0"/>
+              <a:t>arkup </a:t>
+            </a:r>
+            <a:r>
+              <a:rPr lang="en-US" b="1" dirty="0">
+                <a:solidFill>
+                  <a:srgbClr val="FF0000"/>
+                </a:solidFill>
+              </a:rPr>
+              <a:t>L</a:t>
+            </a:r>
+            <a:r>
+              <a:rPr lang="en-US" dirty="0"/>
+              <a:t>anguage</a:t>
+            </a:r>
+            <a:br>
+              <a:rPr lang="en-US" dirty="0"/>
+            </a:br>
+            <a:endParaRPr lang="ar-EG" dirty="0"/>
+          </a:p>
+        </p:txBody>
+      </p:sp>
+      <p:sp>
+        <p:nvSpPr>
+          <p:cNvPr id="3" name="Content Placeholder 2"/>
+          <p:cNvSpPr>
+            <a:spLocks noGrp="1"/>
+          </p:cNvSpPr>
+          <p:nvPr>
+            <p:ph idx="1"/>
+          </p:nvPr>
+        </p:nvSpPr>
+        <p:spPr/>
+        <p:txBody>
+          <a:bodyPr>
+            <a:normAutofit fontScale="92500" lnSpcReduction="10000"/>
+          </a:bodyPr>
+          <a:lstStyle/>
+          <a:p>
+            <a:r>
+              <a:rPr lang="en-US" b="1" dirty="0">
+                <a:solidFill>
+                  <a:srgbClr val="FF0000"/>
+                </a:solidFill>
+              </a:rPr>
+              <a:t>What is HTML?</a:t>
+            </a:r>
+          </a:p>
+          <a:p>
+            <a:r>
+              <a:rPr lang="en-US" dirty="0"/>
+              <a:t>HTML is a language for describing web pages.</a:t>
+            </a:r>
+          </a:p>
+          <a:p>
+            <a:r>
+              <a:rPr lang="en-US" dirty="0"/>
+              <a:t>HTML stands for </a:t>
+            </a:r>
+            <a:r>
+              <a:rPr lang="en-US" b="1" dirty="0"/>
+              <a:t>H</a:t>
+            </a:r>
+            <a:r>
+              <a:rPr lang="en-US" dirty="0"/>
+              <a:t>yper </a:t>
+            </a:r>
+            <a:r>
+              <a:rPr lang="en-US" b="1" dirty="0"/>
+              <a:t>T</a:t>
+            </a:r>
+            <a:r>
+              <a:rPr lang="en-US" dirty="0"/>
+              <a:t>ext </a:t>
+            </a:r>
+            <a:r>
+              <a:rPr lang="en-US" b="1" dirty="0"/>
+              <a:t>M</a:t>
+            </a:r>
+            <a:r>
+              <a:rPr lang="en-US" dirty="0"/>
+              <a:t>arkup </a:t>
+            </a:r>
+            <a:r>
+              <a:rPr lang="en-US" b="1" dirty="0"/>
+              <a:t>L</a:t>
+            </a:r>
+            <a:r>
+              <a:rPr lang="en-US" dirty="0"/>
+              <a:t>anguage</a:t>
+            </a:r>
+          </a:p>
+          <a:p>
+            <a:r>
+              <a:rPr lang="en-US" dirty="0"/>
+              <a:t>HTML is a </a:t>
+            </a:r>
+            <a:r>
+              <a:rPr lang="en-US" b="1" dirty="0"/>
+              <a:t>markup </a:t>
+            </a:r>
+            <a:r>
+              <a:rPr lang="en-US" dirty="0"/>
+              <a:t>language</a:t>
+            </a:r>
+          </a:p>
+          <a:p>
+            <a:r>
+              <a:rPr lang="en-US" dirty="0"/>
+              <a:t>A markup language is a set of markup</a:t>
+            </a:r>
+            <a:r>
+              <a:rPr lang="en-US" b="1" dirty="0"/>
+              <a:t> tags</a:t>
+            </a:r>
+            <a:endParaRPr lang="en-US" dirty="0"/>
+          </a:p>
+          <a:p>
+            <a:r>
+              <a:rPr lang="en-US" dirty="0"/>
+              <a:t>The tags </a:t>
+            </a:r>
+            <a:r>
+              <a:rPr lang="en-US" b="1" dirty="0"/>
+              <a:t>describe</a:t>
+            </a:r>
+            <a:r>
+              <a:rPr lang="en-US" dirty="0"/>
+              <a:t> document content</a:t>
+            </a:r>
+          </a:p>
+          <a:p>
+            <a:r>
+              <a:rPr lang="en-US" dirty="0"/>
+              <a:t>HTML documents contain</a:t>
+            </a:r>
+            <a:r>
+              <a:rPr lang="en-US" b="1" dirty="0"/>
+              <a:t> </a:t>
+            </a:r>
+            <a:r>
+              <a:rPr lang="en-US" dirty="0"/>
+              <a:t>HTML</a:t>
+            </a:r>
+            <a:r>
+              <a:rPr lang="en-US" b="1" dirty="0"/>
+              <a:t> tags</a:t>
+            </a:r>
+            <a:r>
+              <a:rPr lang="en-US" dirty="0"/>
+              <a:t> and </a:t>
+            </a:r>
+            <a:r>
+              <a:rPr lang="en-US" b="1" dirty="0"/>
+              <a:t>plain</a:t>
+            </a:r>
+            <a:r>
+              <a:rPr lang="en-US" dirty="0"/>
+              <a:t> </a:t>
+            </a:r>
+            <a:r>
+              <a:rPr lang="en-US" b="1" dirty="0"/>
+              <a:t>text</a:t>
+            </a:r>
+            <a:endParaRPr lang="en-US" dirty="0"/>
+          </a:p>
+          <a:p>
+            <a:r>
+              <a:rPr lang="en-US" dirty="0"/>
+              <a:t>HTML documents are also called</a:t>
+            </a:r>
+            <a:r>
+              <a:rPr lang="en-US" b="1" dirty="0"/>
+              <a:t> web pages</a:t>
+            </a:r>
+            <a:endParaRPr lang="en-US" dirty="0"/>
+          </a:p>
+        </p:txBody>
+      </p:sp>
+      <p:sp>
+        <p:nvSpPr>
+          <p:cNvPr id="4" name="Slide Number Placeholder 3"/>
+          <p:cNvSpPr>
+            <a:spLocks noGrp="1"/>
+          </p:cNvSpPr>
+          <p:nvPr>
+            <p:ph type="sldNum" sz="quarter" idx="12"/>
+          </p:nvPr>
+        </p:nvSpPr>
+        <p:spPr/>
+        <p:txBody>
+          <a:bodyPr/>
+          <a:lstStyle/>
+          <a:p>
+            <a:fld id="{B6F15528-21DE-4FAA-801E-634DDDAF4B2B}" type="slidenum">
+              <a:rPr lang="en-US" smtClean="0"/>
+              <a:pPr/>
+              <a:t>8</a:t>
+            </a:fld>
+            <a:endParaRPr lang="en-US"/>
+          </a:p>
+        </p:txBody>
+      </p:sp>
+    </p:spTree>
+    <p:extLst>
+      <p:ext uri="{BB962C8B-B14F-4D97-AF65-F5344CB8AC3E}">
+        <p14:creationId xmlns="" xmlns:p14="http://schemas.microsoft.com/office/powerpoint/2010/main" val="2323770195"/>
+      </p:ext>
+    </p:extLst>
+  </p:cSld>
+  <p:clrMapOvr>
+    <a:masterClrMapping/>
+  </p:clrMapOvr>
+  <p:timing>
+    <p:tnLst>
+      <p:par>
+        <p:cTn id="1" dur="indefinite" restart="never" nodeType="tmRoot"/>
+      </p:par>
+    </p:tnLst>
+  </p:timing>
+</p:sld>
+</file>
+
+<file path=ppt/slides/slide9.xml><?xml version="1.0" encoding="utf-8"?>
 <p:sld xmlns:a="http://schemas.openxmlformats.org/drawingml/2006/main" xmlns:r="http://schemas.openxmlformats.org/officeDocument/2006/relationships" xmlns:p="http://schemas.openxmlformats.org/presentationml/2006/main">
   <p:cSld>
     <p:spTree>
@@ -8314,7 +12907,7 @@
             <a:fld id="{381BE771-2CA5-43BE-8D7C-D88B50ECF611}" type="slidenum">
               <a:rPr lang="en-US" altLang="zh-CN"/>
               <a:pPr eaLnBrk="1" hangingPunct="1"/>
-              <a:t>10</a:t>
+              <a:t>9</a:t>
             </a:fld>
             <a:endParaRPr lang="en-US" altLang="zh-CN"/>
           </a:p>
@@ -8324,4734 +12917,6 @@
     <p:extLst>
       <p:ext uri="{BB962C8B-B14F-4D97-AF65-F5344CB8AC3E}">
         <p14:creationId xmlns="" xmlns:p14="http://schemas.microsoft.com/office/powerpoint/2010/main" val="2270442966"/>
-      </p:ext>
-    </p:extLst>
-  </p:cSld>
-  <p:clrMapOvr>
-    <a:masterClrMapping/>
-  </p:clrMapOvr>
-  <p:timing>
-    <p:tnLst>
-      <p:par>
-        <p:cTn id="1" dur="indefinite" restart="never" nodeType="tmRoot"/>
-      </p:par>
-    </p:tnLst>
-  </p:timing>
-</p:sld>
-</file>
-
-<file path=ppt/slides/slide11.xml><?xml version="1.0" encoding="utf-8"?>
-<p:sld xmlns:a="http://schemas.openxmlformats.org/drawingml/2006/main" xmlns:r="http://schemas.openxmlformats.org/officeDocument/2006/relationships" xmlns:p="http://schemas.openxmlformats.org/presentationml/2006/main">
-  <p:cSld>
-    <p:spTree>
-      <p:nvGrpSpPr>
-        <p:cNvPr id="1" name=""/>
-        <p:cNvGrpSpPr/>
-        <p:nvPr/>
-      </p:nvGrpSpPr>
-      <p:grpSpPr>
-        <a:xfrm>
-          <a:off x="0" y="0"/>
-          <a:ext cx="0" cy="0"/>
-          <a:chOff x="0" y="0"/>
-          <a:chExt cx="0" cy="0"/>
-        </a:xfrm>
-      </p:grpSpPr>
-      <p:sp>
-        <p:nvSpPr>
-          <p:cNvPr id="115714" name="Rectangle 2"/>
-          <p:cNvSpPr>
-            <a:spLocks noGrp="1" noChangeArrowheads="1"/>
-          </p:cNvSpPr>
-          <p:nvPr>
-            <p:ph type="title"/>
-          </p:nvPr>
-        </p:nvSpPr>
-        <p:spPr/>
-        <p:txBody>
-          <a:bodyPr>
-            <a:normAutofit/>
-          </a:bodyPr>
-          <a:lstStyle/>
-          <a:p>
-            <a:r>
-              <a:rPr lang="en-US" dirty="0"/>
-              <a:t>CSS : </a:t>
-            </a:r>
-            <a:r>
-              <a:rPr lang="en-US" b="1" dirty="0">
-                <a:solidFill>
-                  <a:srgbClr val="FF0000"/>
-                </a:solidFill>
-              </a:rPr>
-              <a:t>C</a:t>
-            </a:r>
-            <a:r>
-              <a:rPr lang="en-US" dirty="0"/>
-              <a:t>ascading </a:t>
-            </a:r>
-            <a:r>
-              <a:rPr lang="en-US" b="1" dirty="0">
-                <a:solidFill>
-                  <a:srgbClr val="FF0000"/>
-                </a:solidFill>
-              </a:rPr>
-              <a:t>S</a:t>
-            </a:r>
-            <a:r>
-              <a:rPr lang="en-US" dirty="0"/>
-              <a:t>tyle </a:t>
-            </a:r>
-            <a:r>
-              <a:rPr lang="en-US" b="1" dirty="0">
-                <a:solidFill>
-                  <a:srgbClr val="FF0000"/>
-                </a:solidFill>
-              </a:rPr>
-              <a:t>S</a:t>
-            </a:r>
-            <a:r>
-              <a:rPr lang="en-US" dirty="0"/>
-              <a:t>heets</a:t>
-            </a:r>
-          </a:p>
-        </p:txBody>
-      </p:sp>
-      <p:sp>
-        <p:nvSpPr>
-          <p:cNvPr id="115715" name="Rectangle 3"/>
-          <p:cNvSpPr>
-            <a:spLocks noGrp="1" noChangeArrowheads="1"/>
-          </p:cNvSpPr>
-          <p:nvPr>
-            <p:ph idx="1"/>
-          </p:nvPr>
-        </p:nvSpPr>
-        <p:spPr/>
-        <p:txBody>
-          <a:bodyPr>
-            <a:normAutofit/>
-          </a:bodyPr>
-          <a:lstStyle/>
-          <a:p>
-            <a:r>
-              <a:rPr lang="en-US" sz="2800" b="1" dirty="0">
-                <a:solidFill>
-                  <a:srgbClr val="FF0000"/>
-                </a:solidFill>
-              </a:rPr>
-              <a:t>What is CSS?</a:t>
-            </a:r>
-          </a:p>
-          <a:p>
-            <a:r>
-              <a:rPr lang="en-US" sz="2800" b="1" dirty="0"/>
-              <a:t>CSS</a:t>
-            </a:r>
-            <a:r>
-              <a:rPr lang="en-US" sz="2800" dirty="0"/>
-              <a:t> stands for </a:t>
-            </a:r>
-            <a:r>
-              <a:rPr lang="en-US" sz="2800" b="1" dirty="0"/>
-              <a:t>C</a:t>
-            </a:r>
-            <a:r>
-              <a:rPr lang="en-US" sz="2800" dirty="0"/>
-              <a:t>ascading </a:t>
-            </a:r>
-            <a:r>
-              <a:rPr lang="en-US" sz="2800" b="1" dirty="0"/>
-              <a:t>S</a:t>
-            </a:r>
-            <a:r>
-              <a:rPr lang="en-US" sz="2800" dirty="0"/>
-              <a:t>tyle </a:t>
-            </a:r>
-            <a:r>
-              <a:rPr lang="en-US" sz="2800" b="1" dirty="0"/>
-              <a:t>S</a:t>
-            </a:r>
-            <a:r>
-              <a:rPr lang="en-US" sz="2800" dirty="0"/>
-              <a:t>heets</a:t>
-            </a:r>
-          </a:p>
-          <a:p>
-            <a:r>
-              <a:rPr lang="en-US" sz="2800" dirty="0"/>
-              <a:t>Styles define </a:t>
-            </a:r>
-            <a:r>
-              <a:rPr lang="en-US" sz="2800" b="1" dirty="0"/>
-              <a:t>how to display</a:t>
-            </a:r>
-            <a:r>
-              <a:rPr lang="en-US" sz="2800" dirty="0"/>
-              <a:t> </a:t>
-            </a:r>
-            <a:r>
-              <a:rPr lang="en-US" sz="2800" dirty="0" smtClean="0"/>
-              <a:t>HTML , XML </a:t>
-            </a:r>
-            <a:r>
-              <a:rPr lang="en-US" sz="2800" dirty="0"/>
-              <a:t>elements</a:t>
-            </a:r>
-          </a:p>
-          <a:p>
-            <a:r>
-              <a:rPr lang="en-US" sz="2800" dirty="0"/>
-              <a:t>Styles were added to HTML 4.0 </a:t>
-            </a:r>
-            <a:r>
-              <a:rPr lang="en-US" sz="2800" b="1" dirty="0"/>
-              <a:t>to solve a </a:t>
-            </a:r>
-            <a:r>
-              <a:rPr lang="en-US" sz="2800" b="1" dirty="0" smtClean="0"/>
-              <a:t>problem</a:t>
-            </a:r>
-          </a:p>
-          <a:p>
-            <a:r>
-              <a:rPr lang="en-US" sz="2800" dirty="0"/>
-              <a:t>Combined with </a:t>
-            </a:r>
-            <a:r>
-              <a:rPr lang="en-US" sz="2800" b="1" dirty="0"/>
-              <a:t>JavaScript and VBScript </a:t>
-            </a:r>
-            <a:endParaRPr lang="en-US" sz="2800" b="1" dirty="0" smtClean="0"/>
-          </a:p>
-          <a:p>
-            <a:r>
-              <a:rPr lang="en-US" sz="2800" b="1" dirty="0"/>
-              <a:t>Separate</a:t>
-            </a:r>
-            <a:r>
-              <a:rPr lang="en-US" sz="2800" dirty="0"/>
-              <a:t> </a:t>
-            </a:r>
-            <a:r>
-              <a:rPr lang="en-US" sz="2800" b="1" dirty="0"/>
-              <a:t>format</a:t>
-            </a:r>
-            <a:r>
-              <a:rPr lang="en-US" sz="2800" dirty="0"/>
-              <a:t> and </a:t>
-            </a:r>
-            <a:r>
-              <a:rPr lang="en-US" sz="2800" dirty="0" smtClean="0"/>
-              <a:t>content</a:t>
-            </a:r>
-          </a:p>
-          <a:p>
-            <a:r>
-              <a:rPr lang="en-US" sz="2800" b="1" dirty="0" smtClean="0"/>
-              <a:t>External </a:t>
-            </a:r>
-            <a:r>
-              <a:rPr lang="en-US" sz="2800" b="1" dirty="0"/>
-              <a:t>Style Sheets</a:t>
-            </a:r>
-            <a:r>
-              <a:rPr lang="en-US" sz="2800" dirty="0"/>
-              <a:t> can save a lot of work</a:t>
-            </a:r>
-          </a:p>
-          <a:p>
-            <a:pPr marL="0" indent="0">
-              <a:buNone/>
-            </a:pPr>
-            <a:endParaRPr lang="en-US" sz="2800" dirty="0"/>
-          </a:p>
-        </p:txBody>
-      </p:sp>
-      <p:sp>
-        <p:nvSpPr>
-          <p:cNvPr id="6" name="Slide Number Placeholder 5"/>
-          <p:cNvSpPr>
-            <a:spLocks noGrp="1"/>
-          </p:cNvSpPr>
-          <p:nvPr>
-            <p:ph type="sldNum" sz="quarter" idx="12"/>
-          </p:nvPr>
-        </p:nvSpPr>
-        <p:spPr/>
-        <p:txBody>
-          <a:bodyPr/>
-          <a:lstStyle/>
-          <a:p>
-            <a:fld id="{4F88D95F-3A11-4A91-9442-80922F515B4F}" type="slidenum">
-              <a:rPr lang="en-US" altLang="zh-CN"/>
-              <a:pPr/>
-              <a:t>11</a:t>
-            </a:fld>
-            <a:endParaRPr lang="en-US" altLang="zh-CN"/>
-          </a:p>
-        </p:txBody>
-      </p:sp>
-    </p:spTree>
-    <p:extLst>
-      <p:ext uri="{BB962C8B-B14F-4D97-AF65-F5344CB8AC3E}">
-        <p14:creationId xmlns="" xmlns:p14="http://schemas.microsoft.com/office/powerpoint/2010/main" val="2740047258"/>
-      </p:ext>
-    </p:extLst>
-  </p:cSld>
-  <p:clrMapOvr>
-    <a:masterClrMapping/>
-  </p:clrMapOvr>
-  <p:timing>
-    <p:tnLst>
-      <p:par>
-        <p:cTn id="1" dur="indefinite" restart="never" nodeType="tmRoot"/>
-      </p:par>
-    </p:tnLst>
-  </p:timing>
-</p:sld>
-</file>
-
-<file path=ppt/slides/slide12.xml><?xml version="1.0" encoding="utf-8"?>
-<p:sld xmlns:a="http://schemas.openxmlformats.org/drawingml/2006/main" xmlns:r="http://schemas.openxmlformats.org/officeDocument/2006/relationships" xmlns:p="http://schemas.openxmlformats.org/presentationml/2006/main">
-  <p:cSld>
-    <p:spTree>
-      <p:nvGrpSpPr>
-        <p:cNvPr id="1" name=""/>
-        <p:cNvGrpSpPr/>
-        <p:nvPr/>
-      </p:nvGrpSpPr>
-      <p:grpSpPr>
-        <a:xfrm>
-          <a:off x="0" y="0"/>
-          <a:ext cx="0" cy="0"/>
-          <a:chOff x="0" y="0"/>
-          <a:chExt cx="0" cy="0"/>
-        </a:xfrm>
-      </p:grpSpPr>
-      <p:sp>
-        <p:nvSpPr>
-          <p:cNvPr id="2" name="Title 1"/>
-          <p:cNvSpPr>
-            <a:spLocks noGrp="1"/>
-          </p:cNvSpPr>
-          <p:nvPr>
-            <p:ph type="title"/>
-          </p:nvPr>
-        </p:nvSpPr>
-        <p:spPr/>
-        <p:txBody>
-          <a:bodyPr>
-            <a:normAutofit fontScale="90000"/>
-          </a:bodyPr>
-          <a:lstStyle/>
-          <a:p>
-            <a:r>
-              <a:rPr lang="en-US" dirty="0" err="1" smtClean="0"/>
-              <a:t>Laravel</a:t>
-            </a:r>
-            <a:r>
-              <a:rPr lang="en-US" dirty="0" smtClean="0"/>
-              <a:t> Course  layout</a:t>
-            </a:r>
-            <a:br>
-              <a:rPr lang="en-US" dirty="0" smtClean="0"/>
-            </a:br>
-            <a:endParaRPr lang="en-US" dirty="0"/>
-          </a:p>
-        </p:txBody>
-      </p:sp>
-      <p:sp>
-        <p:nvSpPr>
-          <p:cNvPr id="5" name="Content Placeholder 4"/>
-          <p:cNvSpPr>
-            <a:spLocks noGrp="1"/>
-          </p:cNvSpPr>
-          <p:nvPr>
-            <p:ph idx="1"/>
-          </p:nvPr>
-        </p:nvSpPr>
-        <p:spPr/>
-        <p:txBody>
-          <a:bodyPr>
-            <a:noAutofit/>
-          </a:bodyPr>
-          <a:lstStyle/>
-          <a:p>
-            <a:r>
-              <a:rPr lang="en-US" sz="2400" dirty="0" err="1" smtClean="0"/>
-              <a:t>Laravel</a:t>
-            </a:r>
-            <a:r>
-              <a:rPr lang="en-US" sz="2400" dirty="0" smtClean="0"/>
-              <a:t> is MVC PHP framework created by </a:t>
-            </a:r>
-            <a:r>
-              <a:rPr lang="en-US" sz="2400" b="1" dirty="0" smtClean="0"/>
-              <a:t>Taylor </a:t>
-            </a:r>
-            <a:r>
-              <a:rPr lang="en-US" sz="2400" b="1" dirty="0" err="1" smtClean="0"/>
-              <a:t>Otwell</a:t>
-            </a:r>
-            <a:r>
-              <a:rPr lang="en-US" sz="2400" b="1" dirty="0" smtClean="0"/>
-              <a:t> </a:t>
-            </a:r>
-            <a:r>
-              <a:rPr lang="en-US" sz="2400" dirty="0" smtClean="0"/>
-              <a:t>in</a:t>
-            </a:r>
-            <a:r>
-              <a:rPr lang="bg-BG" sz="2400" dirty="0" smtClean="0"/>
-              <a:t> </a:t>
-            </a:r>
-            <a:r>
-              <a:rPr lang="en-US" sz="2400" b="1" dirty="0" smtClean="0"/>
-              <a:t>2011</a:t>
-            </a:r>
-            <a:endParaRPr lang="en-US" sz="2400" dirty="0" smtClean="0"/>
-          </a:p>
-          <a:p>
-            <a:pPr lvl="0"/>
-            <a:r>
-              <a:rPr lang="en-US" sz="2400" dirty="0" smtClean="0"/>
-              <a:t>Free open-source license with many contributors worldwide</a:t>
-            </a:r>
-          </a:p>
-          <a:p>
-            <a:pPr lvl="0"/>
-            <a:r>
-              <a:rPr lang="en-US" sz="2400" dirty="0" smtClean="0"/>
-              <a:t>One of the best frameworks together with </a:t>
-            </a:r>
-            <a:r>
-              <a:rPr lang="en-US" sz="2400" dirty="0" err="1" smtClean="0"/>
-              <a:t>Symfony</a:t>
-            </a:r>
-            <a:r>
-              <a:rPr lang="en-US" sz="2400" dirty="0" smtClean="0"/>
-              <a:t>, </a:t>
-            </a:r>
-            <a:r>
-              <a:rPr lang="en-US" sz="2400" dirty="0" err="1" smtClean="0"/>
-              <a:t>CodeIgniter</a:t>
-            </a:r>
-            <a:r>
-              <a:rPr lang="en-US" sz="2400" dirty="0" smtClean="0"/>
-              <a:t>, </a:t>
-            </a:r>
-            <a:r>
-              <a:rPr lang="en-US" sz="2400" dirty="0" err="1" smtClean="0"/>
-              <a:t>Yii</a:t>
-            </a:r>
-            <a:endParaRPr lang="en-US" sz="2400" dirty="0" smtClean="0"/>
-          </a:p>
-          <a:p>
-            <a:pPr lvl="0"/>
-            <a:r>
-              <a:rPr lang="en-US" sz="2400" dirty="0" smtClean="0"/>
-              <a:t>Has powerful features, saving us time</a:t>
-            </a:r>
-          </a:p>
-          <a:p>
-            <a:pPr lvl="0"/>
-            <a:r>
-              <a:rPr lang="en-US" sz="2400" dirty="0" smtClean="0"/>
-              <a:t>Uses </a:t>
-            </a:r>
-            <a:r>
-              <a:rPr lang="en-US" sz="2400" dirty="0" err="1" smtClean="0"/>
-              <a:t>Symfony</a:t>
-            </a:r>
-            <a:r>
-              <a:rPr lang="en-US" sz="2400" dirty="0" smtClean="0"/>
-              <a:t> packages</a:t>
-            </a:r>
-          </a:p>
-          <a:p>
-            <a:pPr lvl="0"/>
-            <a:r>
-              <a:rPr lang="en-US" sz="2400" dirty="0" smtClean="0"/>
-              <a:t>Lets see some statistics</a:t>
-            </a:r>
-          </a:p>
-          <a:p>
-            <a:endParaRPr lang="en-US" sz="2400" dirty="0" smtClean="0"/>
-          </a:p>
-          <a:p>
-            <a:endParaRPr lang="en-US" sz="2400" dirty="0" smtClean="0"/>
-          </a:p>
-          <a:p>
-            <a:endParaRPr lang="en-US" sz="2400" dirty="0" smtClean="0"/>
-          </a:p>
-          <a:p>
-            <a:endParaRPr lang="en-US" sz="2400" dirty="0" smtClean="0"/>
-          </a:p>
-          <a:p>
-            <a:endParaRPr lang="en-US" sz="2400" dirty="0"/>
-          </a:p>
-        </p:txBody>
-      </p:sp>
-    </p:spTree>
-  </p:cSld>
-  <p:clrMapOvr>
-    <a:masterClrMapping/>
-  </p:clrMapOvr>
-</p:sld>
-</file>
-
-<file path=ppt/slides/slide13.xml><?xml version="1.0" encoding="utf-8"?>
-<p:sld xmlns:a="http://schemas.openxmlformats.org/drawingml/2006/main" xmlns:r="http://schemas.openxmlformats.org/officeDocument/2006/relationships" xmlns:p="http://schemas.openxmlformats.org/presentationml/2006/main">
-  <p:cSld>
-    <p:spTree>
-      <p:nvGrpSpPr>
-        <p:cNvPr id="1" name=""/>
-        <p:cNvGrpSpPr/>
-        <p:nvPr/>
-      </p:nvGrpSpPr>
-      <p:grpSpPr>
-        <a:xfrm>
-          <a:off x="0" y="0"/>
-          <a:ext cx="0" cy="0"/>
-          <a:chOff x="0" y="0"/>
-          <a:chExt cx="0" cy="0"/>
-        </a:xfrm>
-      </p:grpSpPr>
-      <p:sp>
-        <p:nvSpPr>
-          <p:cNvPr id="4" name="Title 3"/>
-          <p:cNvSpPr>
-            <a:spLocks noGrp="1"/>
-          </p:cNvSpPr>
-          <p:nvPr>
-            <p:ph type="title"/>
-          </p:nvPr>
-        </p:nvSpPr>
-        <p:spPr/>
-        <p:txBody>
-          <a:bodyPr>
-            <a:normAutofit fontScale="90000"/>
-          </a:bodyPr>
-          <a:lstStyle/>
-          <a:p>
-            <a:pPr lvl="0"/>
-            <a:r>
-              <a:rPr lang="en-US" dirty="0" smtClean="0"/>
-              <a:t>Google Trends (2012 – 2017)</a:t>
-            </a:r>
-            <a:br>
-              <a:rPr lang="en-US" dirty="0" smtClean="0"/>
-            </a:br>
-            <a:endParaRPr lang="en-US" dirty="0"/>
-          </a:p>
-        </p:txBody>
-      </p:sp>
-      <p:sp>
-        <p:nvSpPr>
-          <p:cNvPr id="6" name="Content Placeholder 5"/>
-          <p:cNvSpPr>
-            <a:spLocks noGrp="1"/>
-          </p:cNvSpPr>
-          <p:nvPr>
-            <p:ph idx="1"/>
-          </p:nvPr>
-        </p:nvSpPr>
-        <p:spPr/>
-        <p:txBody>
-          <a:bodyPr/>
-          <a:lstStyle/>
-          <a:p>
-            <a:endParaRPr lang="en-US"/>
-          </a:p>
-        </p:txBody>
-      </p:sp>
-      <p:sp>
-        <p:nvSpPr>
-          <p:cNvPr id="7" name="Title 1"/>
-          <p:cNvSpPr txBox="1">
-            <a:spLocks/>
-          </p:cNvSpPr>
-          <p:nvPr/>
-        </p:nvSpPr>
-        <p:spPr>
-          <a:xfrm>
-            <a:off x="-574430" y="1"/>
-            <a:ext cx="9492537" cy="1080654"/>
-          </a:xfrm>
-          <a:prstGeom prst="rect">
-            <a:avLst/>
-          </a:prstGeom>
-        </p:spPr>
-        <p:txBody>
-          <a:bodyPr vert="horz" lIns="91440" tIns="45720" rIns="91440" bIns="45720" rtlCol="0" anchor="ctr">
-            <a:normAutofit/>
-          </a:bodyPr>
-          <a:lstStyle/>
-          <a:p>
-            <a:pPr marL="0" marR="0" lvl="0" indent="0" algn="ctr" defTabSz="914400" rtl="0" eaLnBrk="1" fontAlgn="auto" latinLnBrk="0" hangingPunct="1">
-              <a:lnSpc>
-                <a:spcPct val="100000"/>
-              </a:lnSpc>
-              <a:spcBef>
-                <a:spcPct val="0"/>
-              </a:spcBef>
-              <a:spcAft>
-                <a:spcPts val="0"/>
-              </a:spcAft>
-              <a:buClrTx/>
-              <a:buSzTx/>
-              <a:buFontTx/>
-              <a:buNone/>
-              <a:tabLst/>
-              <a:defRPr/>
-            </a:pPr>
-            <a:endParaRPr kumimoji="0" lang="en-US" sz="4400" b="0" i="0" u="none" strike="noStrike" kern="1200" cap="none" spc="0" normalizeH="0" baseline="0" noProof="0" dirty="0">
-              <a:ln>
-                <a:noFill/>
-              </a:ln>
-              <a:solidFill>
-                <a:schemeClr val="tx1"/>
-              </a:solidFill>
-              <a:effectLst/>
-              <a:uLnTx/>
-              <a:uFillTx/>
-              <a:latin typeface="+mj-lt"/>
-              <a:ea typeface="+mj-ea"/>
-              <a:cs typeface="+mj-cs"/>
-            </a:endParaRPr>
-          </a:p>
-        </p:txBody>
-      </p:sp>
-      <p:pic>
-        <p:nvPicPr>
-          <p:cNvPr id="8" name="Picture 7"/>
-          <p:cNvPicPr>
-            <a:picLocks noChangeAspect="1"/>
-          </p:cNvPicPr>
-          <p:nvPr/>
-        </p:nvPicPr>
-        <p:blipFill>
-          <a:blip r:embed="rId2">
-            <a:extLst>
-              <a:ext uri="{28A0092B-C50C-407E-A947-70E740481C1C}">
-                <a14:useLocalDpi xmlns="" xmlns:a14="http://schemas.microsoft.com/office/drawing/2010/main" val="0"/>
-              </a:ext>
-            </a:extLst>
-          </a:blip>
-          <a:stretch>
-            <a:fillRect/>
-          </a:stretch>
-        </p:blipFill>
-        <p:spPr>
-          <a:xfrm>
-            <a:off x="152401" y="960581"/>
-            <a:ext cx="8458200" cy="5763241"/>
-          </a:xfrm>
-          <a:prstGeom prst="rect">
-            <a:avLst/>
-          </a:prstGeom>
-        </p:spPr>
-      </p:pic>
-    </p:spTree>
-  </p:cSld>
-  <p:clrMapOvr>
-    <a:masterClrMapping/>
-  </p:clrMapOvr>
-</p:sld>
-</file>
-
-<file path=ppt/slides/slide14.xml><?xml version="1.0" encoding="utf-8"?>
-<p:sld xmlns:a="http://schemas.openxmlformats.org/drawingml/2006/main" xmlns:r="http://schemas.openxmlformats.org/officeDocument/2006/relationships" xmlns:p="http://schemas.openxmlformats.org/presentationml/2006/main">
-  <p:cSld>
-    <p:spTree>
-      <p:nvGrpSpPr>
-        <p:cNvPr id="1" name=""/>
-        <p:cNvGrpSpPr/>
-        <p:nvPr/>
-      </p:nvGrpSpPr>
-      <p:grpSpPr>
-        <a:xfrm>
-          <a:off x="0" y="0"/>
-          <a:ext cx="0" cy="0"/>
-          <a:chOff x="0" y="0"/>
-          <a:chExt cx="0" cy="0"/>
-        </a:xfrm>
-      </p:grpSpPr>
-      <p:sp>
-        <p:nvSpPr>
-          <p:cNvPr id="4" name="Title 3"/>
-          <p:cNvSpPr>
-            <a:spLocks noGrp="1"/>
-          </p:cNvSpPr>
-          <p:nvPr>
-            <p:ph type="title"/>
-          </p:nvPr>
-        </p:nvSpPr>
-        <p:spPr/>
-        <p:txBody>
-          <a:bodyPr>
-            <a:normAutofit fontScale="90000"/>
-          </a:bodyPr>
-          <a:lstStyle/>
-          <a:p>
-            <a:pPr lvl="0"/>
-            <a:r>
-              <a:rPr lang="en-US" dirty="0" smtClean="0"/>
-              <a:t>Google Trends (2012 – 2017)</a:t>
-            </a:r>
-            <a:br>
-              <a:rPr lang="en-US" dirty="0" smtClean="0"/>
-            </a:br>
-            <a:endParaRPr lang="en-US" dirty="0"/>
-          </a:p>
-        </p:txBody>
-      </p:sp>
-      <p:sp>
-        <p:nvSpPr>
-          <p:cNvPr id="6" name="Content Placeholder 5"/>
-          <p:cNvSpPr>
-            <a:spLocks noGrp="1"/>
-          </p:cNvSpPr>
-          <p:nvPr>
-            <p:ph idx="1"/>
-          </p:nvPr>
-        </p:nvSpPr>
-        <p:spPr/>
-        <p:txBody>
-          <a:bodyPr/>
-          <a:lstStyle/>
-          <a:p>
-            <a:endParaRPr lang="en-US"/>
-          </a:p>
-        </p:txBody>
-      </p:sp>
-      <p:sp>
-        <p:nvSpPr>
-          <p:cNvPr id="7" name="Title 1"/>
-          <p:cNvSpPr txBox="1">
-            <a:spLocks/>
-          </p:cNvSpPr>
-          <p:nvPr/>
-        </p:nvSpPr>
-        <p:spPr>
-          <a:xfrm>
-            <a:off x="-574430" y="1"/>
-            <a:ext cx="9492537" cy="1080654"/>
-          </a:xfrm>
-          <a:prstGeom prst="rect">
-            <a:avLst/>
-          </a:prstGeom>
-        </p:spPr>
-        <p:txBody>
-          <a:bodyPr vert="horz" lIns="91440" tIns="45720" rIns="91440" bIns="45720" rtlCol="0" anchor="ctr">
-            <a:normAutofit/>
-          </a:bodyPr>
-          <a:lstStyle/>
-          <a:p>
-            <a:pPr marL="0" marR="0" lvl="0" indent="0" algn="ctr" defTabSz="914400" rtl="0" eaLnBrk="1" fontAlgn="auto" latinLnBrk="0" hangingPunct="1">
-              <a:lnSpc>
-                <a:spcPct val="100000"/>
-              </a:lnSpc>
-              <a:spcBef>
-                <a:spcPct val="0"/>
-              </a:spcBef>
-              <a:spcAft>
-                <a:spcPts val="0"/>
-              </a:spcAft>
-              <a:buClrTx/>
-              <a:buSzTx/>
-              <a:buFontTx/>
-              <a:buNone/>
-              <a:tabLst/>
-              <a:defRPr/>
-            </a:pPr>
-            <a:endParaRPr kumimoji="0" lang="en-US" sz="4400" b="0" i="0" u="none" strike="noStrike" kern="1200" cap="none" spc="0" normalizeH="0" baseline="0" noProof="0" dirty="0">
-              <a:ln>
-                <a:noFill/>
-              </a:ln>
-              <a:solidFill>
-                <a:schemeClr val="tx1"/>
-              </a:solidFill>
-              <a:effectLst/>
-              <a:uLnTx/>
-              <a:uFillTx/>
-              <a:latin typeface="+mj-lt"/>
-              <a:ea typeface="+mj-ea"/>
-              <a:cs typeface="+mj-cs"/>
-            </a:endParaRPr>
-          </a:p>
-        </p:txBody>
-      </p:sp>
-      <p:pic>
-        <p:nvPicPr>
-          <p:cNvPr id="9" name="Picture 8"/>
-          <p:cNvPicPr>
-            <a:picLocks noChangeAspect="1"/>
-          </p:cNvPicPr>
-          <p:nvPr/>
-        </p:nvPicPr>
-        <p:blipFill>
-          <a:blip r:embed="rId2" cstate="print">
-            <a:extLst>
-              <a:ext uri="{28A0092B-C50C-407E-A947-70E740481C1C}">
-                <a14:useLocalDpi xmlns="" xmlns:a14="http://schemas.microsoft.com/office/drawing/2010/main" val="0"/>
-              </a:ext>
-            </a:extLst>
-          </a:blip>
-          <a:stretch>
-            <a:fillRect/>
-          </a:stretch>
-        </p:blipFill>
-        <p:spPr>
-          <a:xfrm>
-            <a:off x="457200" y="990600"/>
-            <a:ext cx="8153400" cy="5599825"/>
-          </a:xfrm>
-          <a:prstGeom prst="rect">
-            <a:avLst/>
-          </a:prstGeom>
-        </p:spPr>
-      </p:pic>
-    </p:spTree>
-  </p:cSld>
-  <p:clrMapOvr>
-    <a:masterClrMapping/>
-  </p:clrMapOvr>
-</p:sld>
-</file>
-
-<file path=ppt/slides/slide15.xml><?xml version="1.0" encoding="utf-8"?>
-<p:sld xmlns:a="http://schemas.openxmlformats.org/drawingml/2006/main" xmlns:r="http://schemas.openxmlformats.org/officeDocument/2006/relationships" xmlns:p="http://schemas.openxmlformats.org/presentationml/2006/main">
-  <p:cSld>
-    <p:spTree>
-      <p:nvGrpSpPr>
-        <p:cNvPr id="1" name=""/>
-        <p:cNvGrpSpPr/>
-        <p:nvPr/>
-      </p:nvGrpSpPr>
-      <p:grpSpPr>
-        <a:xfrm>
-          <a:off x="0" y="0"/>
-          <a:ext cx="0" cy="0"/>
-          <a:chOff x="0" y="0"/>
-          <a:chExt cx="0" cy="0"/>
-        </a:xfrm>
-      </p:grpSpPr>
-      <p:sp>
-        <p:nvSpPr>
-          <p:cNvPr id="10" name="Title 1"/>
-          <p:cNvSpPr>
-            <a:spLocks noGrp="1"/>
-          </p:cNvSpPr>
-          <p:nvPr>
-            <p:ph type="title"/>
-          </p:nvPr>
-        </p:nvSpPr>
-        <p:spPr>
-          <a:xfrm>
-            <a:off x="60358" y="0"/>
-            <a:ext cx="9083642" cy="1034472"/>
-          </a:xfrm>
-        </p:spPr>
-        <p:txBody>
-          <a:bodyPr/>
-          <a:lstStyle/>
-          <a:p>
-            <a:r>
-              <a:rPr lang="en-US" dirty="0" smtClean="0"/>
-              <a:t>Features	</a:t>
-            </a:r>
-            <a:endParaRPr lang="en-US" dirty="0"/>
-          </a:p>
-        </p:txBody>
-      </p:sp>
-      <p:sp>
-        <p:nvSpPr>
-          <p:cNvPr id="11" name="Content Placeholder 2"/>
-          <p:cNvSpPr>
-            <a:spLocks noGrp="1"/>
-          </p:cNvSpPr>
-          <p:nvPr>
-            <p:ph idx="1"/>
-          </p:nvPr>
-        </p:nvSpPr>
-        <p:spPr>
-          <a:xfrm>
-            <a:off x="609600" y="914400"/>
-            <a:ext cx="7698509" cy="5541818"/>
-          </a:xfrm>
-        </p:spPr>
-        <p:txBody>
-          <a:bodyPr>
-            <a:noAutofit/>
-          </a:bodyPr>
-          <a:lstStyle/>
-          <a:p>
-            <a:r>
-              <a:rPr lang="en-US" sz="2000" b="1" dirty="0" smtClean="0"/>
-              <a:t>Eloquent ORM </a:t>
-            </a:r>
-            <a:r>
-              <a:rPr lang="en-US" sz="2000" dirty="0" smtClean="0"/>
-              <a:t>(object-relational mapping) – implements </a:t>
-            </a:r>
-            <a:r>
-              <a:rPr lang="en-US" sz="2000" dirty="0" err="1" smtClean="0"/>
-              <a:t>ActiveRecord</a:t>
-            </a:r>
-            <a:r>
-              <a:rPr lang="en-US" sz="2000" dirty="0" smtClean="0"/>
-              <a:t> </a:t>
-            </a:r>
-          </a:p>
-          <a:p>
-            <a:r>
-              <a:rPr lang="en-US" sz="2000" b="1" dirty="0" smtClean="0"/>
-              <a:t>Query builder </a:t>
-            </a:r>
-            <a:r>
-              <a:rPr lang="en-US" sz="2000" dirty="0" smtClean="0"/>
-              <a:t>– helps you to build secured SQL queries</a:t>
-            </a:r>
-          </a:p>
-          <a:p>
-            <a:r>
-              <a:rPr lang="en-US" sz="2000" b="1" dirty="0" smtClean="0"/>
-              <a:t>Restful controllers </a:t>
-            </a:r>
-            <a:r>
-              <a:rPr lang="en-US" sz="2000" dirty="0" smtClean="0"/>
-              <a:t>– provides a way for separating the different HTTP requests (GET, POST, DELETE, etc.)</a:t>
-            </a:r>
-          </a:p>
-          <a:p>
-            <a:r>
-              <a:rPr lang="en-US" sz="2000" b="1" dirty="0" smtClean="0"/>
-              <a:t>Blade template engine </a:t>
-            </a:r>
-            <a:r>
-              <a:rPr lang="en-US" sz="2000" dirty="0" smtClean="0"/>
-              <a:t>– combines templates with a data model to produce views</a:t>
-            </a:r>
-          </a:p>
-          <a:p>
-            <a:r>
-              <a:rPr lang="en-US" sz="2000" b="1" dirty="0" smtClean="0"/>
-              <a:t>Migrations</a:t>
-            </a:r>
-            <a:r>
-              <a:rPr lang="en-US" sz="2000" dirty="0" smtClean="0"/>
-              <a:t> – version control system for database, update your database easier</a:t>
-            </a:r>
-          </a:p>
-          <a:p>
-            <a:r>
-              <a:rPr lang="en-US" sz="2000" b="1" dirty="0" smtClean="0"/>
-              <a:t>Database seeding </a:t>
-            </a:r>
-            <a:r>
-              <a:rPr lang="en-US" sz="2000" dirty="0" smtClean="0"/>
-              <a:t>– provides a way to populate database tables with test data used for testing</a:t>
-            </a:r>
-          </a:p>
-          <a:p>
-            <a:r>
-              <a:rPr lang="en-US" sz="2000" b="1" dirty="0" smtClean="0"/>
-              <a:t>Pagination</a:t>
-            </a:r>
-            <a:r>
-              <a:rPr lang="en-US" sz="2000" dirty="0" smtClean="0"/>
-              <a:t> – easy to use advanced pagination functionalities</a:t>
-            </a:r>
-          </a:p>
-          <a:p>
-            <a:r>
-              <a:rPr lang="en-US" sz="2000" b="1" dirty="0" smtClean="0"/>
-              <a:t>Forms security </a:t>
-            </a:r>
-            <a:r>
-              <a:rPr lang="en-US" sz="2000" dirty="0" smtClean="0"/>
-              <a:t>– provides CSRF token middleware, protecting all the forms</a:t>
-            </a:r>
-            <a:endParaRPr lang="bg-BG" sz="2000" dirty="0" smtClean="0"/>
-          </a:p>
-        </p:txBody>
-      </p:sp>
-    </p:spTree>
-  </p:cSld>
-  <p:clrMapOvr>
-    <a:masterClrMapping/>
-  </p:clrMapOvr>
-</p:sld>
-</file>
-
-<file path=ppt/slides/slide16.xml><?xml version="1.0" encoding="utf-8"?>
-<p:sld xmlns:a="http://schemas.openxmlformats.org/drawingml/2006/main" xmlns:r="http://schemas.openxmlformats.org/officeDocument/2006/relationships" xmlns:p="http://schemas.openxmlformats.org/presentationml/2006/main">
-  <p:cSld>
-    <p:spTree>
-      <p:nvGrpSpPr>
-        <p:cNvPr id="1" name=""/>
-        <p:cNvGrpSpPr/>
-        <p:nvPr/>
-      </p:nvGrpSpPr>
-      <p:grpSpPr>
-        <a:xfrm>
-          <a:off x="0" y="0"/>
-          <a:ext cx="0" cy="0"/>
-          <a:chOff x="0" y="0"/>
-          <a:chExt cx="0" cy="0"/>
-        </a:xfrm>
-      </p:grpSpPr>
-      <p:sp>
-        <p:nvSpPr>
-          <p:cNvPr id="2" name="Title 1"/>
-          <p:cNvSpPr>
-            <a:spLocks noGrp="1"/>
-          </p:cNvSpPr>
-          <p:nvPr>
-            <p:ph type="title"/>
-          </p:nvPr>
-        </p:nvSpPr>
-        <p:spPr/>
-        <p:txBody>
-          <a:bodyPr>
-            <a:normAutofit fontScale="90000"/>
-          </a:bodyPr>
-          <a:lstStyle/>
-          <a:p>
-            <a:r>
-              <a:rPr lang="en-US" dirty="0" smtClean="0"/>
-              <a:t>Environment Setup </a:t>
-            </a:r>
-            <a:br>
-              <a:rPr lang="en-US" dirty="0" smtClean="0"/>
-            </a:br>
-            <a:endParaRPr lang="en-US" dirty="0"/>
-          </a:p>
-        </p:txBody>
-      </p:sp>
-      <p:sp>
-        <p:nvSpPr>
-          <p:cNvPr id="3" name="Content Placeholder 2"/>
-          <p:cNvSpPr>
-            <a:spLocks noGrp="1"/>
-          </p:cNvSpPr>
-          <p:nvPr>
-            <p:ph idx="1"/>
-          </p:nvPr>
-        </p:nvSpPr>
-        <p:spPr/>
-        <p:txBody>
-          <a:bodyPr>
-            <a:normAutofit/>
-          </a:bodyPr>
-          <a:lstStyle/>
-          <a:p>
-            <a:r>
-              <a:rPr lang="en-US" dirty="0" smtClean="0">
-                <a:hlinkClick r:id="rId2"/>
-              </a:rPr>
-              <a:t>Node.js</a:t>
-            </a:r>
-            <a:r>
-              <a:rPr lang="en-US" dirty="0" smtClean="0"/>
-              <a:t> Setup </a:t>
-            </a:r>
-          </a:p>
-        </p:txBody>
-      </p:sp>
-      <p:pic>
-        <p:nvPicPr>
-          <p:cNvPr id="4" name="Picture 3" descr="1200px-Node.js_logo.svg.png"/>
-          <p:cNvPicPr>
-            <a:picLocks noChangeAspect="1"/>
-          </p:cNvPicPr>
-          <p:nvPr/>
-        </p:nvPicPr>
-        <p:blipFill>
-          <a:blip r:embed="rId3"/>
-          <a:stretch>
-            <a:fillRect/>
-          </a:stretch>
-        </p:blipFill>
-        <p:spPr>
-          <a:xfrm>
-            <a:off x="3048000" y="2514600"/>
-            <a:ext cx="3964890" cy="2425191"/>
-          </a:xfrm>
-          <a:prstGeom prst="rect">
-            <a:avLst/>
-          </a:prstGeom>
-        </p:spPr>
-      </p:pic>
-      <p:sp>
-        <p:nvSpPr>
-          <p:cNvPr id="5" name="Rectangle 4"/>
-          <p:cNvSpPr/>
-          <p:nvPr/>
-        </p:nvSpPr>
-        <p:spPr>
-          <a:xfrm>
-            <a:off x="3886200" y="5638800"/>
-            <a:ext cx="2319033" cy="369332"/>
-          </a:xfrm>
-          <a:prstGeom prst="rect">
-            <a:avLst/>
-          </a:prstGeom>
-        </p:spPr>
-        <p:txBody>
-          <a:bodyPr wrap="none">
-            <a:spAutoFit/>
-          </a:bodyPr>
-          <a:lstStyle/>
-          <a:p>
-            <a:r>
-              <a:rPr lang="en-US" dirty="0" smtClean="0"/>
-              <a:t>https://nodejs.org/en/</a:t>
-            </a:r>
-            <a:endParaRPr lang="en-US" dirty="0"/>
-          </a:p>
-        </p:txBody>
-      </p:sp>
-    </p:spTree>
-  </p:cSld>
-  <p:clrMapOvr>
-    <a:masterClrMapping/>
-  </p:clrMapOvr>
-</p:sld>
-</file>
-
-<file path=ppt/slides/slide17.xml><?xml version="1.0" encoding="utf-8"?>
-<p:sld xmlns:a="http://schemas.openxmlformats.org/drawingml/2006/main" xmlns:r="http://schemas.openxmlformats.org/officeDocument/2006/relationships" xmlns:p="http://schemas.openxmlformats.org/presentationml/2006/main">
-  <p:cSld>
-    <p:spTree>
-      <p:nvGrpSpPr>
-        <p:cNvPr id="1" name=""/>
-        <p:cNvGrpSpPr/>
-        <p:nvPr/>
-      </p:nvGrpSpPr>
-      <p:grpSpPr>
-        <a:xfrm>
-          <a:off x="0" y="0"/>
-          <a:ext cx="0" cy="0"/>
-          <a:chOff x="0" y="0"/>
-          <a:chExt cx="0" cy="0"/>
-        </a:xfrm>
-      </p:grpSpPr>
-      <p:sp>
-        <p:nvSpPr>
-          <p:cNvPr id="2" name="Title 1"/>
-          <p:cNvSpPr>
-            <a:spLocks noGrp="1"/>
-          </p:cNvSpPr>
-          <p:nvPr>
-            <p:ph type="title"/>
-          </p:nvPr>
-        </p:nvSpPr>
-        <p:spPr/>
-        <p:txBody>
-          <a:bodyPr>
-            <a:normAutofit fontScale="90000"/>
-          </a:bodyPr>
-          <a:lstStyle/>
-          <a:p>
-            <a:r>
-              <a:rPr lang="en-US" dirty="0" smtClean="0"/>
-              <a:t>Environment Setup </a:t>
-            </a:r>
-            <a:br>
-              <a:rPr lang="en-US" dirty="0" smtClean="0"/>
-            </a:br>
-            <a:endParaRPr lang="en-US" dirty="0"/>
-          </a:p>
-        </p:txBody>
-      </p:sp>
-      <p:sp>
-        <p:nvSpPr>
-          <p:cNvPr id="3" name="Content Placeholder 2"/>
-          <p:cNvSpPr>
-            <a:spLocks noGrp="1"/>
-          </p:cNvSpPr>
-          <p:nvPr>
-            <p:ph idx="1"/>
-          </p:nvPr>
-        </p:nvSpPr>
-        <p:spPr/>
-        <p:txBody>
-          <a:bodyPr>
-            <a:normAutofit/>
-          </a:bodyPr>
-          <a:lstStyle/>
-          <a:p>
-            <a:r>
-              <a:rPr lang="en-US" dirty="0" smtClean="0">
-                <a:hlinkClick r:id="rId2"/>
-              </a:rPr>
-              <a:t>Composer</a:t>
-            </a:r>
-            <a:r>
-              <a:rPr lang="en-US" dirty="0" smtClean="0"/>
-              <a:t>  Setup </a:t>
-            </a:r>
-          </a:p>
-          <a:p>
-            <a:endParaRPr lang="en-US" dirty="0" smtClean="0"/>
-          </a:p>
-          <a:p>
-            <a:pPr>
-              <a:buNone/>
-            </a:pPr>
-            <a:r>
-              <a:rPr lang="en-US" b="1" dirty="0" smtClean="0"/>
-              <a:t>To </a:t>
-            </a:r>
-            <a:r>
-              <a:rPr lang="en-US" b="1" dirty="0"/>
-              <a:t>manage its dependencies</a:t>
-            </a:r>
-          </a:p>
-        </p:txBody>
-      </p:sp>
-      <p:sp>
-        <p:nvSpPr>
-          <p:cNvPr id="5" name="Rectangle 4"/>
-          <p:cNvSpPr/>
-          <p:nvPr/>
-        </p:nvSpPr>
-        <p:spPr>
-          <a:xfrm>
-            <a:off x="2895600" y="5638800"/>
-            <a:ext cx="3596882" cy="369332"/>
-          </a:xfrm>
-          <a:prstGeom prst="rect">
-            <a:avLst/>
-          </a:prstGeom>
-        </p:spPr>
-        <p:txBody>
-          <a:bodyPr wrap="none">
-            <a:spAutoFit/>
-          </a:bodyPr>
-          <a:lstStyle/>
-          <a:p>
-            <a:r>
-              <a:rPr lang="en-US" dirty="0" smtClean="0"/>
-              <a:t>https://getcomposer.org/download/</a:t>
-            </a:r>
-            <a:endParaRPr lang="en-US" dirty="0"/>
-          </a:p>
-        </p:txBody>
-      </p:sp>
-      <p:pic>
-        <p:nvPicPr>
-          <p:cNvPr id="2050" name="Picture 2" descr="نتيجة بحث الصور عن ‪composer‬‏"/>
-          <p:cNvPicPr>
-            <a:picLocks noChangeAspect="1" noChangeArrowheads="1"/>
-          </p:cNvPicPr>
-          <p:nvPr/>
-        </p:nvPicPr>
-        <p:blipFill>
-          <a:blip r:embed="rId3"/>
-          <a:srcRect/>
-          <a:stretch>
-            <a:fillRect/>
-          </a:stretch>
-        </p:blipFill>
-        <p:spPr bwMode="auto">
-          <a:xfrm>
-            <a:off x="5715000" y="2133600"/>
-            <a:ext cx="2647950" cy="3143250"/>
-          </a:xfrm>
-          <a:prstGeom prst="rect">
-            <a:avLst/>
-          </a:prstGeom>
-          <a:noFill/>
-        </p:spPr>
-      </p:pic>
-    </p:spTree>
-  </p:cSld>
-  <p:clrMapOvr>
-    <a:masterClrMapping/>
-  </p:clrMapOvr>
-</p:sld>
-</file>
-
-<file path=ppt/slides/slide18.xml><?xml version="1.0" encoding="utf-8"?>
-<p:sld xmlns:a="http://schemas.openxmlformats.org/drawingml/2006/main" xmlns:r="http://schemas.openxmlformats.org/officeDocument/2006/relationships" xmlns:p="http://schemas.openxmlformats.org/presentationml/2006/main">
-  <p:cSld>
-    <p:spTree>
-      <p:nvGrpSpPr>
-        <p:cNvPr id="1" name=""/>
-        <p:cNvGrpSpPr/>
-        <p:nvPr/>
-      </p:nvGrpSpPr>
-      <p:grpSpPr>
-        <a:xfrm>
-          <a:off x="0" y="0"/>
-          <a:ext cx="0" cy="0"/>
-          <a:chOff x="0" y="0"/>
-          <a:chExt cx="0" cy="0"/>
-        </a:xfrm>
-      </p:grpSpPr>
-      <p:sp>
-        <p:nvSpPr>
-          <p:cNvPr id="2" name="Title 1"/>
-          <p:cNvSpPr>
-            <a:spLocks noGrp="1"/>
-          </p:cNvSpPr>
-          <p:nvPr>
-            <p:ph type="title"/>
-          </p:nvPr>
-        </p:nvSpPr>
-        <p:spPr/>
-        <p:txBody>
-          <a:bodyPr>
-            <a:normAutofit fontScale="90000"/>
-          </a:bodyPr>
-          <a:lstStyle/>
-          <a:p>
-            <a:r>
-              <a:rPr lang="en-US" dirty="0" smtClean="0"/>
-              <a:t>Environment Setup </a:t>
-            </a:r>
-            <a:br>
-              <a:rPr lang="en-US" dirty="0" smtClean="0"/>
-            </a:br>
-            <a:endParaRPr lang="en-US" dirty="0"/>
-          </a:p>
-        </p:txBody>
-      </p:sp>
-      <p:sp>
-        <p:nvSpPr>
-          <p:cNvPr id="3" name="Content Placeholder 2"/>
-          <p:cNvSpPr>
-            <a:spLocks noGrp="1"/>
-          </p:cNvSpPr>
-          <p:nvPr>
-            <p:ph idx="1"/>
-          </p:nvPr>
-        </p:nvSpPr>
-        <p:spPr/>
-        <p:txBody>
-          <a:bodyPr>
-            <a:normAutofit/>
-          </a:bodyPr>
-          <a:lstStyle/>
-          <a:p>
-            <a:r>
-              <a:rPr lang="en-US" b="1" dirty="0" smtClean="0">
-                <a:hlinkClick r:id="rId2"/>
-              </a:rPr>
-              <a:t>Postman </a:t>
-            </a:r>
-            <a:endParaRPr lang="en-US" b="1" dirty="0" smtClean="0"/>
-          </a:p>
-          <a:p>
-            <a:endParaRPr lang="en-US" b="1" dirty="0" smtClean="0"/>
-          </a:p>
-          <a:p>
-            <a:pPr>
-              <a:buNone/>
-            </a:pPr>
-            <a:r>
-              <a:rPr lang="en-US" b="1" dirty="0" smtClean="0"/>
-              <a:t>Makes API Development Simple</a:t>
-            </a:r>
-          </a:p>
-          <a:p>
-            <a:endParaRPr lang="en-US" b="1" dirty="0"/>
-          </a:p>
-        </p:txBody>
-      </p:sp>
-      <p:pic>
-        <p:nvPicPr>
-          <p:cNvPr id="95234" name="Picture 2" descr="نتيجة بحث الصور عن ‪Postman‬‏"/>
-          <p:cNvPicPr>
-            <a:picLocks noChangeAspect="1" noChangeArrowheads="1"/>
-          </p:cNvPicPr>
-          <p:nvPr/>
-        </p:nvPicPr>
-        <p:blipFill>
-          <a:blip r:embed="rId3"/>
-          <a:srcRect/>
-          <a:stretch>
-            <a:fillRect/>
-          </a:stretch>
-        </p:blipFill>
-        <p:spPr bwMode="auto">
-          <a:xfrm>
-            <a:off x="6553200" y="4038600"/>
-            <a:ext cx="1914525" cy="1914525"/>
-          </a:xfrm>
-          <a:prstGeom prst="rect">
-            <a:avLst/>
-          </a:prstGeom>
-          <a:noFill/>
-        </p:spPr>
-      </p:pic>
-      <p:sp>
-        <p:nvSpPr>
-          <p:cNvPr id="7" name="Rectangle 6"/>
-          <p:cNvSpPr/>
-          <p:nvPr/>
-        </p:nvSpPr>
-        <p:spPr>
-          <a:xfrm>
-            <a:off x="5410200" y="6096000"/>
-            <a:ext cx="3122393" cy="369332"/>
-          </a:xfrm>
-          <a:prstGeom prst="rect">
-            <a:avLst/>
-          </a:prstGeom>
-        </p:spPr>
-        <p:txBody>
-          <a:bodyPr wrap="none">
-            <a:spAutoFit/>
-          </a:bodyPr>
-          <a:lstStyle/>
-          <a:p>
-            <a:r>
-              <a:rPr lang="en-US" dirty="0" smtClean="0"/>
-              <a:t>https://www.getpostman.com/</a:t>
-            </a:r>
-            <a:endParaRPr lang="en-US" dirty="0"/>
-          </a:p>
-        </p:txBody>
-      </p:sp>
-    </p:spTree>
-  </p:cSld>
-  <p:clrMapOvr>
-    <a:masterClrMapping/>
-  </p:clrMapOvr>
-</p:sld>
-</file>
-
-<file path=ppt/slides/slide19.xml><?xml version="1.0" encoding="utf-8"?>
-<p:sld xmlns:a="http://schemas.openxmlformats.org/drawingml/2006/main" xmlns:r="http://schemas.openxmlformats.org/officeDocument/2006/relationships" xmlns:p="http://schemas.openxmlformats.org/presentationml/2006/main">
-  <p:cSld>
-    <p:spTree>
-      <p:nvGrpSpPr>
-        <p:cNvPr id="1" name=""/>
-        <p:cNvGrpSpPr/>
-        <p:nvPr/>
-      </p:nvGrpSpPr>
-      <p:grpSpPr>
-        <a:xfrm>
-          <a:off x="0" y="0"/>
-          <a:ext cx="0" cy="0"/>
-          <a:chOff x="0" y="0"/>
-          <a:chExt cx="0" cy="0"/>
-        </a:xfrm>
-      </p:grpSpPr>
-      <p:sp>
-        <p:nvSpPr>
-          <p:cNvPr id="2" name="Title 1"/>
-          <p:cNvSpPr>
-            <a:spLocks noGrp="1"/>
-          </p:cNvSpPr>
-          <p:nvPr>
-            <p:ph type="title"/>
-          </p:nvPr>
-        </p:nvSpPr>
-        <p:spPr/>
-        <p:txBody>
-          <a:bodyPr>
-            <a:normAutofit fontScale="90000"/>
-          </a:bodyPr>
-          <a:lstStyle/>
-          <a:p>
-            <a:r>
-              <a:rPr lang="en-US" dirty="0" smtClean="0"/>
-              <a:t>Environment Setup </a:t>
-            </a:r>
-            <a:br>
-              <a:rPr lang="en-US" dirty="0" smtClean="0"/>
-            </a:br>
-            <a:endParaRPr lang="en-US" dirty="0"/>
-          </a:p>
-        </p:txBody>
-      </p:sp>
-      <p:sp>
-        <p:nvSpPr>
-          <p:cNvPr id="3" name="Content Placeholder 2"/>
-          <p:cNvSpPr>
-            <a:spLocks noGrp="1"/>
-          </p:cNvSpPr>
-          <p:nvPr>
-            <p:ph idx="1"/>
-          </p:nvPr>
-        </p:nvSpPr>
-        <p:spPr/>
-        <p:txBody>
-          <a:bodyPr>
-            <a:normAutofit/>
-          </a:bodyPr>
-          <a:lstStyle/>
-          <a:p>
-            <a:r>
-              <a:rPr lang="en-US" b="1" dirty="0" err="1" smtClean="0">
-                <a:hlinkClick r:id="rId2"/>
-              </a:rPr>
-              <a:t>GitHub</a:t>
-            </a:r>
-            <a:endParaRPr lang="en-US" b="1" dirty="0" smtClean="0"/>
-          </a:p>
-          <a:p>
-            <a:endParaRPr lang="en-US" b="1" dirty="0" smtClean="0"/>
-          </a:p>
-          <a:p>
-            <a:pPr>
-              <a:buNone/>
-            </a:pPr>
-            <a:r>
-              <a:rPr lang="en-US" b="1" dirty="0" smtClean="0"/>
-              <a:t>Version Control </a:t>
-            </a:r>
-            <a:endParaRPr lang="en-US" b="1" dirty="0"/>
-          </a:p>
-        </p:txBody>
-      </p:sp>
-      <p:sp>
-        <p:nvSpPr>
-          <p:cNvPr id="7" name="Rectangle 6"/>
-          <p:cNvSpPr/>
-          <p:nvPr/>
-        </p:nvSpPr>
-        <p:spPr>
-          <a:xfrm>
-            <a:off x="6248400" y="6096000"/>
-            <a:ext cx="2057358" cy="369332"/>
-          </a:xfrm>
-          <a:prstGeom prst="rect">
-            <a:avLst/>
-          </a:prstGeom>
-        </p:spPr>
-        <p:txBody>
-          <a:bodyPr wrap="none">
-            <a:spAutoFit/>
-          </a:bodyPr>
-          <a:lstStyle/>
-          <a:p>
-            <a:r>
-              <a:rPr lang="en-US" dirty="0" smtClean="0"/>
-              <a:t>https://github.com/</a:t>
-            </a:r>
-            <a:endParaRPr lang="en-US" dirty="0"/>
-          </a:p>
-        </p:txBody>
-      </p:sp>
-      <p:pic>
-        <p:nvPicPr>
-          <p:cNvPr id="96258" name="Picture 2" descr="نتيجة بحث الصور عن ‪github‬‏"/>
-          <p:cNvPicPr>
-            <a:picLocks noChangeAspect="1" noChangeArrowheads="1"/>
-          </p:cNvPicPr>
-          <p:nvPr/>
-        </p:nvPicPr>
-        <p:blipFill>
-          <a:blip r:embed="rId3"/>
-          <a:srcRect/>
-          <a:stretch>
-            <a:fillRect/>
-          </a:stretch>
-        </p:blipFill>
-        <p:spPr bwMode="auto">
-          <a:xfrm>
-            <a:off x="4953000" y="4038600"/>
-            <a:ext cx="3619500" cy="1905000"/>
-          </a:xfrm>
-          <a:prstGeom prst="rect">
-            <a:avLst/>
-          </a:prstGeom>
-          <a:noFill/>
-        </p:spPr>
-      </p:pic>
-    </p:spTree>
-  </p:cSld>
-  <p:clrMapOvr>
-    <a:masterClrMapping/>
-  </p:clrMapOvr>
-</p:sld>
-</file>
-
-<file path=ppt/slides/slide2.xml><?xml version="1.0" encoding="utf-8"?>
-<p:sld xmlns:a="http://schemas.openxmlformats.org/drawingml/2006/main" xmlns:r="http://schemas.openxmlformats.org/officeDocument/2006/relationships" xmlns:p="http://schemas.openxmlformats.org/presentationml/2006/main">
-  <p:cSld>
-    <p:spTree>
-      <p:nvGrpSpPr>
-        <p:cNvPr id="1" name=""/>
-        <p:cNvGrpSpPr/>
-        <p:nvPr/>
-      </p:nvGrpSpPr>
-      <p:grpSpPr>
-        <a:xfrm>
-          <a:off x="0" y="0"/>
-          <a:ext cx="0" cy="0"/>
-          <a:chOff x="0" y="0"/>
-          <a:chExt cx="0" cy="0"/>
-        </a:xfrm>
-      </p:grpSpPr>
-      <p:sp>
-        <p:nvSpPr>
-          <p:cNvPr id="2" name="Title 1"/>
-          <p:cNvSpPr>
-            <a:spLocks noGrp="1"/>
-          </p:cNvSpPr>
-          <p:nvPr>
-            <p:ph type="title"/>
-          </p:nvPr>
-        </p:nvSpPr>
-        <p:spPr/>
-        <p:txBody>
-          <a:bodyPr>
-            <a:normAutofit fontScale="90000"/>
-          </a:bodyPr>
-          <a:lstStyle/>
-          <a:p>
-            <a:r>
-              <a:rPr lang="en-US" dirty="0" err="1" smtClean="0"/>
-              <a:t>Laravel</a:t>
-            </a:r>
-            <a:r>
-              <a:rPr lang="en-US" dirty="0" smtClean="0"/>
-              <a:t> Course  layout</a:t>
-            </a:r>
-            <a:br>
-              <a:rPr lang="en-US" dirty="0" smtClean="0"/>
-            </a:br>
-            <a:endParaRPr lang="en-US" dirty="0"/>
-          </a:p>
-        </p:txBody>
-      </p:sp>
-      <p:sp>
-        <p:nvSpPr>
-          <p:cNvPr id="5" name="Content Placeholder 4"/>
-          <p:cNvSpPr>
-            <a:spLocks noGrp="1"/>
-          </p:cNvSpPr>
-          <p:nvPr>
-            <p:ph idx="1"/>
-          </p:nvPr>
-        </p:nvSpPr>
-        <p:spPr/>
-        <p:txBody>
-          <a:bodyPr>
-            <a:noAutofit/>
-          </a:bodyPr>
-          <a:lstStyle/>
-          <a:p>
-            <a:pPr>
-              <a:buFont typeface="+mj-lt"/>
-              <a:buAutoNum type="arabicPeriod"/>
-            </a:pPr>
-            <a:endParaRPr lang="ar-EG" sz="2000" dirty="0" smtClean="0"/>
-          </a:p>
-          <a:p>
-            <a:pPr>
-              <a:buFont typeface="+mj-lt"/>
-              <a:buAutoNum type="arabicPeriod"/>
-            </a:pPr>
-            <a:r>
-              <a:rPr lang="en-US" sz="2000" dirty="0" smtClean="0"/>
-              <a:t>Client/Server Architecture</a:t>
-            </a:r>
-            <a:endParaRPr lang="ar-EG" sz="2000" dirty="0" smtClean="0"/>
-          </a:p>
-          <a:p>
-            <a:pPr>
-              <a:buFont typeface="+mj-lt"/>
-              <a:buAutoNum type="arabicPeriod"/>
-            </a:pPr>
-            <a:r>
-              <a:rPr lang="en-US" sz="2000" dirty="0" smtClean="0"/>
-              <a:t>What is </a:t>
-            </a:r>
-            <a:r>
-              <a:rPr lang="en-US" sz="2000" dirty="0" err="1" smtClean="0"/>
-              <a:t>Laravel</a:t>
-            </a:r>
-            <a:r>
-              <a:rPr lang="bg-BG" sz="2000" dirty="0" smtClean="0"/>
-              <a:t> </a:t>
-            </a:r>
-            <a:endParaRPr lang="en-US" sz="2000" dirty="0" smtClean="0"/>
-          </a:p>
-          <a:p>
-            <a:pPr>
-              <a:buFont typeface="+mj-lt"/>
-              <a:buAutoNum type="arabicPeriod"/>
-            </a:pPr>
-            <a:r>
-              <a:rPr lang="en-US" sz="2000" dirty="0" smtClean="0"/>
-              <a:t>Install  Apache, </a:t>
-            </a:r>
-            <a:r>
-              <a:rPr lang="en-US" sz="2000" dirty="0" err="1" smtClean="0"/>
-              <a:t>Mysql</a:t>
-            </a:r>
-            <a:r>
-              <a:rPr lang="en-US" sz="2000" dirty="0" smtClean="0"/>
-              <a:t>, </a:t>
-            </a:r>
-            <a:r>
-              <a:rPr lang="en-US" sz="2000" dirty="0" smtClean="0">
-                <a:hlinkClick r:id="rId2"/>
-              </a:rPr>
-              <a:t>Composer</a:t>
-            </a:r>
-            <a:r>
-              <a:rPr lang="en-US" sz="2000" dirty="0" smtClean="0"/>
-              <a:t>,</a:t>
-            </a:r>
-            <a:r>
-              <a:rPr lang="en-US" sz="2000" dirty="0" smtClean="0">
-                <a:hlinkClick r:id="rId3"/>
-              </a:rPr>
-              <a:t> Node.js</a:t>
-            </a:r>
-            <a:r>
-              <a:rPr lang="en-US" sz="2000" dirty="0" smtClean="0"/>
-              <a:t> ,</a:t>
-            </a:r>
-            <a:r>
-              <a:rPr lang="en-US" sz="2000" dirty="0" smtClean="0">
-                <a:hlinkClick r:id="rId4"/>
-              </a:rPr>
-              <a:t> </a:t>
-            </a:r>
-            <a:r>
-              <a:rPr lang="en-US" sz="2000" dirty="0" err="1" smtClean="0">
-                <a:hlinkClick r:id="rId4"/>
-              </a:rPr>
-              <a:t>laravel</a:t>
-            </a:r>
-            <a:r>
-              <a:rPr lang="en-US" sz="2000" dirty="0" smtClean="0">
-                <a:hlinkClick r:id="rId4"/>
-              </a:rPr>
-              <a:t> </a:t>
-            </a:r>
-            <a:r>
-              <a:rPr lang="en-US" sz="2000" dirty="0" smtClean="0"/>
-              <a:t> on windows</a:t>
-            </a:r>
-          </a:p>
-          <a:p>
-            <a:pPr lvl="0">
-              <a:buFont typeface="+mj-lt"/>
-              <a:buAutoNum type="arabicPeriod"/>
-            </a:pPr>
-            <a:r>
-              <a:rPr lang="en-US" sz="2000" dirty="0" smtClean="0"/>
-              <a:t>Files structure</a:t>
-            </a:r>
-          </a:p>
-          <a:p>
-            <a:pPr>
-              <a:buFont typeface="+mj-lt"/>
-              <a:buAutoNum type="arabicPeriod"/>
-            </a:pPr>
-            <a:r>
-              <a:rPr lang="en-US" sz="2000" dirty="0" smtClean="0">
-                <a:hlinkClick r:id="rId5"/>
-              </a:rPr>
-              <a:t>Route</a:t>
-            </a:r>
-            <a:r>
-              <a:rPr lang="en-US" sz="2000" dirty="0" smtClean="0"/>
-              <a:t>, </a:t>
-            </a:r>
-            <a:r>
-              <a:rPr lang="en-US" sz="2000" dirty="0" smtClean="0">
-                <a:hlinkClick r:id="rId6"/>
-              </a:rPr>
-              <a:t>View</a:t>
-            </a:r>
-            <a:r>
-              <a:rPr lang="en-US" sz="2000" dirty="0" smtClean="0"/>
-              <a:t>, </a:t>
-            </a:r>
-            <a:r>
-              <a:rPr lang="en-US" sz="2000" dirty="0" smtClean="0">
-                <a:hlinkClick r:id="rId7"/>
-              </a:rPr>
-              <a:t>Controller</a:t>
-            </a:r>
-            <a:endParaRPr lang="en-US" sz="2000" dirty="0" smtClean="0"/>
-          </a:p>
-          <a:p>
-            <a:pPr>
-              <a:buFont typeface="+mj-lt"/>
-              <a:buAutoNum type="arabicPeriod"/>
-            </a:pPr>
-            <a:r>
-              <a:rPr lang="en-US" sz="2000" dirty="0" smtClean="0"/>
-              <a:t>pass data from Controller to View &amp; blade syntax &amp; </a:t>
-            </a:r>
-            <a:r>
-              <a:rPr lang="en-US" sz="2000" dirty="0" err="1" smtClean="0"/>
-              <a:t>php</a:t>
-            </a:r>
-            <a:r>
-              <a:rPr lang="en-US" sz="2000" dirty="0" smtClean="0"/>
-              <a:t> syntax</a:t>
-            </a:r>
-          </a:p>
-          <a:p>
-            <a:pPr>
-              <a:buFont typeface="+mj-lt"/>
-              <a:buAutoNum type="arabicPeriod"/>
-            </a:pPr>
-            <a:r>
-              <a:rPr lang="en-US" sz="2000" dirty="0" smtClean="0"/>
-              <a:t>Migration </a:t>
-            </a:r>
-          </a:p>
-          <a:p>
-            <a:pPr>
-              <a:buFont typeface="+mj-lt"/>
-              <a:buAutoNum type="arabicPeriod"/>
-            </a:pPr>
-            <a:r>
-              <a:rPr lang="en-US" sz="2000" dirty="0" smtClean="0"/>
-              <a:t>create, read (CRUD)</a:t>
-            </a:r>
-          </a:p>
-          <a:p>
-            <a:pPr>
-              <a:buFont typeface="+mj-lt"/>
-              <a:buAutoNum type="arabicPeriod"/>
-            </a:pPr>
-            <a:r>
-              <a:rPr lang="en-US" sz="2000" dirty="0" smtClean="0"/>
-              <a:t> update, and delete (CRUD)</a:t>
-            </a:r>
-          </a:p>
-          <a:p>
-            <a:pPr>
-              <a:buFont typeface="+mj-lt"/>
-              <a:buAutoNum type="arabicPeriod"/>
-            </a:pPr>
-            <a:r>
-              <a:rPr lang="en-US" sz="2000" dirty="0" smtClean="0"/>
-              <a:t> Validation </a:t>
-            </a:r>
-          </a:p>
-          <a:p>
-            <a:pPr>
-              <a:buFont typeface="+mj-lt"/>
-              <a:buAutoNum type="arabicPeriod"/>
-            </a:pPr>
-            <a:r>
-              <a:rPr lang="en-US" sz="2000" dirty="0" smtClean="0"/>
-              <a:t>Layouts </a:t>
-            </a:r>
-          </a:p>
-          <a:p>
-            <a:pPr>
-              <a:buFont typeface="+mj-lt"/>
-              <a:buAutoNum type="arabicPeriod"/>
-            </a:pPr>
-            <a:r>
-              <a:rPr lang="en-US" sz="2000" dirty="0" smtClean="0"/>
-              <a:t> project</a:t>
-            </a:r>
-          </a:p>
-          <a:p>
-            <a:endParaRPr lang="en-US" sz="1400" dirty="0" smtClean="0"/>
-          </a:p>
-          <a:p>
-            <a:endParaRPr lang="en-US" sz="1400" dirty="0" smtClean="0"/>
-          </a:p>
-          <a:p>
-            <a:endParaRPr lang="en-US" sz="1400" dirty="0" smtClean="0"/>
-          </a:p>
-          <a:p>
-            <a:endParaRPr lang="en-US" sz="1400" dirty="0" smtClean="0"/>
-          </a:p>
-          <a:p>
-            <a:endParaRPr lang="en-US" sz="1400" dirty="0"/>
-          </a:p>
-        </p:txBody>
-      </p:sp>
-    </p:spTree>
-  </p:cSld>
-  <p:clrMapOvr>
-    <a:masterClrMapping/>
-  </p:clrMapOvr>
-</p:sld>
-</file>
-
-<file path=ppt/slides/slide20.xml><?xml version="1.0" encoding="utf-8"?>
-<p:sld xmlns:a="http://schemas.openxmlformats.org/drawingml/2006/main" xmlns:r="http://schemas.openxmlformats.org/officeDocument/2006/relationships" xmlns:p="http://schemas.openxmlformats.org/presentationml/2006/main">
-  <p:cSld>
-    <p:spTree>
-      <p:nvGrpSpPr>
-        <p:cNvPr id="1" name=""/>
-        <p:cNvGrpSpPr/>
-        <p:nvPr/>
-      </p:nvGrpSpPr>
-      <p:grpSpPr>
-        <a:xfrm>
-          <a:off x="0" y="0"/>
-          <a:ext cx="0" cy="0"/>
-          <a:chOff x="0" y="0"/>
-          <a:chExt cx="0" cy="0"/>
-        </a:xfrm>
-      </p:grpSpPr>
-      <p:sp>
-        <p:nvSpPr>
-          <p:cNvPr id="2" name="Title 1"/>
-          <p:cNvSpPr>
-            <a:spLocks noGrp="1"/>
-          </p:cNvSpPr>
-          <p:nvPr>
-            <p:ph type="title"/>
-          </p:nvPr>
-        </p:nvSpPr>
-        <p:spPr/>
-        <p:txBody>
-          <a:bodyPr>
-            <a:normAutofit fontScale="90000"/>
-          </a:bodyPr>
-          <a:lstStyle/>
-          <a:p>
-            <a:r>
-              <a:rPr lang="en-US" dirty="0" smtClean="0"/>
-              <a:t>Environment Setup </a:t>
-            </a:r>
-            <a:br>
-              <a:rPr lang="en-US" dirty="0" smtClean="0"/>
-            </a:br>
-            <a:endParaRPr lang="en-US" dirty="0"/>
-          </a:p>
-        </p:txBody>
-      </p:sp>
-      <p:sp>
-        <p:nvSpPr>
-          <p:cNvPr id="3" name="Content Placeholder 2"/>
-          <p:cNvSpPr>
-            <a:spLocks noGrp="1"/>
-          </p:cNvSpPr>
-          <p:nvPr>
-            <p:ph idx="1"/>
-          </p:nvPr>
-        </p:nvSpPr>
-        <p:spPr/>
-        <p:txBody>
-          <a:bodyPr>
-            <a:normAutofit/>
-          </a:bodyPr>
-          <a:lstStyle/>
-          <a:p>
-            <a:r>
-              <a:rPr lang="en-US" dirty="0" smtClean="0"/>
-              <a:t>visual studio code IDE Setup </a:t>
-            </a:r>
-          </a:p>
-        </p:txBody>
-      </p:sp>
-      <p:pic>
-        <p:nvPicPr>
-          <p:cNvPr id="5" name="Picture 4" descr="Capture.PNG"/>
-          <p:cNvPicPr>
-            <a:picLocks noChangeAspect="1"/>
-          </p:cNvPicPr>
-          <p:nvPr/>
-        </p:nvPicPr>
-        <p:blipFill>
-          <a:blip r:embed="rId2"/>
-          <a:stretch>
-            <a:fillRect/>
-          </a:stretch>
-        </p:blipFill>
-        <p:spPr>
-          <a:xfrm>
-            <a:off x="3771788" y="2619262"/>
-            <a:ext cx="1600423" cy="1619476"/>
-          </a:xfrm>
-          <a:prstGeom prst="rect">
-            <a:avLst/>
-          </a:prstGeom>
-        </p:spPr>
-      </p:pic>
-      <p:sp>
-        <p:nvSpPr>
-          <p:cNvPr id="6" name="Rectangle 5"/>
-          <p:cNvSpPr/>
-          <p:nvPr/>
-        </p:nvSpPr>
-        <p:spPr>
-          <a:xfrm>
-            <a:off x="3048000" y="4800600"/>
-            <a:ext cx="3071546" cy="369332"/>
-          </a:xfrm>
-          <a:prstGeom prst="rect">
-            <a:avLst/>
-          </a:prstGeom>
-        </p:spPr>
-        <p:txBody>
-          <a:bodyPr wrap="none">
-            <a:spAutoFit/>
-          </a:bodyPr>
-          <a:lstStyle/>
-          <a:p>
-            <a:r>
-              <a:rPr lang="en-US" dirty="0" smtClean="0"/>
-              <a:t>https://code.visualstudio.com/</a:t>
-            </a:r>
-            <a:endParaRPr lang="en-US" dirty="0"/>
-          </a:p>
-        </p:txBody>
-      </p:sp>
-    </p:spTree>
-  </p:cSld>
-  <p:clrMapOvr>
-    <a:masterClrMapping/>
-  </p:clrMapOvr>
-</p:sld>
-</file>
-
-<file path=ppt/slides/slide21.xml><?xml version="1.0" encoding="utf-8"?>
-<p:sld xmlns:a="http://schemas.openxmlformats.org/drawingml/2006/main" xmlns:r="http://schemas.openxmlformats.org/officeDocument/2006/relationships" xmlns:p="http://schemas.openxmlformats.org/presentationml/2006/main">
-  <p:cSld>
-    <p:spTree>
-      <p:nvGrpSpPr>
-        <p:cNvPr id="1" name=""/>
-        <p:cNvGrpSpPr/>
-        <p:nvPr/>
-      </p:nvGrpSpPr>
-      <p:grpSpPr>
-        <a:xfrm>
-          <a:off x="0" y="0"/>
-          <a:ext cx="0" cy="0"/>
-          <a:chOff x="0" y="0"/>
-          <a:chExt cx="0" cy="0"/>
-        </a:xfrm>
-      </p:grpSpPr>
-      <p:sp>
-        <p:nvSpPr>
-          <p:cNvPr id="2" name="Title 1"/>
-          <p:cNvSpPr>
-            <a:spLocks noGrp="1"/>
-          </p:cNvSpPr>
-          <p:nvPr>
-            <p:ph type="title"/>
-          </p:nvPr>
-        </p:nvSpPr>
-        <p:spPr/>
-        <p:txBody>
-          <a:bodyPr>
-            <a:normAutofit fontScale="90000"/>
-          </a:bodyPr>
-          <a:lstStyle/>
-          <a:p>
-            <a:r>
-              <a:rPr lang="en-US" dirty="0" smtClean="0"/>
-              <a:t>Environment Setup </a:t>
-            </a:r>
-            <a:br>
-              <a:rPr lang="en-US" dirty="0" smtClean="0"/>
-            </a:br>
-            <a:endParaRPr lang="en-US" dirty="0"/>
-          </a:p>
-        </p:txBody>
-      </p:sp>
-      <p:sp>
-        <p:nvSpPr>
-          <p:cNvPr id="3" name="Content Placeholder 2"/>
-          <p:cNvSpPr>
-            <a:spLocks noGrp="1"/>
-          </p:cNvSpPr>
-          <p:nvPr>
-            <p:ph idx="1"/>
-          </p:nvPr>
-        </p:nvSpPr>
-        <p:spPr/>
-        <p:txBody>
-          <a:bodyPr>
-            <a:normAutofit/>
-          </a:bodyPr>
-          <a:lstStyle/>
-          <a:p>
-            <a:r>
-              <a:rPr lang="en-US" b="1" dirty="0" smtClean="0"/>
-              <a:t>visual studio code IDE extensions</a:t>
-            </a:r>
-          </a:p>
-          <a:p>
-            <a:r>
-              <a:rPr lang="en-US" b="1" dirty="0" err="1" smtClean="0">
-                <a:hlinkClick r:id="rId2"/>
-              </a:rPr>
-              <a:t>Laravel</a:t>
-            </a:r>
-            <a:r>
-              <a:rPr lang="en-US" b="1" dirty="0" smtClean="0">
-                <a:hlinkClick r:id="rId2"/>
-              </a:rPr>
-              <a:t> 5 Snippets</a:t>
-            </a:r>
-            <a:endParaRPr lang="en-US" b="1" dirty="0" smtClean="0"/>
-          </a:p>
-          <a:p>
-            <a:r>
-              <a:rPr lang="en-US" b="1" dirty="0" err="1" smtClean="0">
-                <a:hlinkClick r:id="rId3"/>
-              </a:rPr>
-              <a:t>Laravel</a:t>
-            </a:r>
-            <a:r>
-              <a:rPr lang="en-US" b="1" dirty="0" smtClean="0">
-                <a:hlinkClick r:id="rId3"/>
-              </a:rPr>
-              <a:t> Artisan</a:t>
-            </a:r>
-            <a:endParaRPr lang="en-US" b="1" dirty="0" smtClean="0"/>
-          </a:p>
-          <a:p>
-            <a:endParaRPr lang="en-US" b="1" dirty="0"/>
-          </a:p>
-        </p:txBody>
-      </p:sp>
-      <p:pic>
-        <p:nvPicPr>
-          <p:cNvPr id="5" name="Picture 4" descr="Capture.PNG"/>
-          <p:cNvPicPr>
-            <a:picLocks noChangeAspect="1"/>
-          </p:cNvPicPr>
-          <p:nvPr/>
-        </p:nvPicPr>
-        <p:blipFill>
-          <a:blip r:embed="rId4"/>
-          <a:stretch>
-            <a:fillRect/>
-          </a:stretch>
-        </p:blipFill>
-        <p:spPr>
-          <a:xfrm>
-            <a:off x="6324600" y="3352800"/>
-            <a:ext cx="1600423" cy="1619476"/>
-          </a:xfrm>
-          <a:prstGeom prst="rect">
-            <a:avLst/>
-          </a:prstGeom>
-        </p:spPr>
-      </p:pic>
-      <p:sp>
-        <p:nvSpPr>
-          <p:cNvPr id="6" name="Rectangle 5"/>
-          <p:cNvSpPr/>
-          <p:nvPr/>
-        </p:nvSpPr>
-        <p:spPr>
-          <a:xfrm>
-            <a:off x="685800" y="4800600"/>
-            <a:ext cx="3071546" cy="369332"/>
-          </a:xfrm>
-          <a:prstGeom prst="rect">
-            <a:avLst/>
-          </a:prstGeom>
-        </p:spPr>
-        <p:txBody>
-          <a:bodyPr wrap="none">
-            <a:spAutoFit/>
-          </a:bodyPr>
-          <a:lstStyle/>
-          <a:p>
-            <a:r>
-              <a:rPr lang="en-US" dirty="0" smtClean="0"/>
-              <a:t>https://code.visualstudio.com/</a:t>
-            </a:r>
-            <a:endParaRPr lang="en-US" dirty="0"/>
-          </a:p>
-        </p:txBody>
-      </p:sp>
-    </p:spTree>
-  </p:cSld>
-  <p:clrMapOvr>
-    <a:masterClrMapping/>
-  </p:clrMapOvr>
-</p:sld>
-</file>
-
-<file path=ppt/slides/slide22.xml><?xml version="1.0" encoding="utf-8"?>
-<p:sld xmlns:a="http://schemas.openxmlformats.org/drawingml/2006/main" xmlns:r="http://schemas.openxmlformats.org/officeDocument/2006/relationships" xmlns:p="http://schemas.openxmlformats.org/presentationml/2006/main">
-  <p:cSld>
-    <p:spTree>
-      <p:nvGrpSpPr>
-        <p:cNvPr id="1" name=""/>
-        <p:cNvGrpSpPr/>
-        <p:nvPr/>
-      </p:nvGrpSpPr>
-      <p:grpSpPr>
-        <a:xfrm>
-          <a:off x="0" y="0"/>
-          <a:ext cx="0" cy="0"/>
-          <a:chOff x="0" y="0"/>
-          <a:chExt cx="0" cy="0"/>
-        </a:xfrm>
-      </p:grpSpPr>
-      <p:sp>
-        <p:nvSpPr>
-          <p:cNvPr id="2" name="Title 1"/>
-          <p:cNvSpPr>
-            <a:spLocks noGrp="1"/>
-          </p:cNvSpPr>
-          <p:nvPr>
-            <p:ph type="title"/>
-          </p:nvPr>
-        </p:nvSpPr>
-        <p:spPr>
-          <a:xfrm>
-            <a:off x="4724400" y="838200"/>
-            <a:ext cx="4038600" cy="1143000"/>
-          </a:xfrm>
-        </p:spPr>
-        <p:txBody>
-          <a:bodyPr>
-            <a:normAutofit fontScale="90000"/>
-          </a:bodyPr>
-          <a:lstStyle/>
-          <a:p>
-            <a:r>
-              <a:rPr lang="en-US" b="1" dirty="0" smtClean="0"/>
-              <a:t>Project Setup</a:t>
-            </a:r>
-            <a:r>
-              <a:rPr lang="ar-EG" b="1" dirty="0" smtClean="0"/>
-              <a:t/>
-            </a:r>
-            <a:br>
-              <a:rPr lang="ar-EG" b="1" dirty="0" smtClean="0"/>
-            </a:br>
-            <a:endParaRPr lang="en-US" b="1" dirty="0" smtClean="0"/>
-          </a:p>
-        </p:txBody>
-      </p:sp>
-      <p:sp>
-        <p:nvSpPr>
-          <p:cNvPr id="3" name="Content Placeholder 2"/>
-          <p:cNvSpPr>
-            <a:spLocks noGrp="1"/>
-          </p:cNvSpPr>
-          <p:nvPr>
-            <p:ph idx="1"/>
-          </p:nvPr>
-        </p:nvSpPr>
-        <p:spPr/>
-        <p:txBody>
-          <a:bodyPr>
-            <a:normAutofit fontScale="92500" lnSpcReduction="10000"/>
-          </a:bodyPr>
-          <a:lstStyle/>
-          <a:p>
-            <a:endParaRPr lang="ar-EG" dirty="0" smtClean="0"/>
-          </a:p>
-          <a:p>
-            <a:endParaRPr lang="ar-EG" dirty="0" smtClean="0"/>
-          </a:p>
-          <a:p>
-            <a:endParaRPr lang="ar-EG" dirty="0"/>
-          </a:p>
-          <a:p>
-            <a:r>
-              <a:rPr lang="en-US" dirty="0" smtClean="0"/>
-              <a:t>composer global require "</a:t>
-            </a:r>
-            <a:r>
-              <a:rPr lang="en-US" dirty="0" err="1" smtClean="0"/>
-              <a:t>laravel</a:t>
-            </a:r>
-            <a:r>
-              <a:rPr lang="en-US" dirty="0" smtClean="0"/>
-              <a:t>/installer"</a:t>
-            </a:r>
-          </a:p>
-          <a:p>
-            <a:r>
-              <a:rPr lang="en-US" dirty="0" smtClean="0"/>
-              <a:t>composer create-project --prefer-dist </a:t>
-            </a:r>
-            <a:r>
-              <a:rPr lang="en-US" dirty="0" err="1" smtClean="0"/>
-              <a:t>laravel</a:t>
-            </a:r>
-            <a:r>
-              <a:rPr lang="en-US" dirty="0" smtClean="0"/>
-              <a:t>/</a:t>
-            </a:r>
-            <a:r>
-              <a:rPr lang="en-US" dirty="0" err="1" smtClean="0"/>
-              <a:t>laravel</a:t>
-            </a:r>
-            <a:r>
-              <a:rPr lang="en-US" dirty="0" smtClean="0"/>
-              <a:t> </a:t>
-            </a:r>
-            <a:r>
-              <a:rPr lang="en-US" dirty="0" err="1" smtClean="0"/>
-              <a:t>alhendy</a:t>
-            </a:r>
-            <a:endParaRPr lang="en-US" dirty="0" smtClean="0"/>
-          </a:p>
-          <a:p>
-            <a:r>
-              <a:rPr lang="en-US" dirty="0" err="1" smtClean="0"/>
-              <a:t>npm</a:t>
-            </a:r>
-            <a:r>
-              <a:rPr lang="en-US" dirty="0" smtClean="0"/>
-              <a:t> install</a:t>
-            </a:r>
-          </a:p>
-          <a:p>
-            <a:r>
-              <a:rPr lang="en-US" sz="2600" dirty="0" err="1" smtClean="0"/>
-              <a:t>php</a:t>
-            </a:r>
-            <a:r>
-              <a:rPr lang="en-US" sz="2600" dirty="0" smtClean="0"/>
-              <a:t> artisan </a:t>
-            </a:r>
-            <a:r>
-              <a:rPr lang="en-US" sz="2600" dirty="0" smtClean="0"/>
-              <a:t>serve or “</a:t>
-            </a:r>
-            <a:r>
-              <a:rPr lang="en-US" sz="2600" dirty="0" err="1" smtClean="0"/>
-              <a:t>php</a:t>
-            </a:r>
-            <a:r>
-              <a:rPr lang="en-US" sz="2600" dirty="0" smtClean="0"/>
-              <a:t> </a:t>
-            </a:r>
-            <a:r>
-              <a:rPr lang="en-US" sz="2600" dirty="0" smtClean="0"/>
-              <a:t>-S localhost:8000 -t public</a:t>
-            </a:r>
-            <a:r>
-              <a:rPr lang="en-US" sz="2600" dirty="0" smtClean="0"/>
-              <a:t>/”</a:t>
-            </a:r>
-            <a:endParaRPr lang="en-US" sz="2600" dirty="0" smtClean="0"/>
-          </a:p>
-          <a:p>
-            <a:r>
-              <a:rPr lang="en-US" dirty="0" smtClean="0">
-                <a:hlinkClick r:id="rId2"/>
-              </a:rPr>
-              <a:t>https://laravel.com/docs/5.7/installation</a:t>
-            </a:r>
-            <a:endParaRPr lang="en-US" dirty="0" smtClean="0"/>
-          </a:p>
-          <a:p>
-            <a:endParaRPr lang="en-US" dirty="0" smtClean="0"/>
-          </a:p>
-          <a:p>
-            <a:endParaRPr lang="en-US" dirty="0"/>
-          </a:p>
-        </p:txBody>
-      </p:sp>
-      <p:pic>
-        <p:nvPicPr>
-          <p:cNvPr id="13314" name="Picture 2" descr="نتيجة بحث الصور عن ‪laravel‬‏"/>
-          <p:cNvPicPr>
-            <a:picLocks noChangeAspect="1" noChangeArrowheads="1"/>
-          </p:cNvPicPr>
-          <p:nvPr/>
-        </p:nvPicPr>
-        <p:blipFill>
-          <a:blip r:embed="rId3"/>
-          <a:srcRect/>
-          <a:stretch>
-            <a:fillRect/>
-          </a:stretch>
-        </p:blipFill>
-        <p:spPr bwMode="auto">
-          <a:xfrm>
-            <a:off x="685800" y="304800"/>
-            <a:ext cx="3962400" cy="2228851"/>
-          </a:xfrm>
-          <a:prstGeom prst="rect">
-            <a:avLst/>
-          </a:prstGeom>
-          <a:noFill/>
-        </p:spPr>
-      </p:pic>
-    </p:spTree>
-  </p:cSld>
-  <p:clrMapOvr>
-    <a:masterClrMapping/>
-  </p:clrMapOvr>
-</p:sld>
-</file>
-
-<file path=ppt/slides/slide23.xml><?xml version="1.0" encoding="utf-8"?>
-<p:sld xmlns:a="http://schemas.openxmlformats.org/drawingml/2006/main" xmlns:r="http://schemas.openxmlformats.org/officeDocument/2006/relationships" xmlns:p="http://schemas.openxmlformats.org/presentationml/2006/main">
-  <p:cSld>
-    <p:spTree>
-      <p:nvGrpSpPr>
-        <p:cNvPr id="1" name=""/>
-        <p:cNvGrpSpPr/>
-        <p:nvPr/>
-      </p:nvGrpSpPr>
-      <p:grpSpPr>
-        <a:xfrm>
-          <a:off x="0" y="0"/>
-          <a:ext cx="0" cy="0"/>
-          <a:chOff x="0" y="0"/>
-          <a:chExt cx="0" cy="0"/>
-        </a:xfrm>
-      </p:grpSpPr>
-      <p:pic>
-        <p:nvPicPr>
-          <p:cNvPr id="3" name="Picture 2"/>
-          <p:cNvPicPr>
-            <a:picLocks noChangeAspect="1"/>
-          </p:cNvPicPr>
-          <p:nvPr/>
-        </p:nvPicPr>
-        <p:blipFill>
-          <a:blip r:embed="rId3">
-            <a:extLst>
-              <a:ext uri="{28A0092B-C50C-407E-A947-70E740481C1C}">
-                <a14:useLocalDpi xmlns="" xmlns:a14="http://schemas.microsoft.com/office/drawing/2010/main" val="0"/>
-              </a:ext>
-            </a:extLst>
-          </a:blip>
-          <a:stretch>
-            <a:fillRect/>
-          </a:stretch>
-        </p:blipFill>
-        <p:spPr>
-          <a:xfrm>
-            <a:off x="6446398" y="92642"/>
-            <a:ext cx="2705506" cy="6858000"/>
-          </a:xfrm>
-          <a:prstGeom prst="rect">
-            <a:avLst/>
-          </a:prstGeom>
-        </p:spPr>
-      </p:pic>
-      <p:sp>
-        <p:nvSpPr>
-          <p:cNvPr id="2" name="Title 1"/>
-          <p:cNvSpPr>
-            <a:spLocks noGrp="1"/>
-          </p:cNvSpPr>
-          <p:nvPr>
-            <p:ph type="title"/>
-          </p:nvPr>
-        </p:nvSpPr>
-        <p:spPr>
-          <a:xfrm>
-            <a:off x="1" y="1"/>
-            <a:ext cx="6095999" cy="1120634"/>
-          </a:xfrm>
-        </p:spPr>
-        <p:txBody>
-          <a:bodyPr>
-            <a:normAutofit/>
-          </a:bodyPr>
-          <a:lstStyle/>
-          <a:p>
-            <a:pPr algn="l"/>
-            <a:r>
-              <a:rPr lang="en-US" dirty="0" smtClean="0"/>
-              <a:t>           The structure</a:t>
-            </a:r>
-            <a:endParaRPr lang="en-US" dirty="0"/>
-          </a:p>
-        </p:txBody>
-      </p:sp>
-      <p:cxnSp>
-        <p:nvCxnSpPr>
-          <p:cNvPr id="11" name="Straight Arrow Connector 10"/>
-          <p:cNvCxnSpPr/>
-          <p:nvPr/>
-        </p:nvCxnSpPr>
-        <p:spPr>
-          <a:xfrm flipV="1">
-            <a:off x="4246124" y="990601"/>
-            <a:ext cx="2313427" cy="682557"/>
-          </a:xfrm>
-          <a:prstGeom prst="straightConnector1">
-            <a:avLst/>
-          </a:prstGeom>
-          <a:ln w="92075">
-            <a:solidFill>
-              <a:schemeClr val="accent1"/>
-            </a:solidFill>
-            <a:tailEnd type="triangle"/>
-          </a:ln>
-        </p:spPr>
-        <p:style>
-          <a:lnRef idx="1">
-            <a:schemeClr val="accent1"/>
-          </a:lnRef>
-          <a:fillRef idx="0">
-            <a:schemeClr val="accent1"/>
-          </a:fillRef>
-          <a:effectRef idx="0">
-            <a:schemeClr val="accent1"/>
-          </a:effectRef>
-          <a:fontRef idx="minor">
-            <a:schemeClr val="tx1"/>
-          </a:fontRef>
-        </p:style>
-      </p:cxnSp>
-      <p:sp>
-        <p:nvSpPr>
-          <p:cNvPr id="14" name="TextBox 13"/>
-          <p:cNvSpPr txBox="1"/>
-          <p:nvPr/>
-        </p:nvSpPr>
-        <p:spPr>
-          <a:xfrm>
-            <a:off x="1018972" y="1673157"/>
-            <a:ext cx="3553028" cy="923330"/>
-          </a:xfrm>
-          <a:prstGeom prst="rect">
-            <a:avLst/>
-          </a:prstGeom>
-          <a:noFill/>
-        </p:spPr>
-        <p:txBody>
-          <a:bodyPr wrap="square" rtlCol="0">
-            <a:spAutoFit/>
-          </a:bodyPr>
-          <a:lstStyle/>
-          <a:p>
-            <a:pPr algn="ctr"/>
-            <a:r>
-              <a:rPr lang="en-US" b="1" dirty="0" smtClean="0"/>
-              <a:t>app/Http</a:t>
-            </a:r>
-            <a:r>
-              <a:rPr lang="en-US" dirty="0" smtClean="0"/>
-              <a:t> folder contains the </a:t>
-            </a:r>
-            <a:r>
-              <a:rPr lang="en-US" b="1" dirty="0" smtClean="0"/>
-              <a:t>Controllers</a:t>
-            </a:r>
-            <a:r>
-              <a:rPr lang="en-US" dirty="0" smtClean="0"/>
-              <a:t>, </a:t>
-            </a:r>
-            <a:r>
-              <a:rPr lang="en-US" b="1" dirty="0" err="1" smtClean="0"/>
-              <a:t>Middlewares</a:t>
-            </a:r>
-            <a:r>
-              <a:rPr lang="en-US" dirty="0" smtClean="0"/>
-              <a:t> and </a:t>
-            </a:r>
-            <a:r>
-              <a:rPr lang="en-US" b="1" dirty="0" smtClean="0"/>
-              <a:t>Kernel</a:t>
-            </a:r>
-            <a:r>
-              <a:rPr lang="en-US" dirty="0" smtClean="0"/>
-              <a:t> file</a:t>
-            </a:r>
-            <a:endParaRPr lang="en-US" dirty="0"/>
-          </a:p>
-        </p:txBody>
-      </p:sp>
-      <p:cxnSp>
-        <p:nvCxnSpPr>
-          <p:cNvPr id="19" name="Straight Arrow Connector 18"/>
-          <p:cNvCxnSpPr>
-            <a:stCxn id="20" idx="3"/>
-          </p:cNvCxnSpPr>
-          <p:nvPr/>
-        </p:nvCxnSpPr>
-        <p:spPr>
-          <a:xfrm>
-            <a:off x="4571999" y="3431464"/>
-            <a:ext cx="1919430" cy="180357"/>
-          </a:xfrm>
-          <a:prstGeom prst="straightConnector1">
-            <a:avLst/>
-          </a:prstGeom>
-          <a:ln w="92075">
-            <a:solidFill>
-              <a:schemeClr val="accent1"/>
-            </a:solidFill>
-            <a:tailEnd type="triangle"/>
-          </a:ln>
-        </p:spPr>
-        <p:style>
-          <a:lnRef idx="1">
-            <a:schemeClr val="accent1"/>
-          </a:lnRef>
-          <a:fillRef idx="0">
-            <a:schemeClr val="accent1"/>
-          </a:fillRef>
-          <a:effectRef idx="0">
-            <a:schemeClr val="accent1"/>
-          </a:effectRef>
-          <a:fontRef idx="minor">
-            <a:schemeClr val="tx1"/>
-          </a:fontRef>
-        </p:style>
-      </p:cxnSp>
-      <p:sp>
-        <p:nvSpPr>
-          <p:cNvPr id="20" name="TextBox 19"/>
-          <p:cNvSpPr txBox="1"/>
-          <p:nvPr/>
-        </p:nvSpPr>
-        <p:spPr>
-          <a:xfrm>
-            <a:off x="1018972" y="3108298"/>
-            <a:ext cx="3553028" cy="646331"/>
-          </a:xfrm>
-          <a:prstGeom prst="rect">
-            <a:avLst/>
-          </a:prstGeom>
-          <a:noFill/>
-        </p:spPr>
-        <p:txBody>
-          <a:bodyPr wrap="square" rtlCol="0">
-            <a:spAutoFit/>
-          </a:bodyPr>
-          <a:lstStyle/>
-          <a:p>
-            <a:pPr algn="ctr"/>
-            <a:r>
-              <a:rPr lang="en-US" dirty="0" smtClean="0"/>
-              <a:t>All the models should be located in </a:t>
-            </a:r>
-            <a:r>
-              <a:rPr lang="en-US" b="1" dirty="0" smtClean="0"/>
-              <a:t>app/Models</a:t>
-            </a:r>
-            <a:r>
-              <a:rPr lang="en-US" dirty="0" smtClean="0"/>
-              <a:t> folder</a:t>
-            </a:r>
-            <a:endParaRPr lang="en-US" dirty="0"/>
-          </a:p>
-        </p:txBody>
-      </p:sp>
-      <p:cxnSp>
-        <p:nvCxnSpPr>
-          <p:cNvPr id="22" name="Straight Arrow Connector 21"/>
-          <p:cNvCxnSpPr>
-            <a:stCxn id="23" idx="3"/>
-          </p:cNvCxnSpPr>
-          <p:nvPr/>
-        </p:nvCxnSpPr>
-        <p:spPr>
-          <a:xfrm>
-            <a:off x="4700664" y="5615004"/>
-            <a:ext cx="1745734" cy="23797"/>
-          </a:xfrm>
-          <a:prstGeom prst="straightConnector1">
-            <a:avLst/>
-          </a:prstGeom>
-          <a:ln w="92075">
-            <a:solidFill>
-              <a:schemeClr val="accent1"/>
-            </a:solidFill>
-            <a:tailEnd type="triangle"/>
-          </a:ln>
-        </p:spPr>
-        <p:style>
-          <a:lnRef idx="1">
-            <a:schemeClr val="accent1"/>
-          </a:lnRef>
-          <a:fillRef idx="0">
-            <a:schemeClr val="accent1"/>
-          </a:fillRef>
-          <a:effectRef idx="0">
-            <a:schemeClr val="accent1"/>
-          </a:effectRef>
-          <a:fontRef idx="minor">
-            <a:schemeClr val="tx1"/>
-          </a:fontRef>
-        </p:style>
-      </p:cxnSp>
-      <p:sp>
-        <p:nvSpPr>
-          <p:cNvPr id="23" name="TextBox 22"/>
-          <p:cNvSpPr txBox="1"/>
-          <p:nvPr/>
-        </p:nvSpPr>
-        <p:spPr>
-          <a:xfrm>
-            <a:off x="1147636" y="5291838"/>
-            <a:ext cx="3553028" cy="646331"/>
-          </a:xfrm>
-          <a:prstGeom prst="rect">
-            <a:avLst/>
-          </a:prstGeom>
-          <a:noFill/>
-        </p:spPr>
-        <p:txBody>
-          <a:bodyPr wrap="square" rtlCol="0">
-            <a:spAutoFit/>
-          </a:bodyPr>
-          <a:lstStyle/>
-          <a:p>
-            <a:pPr algn="ctr"/>
-            <a:r>
-              <a:rPr lang="en-US" dirty="0" smtClean="0"/>
-              <a:t>All the </a:t>
-            </a:r>
-            <a:r>
-              <a:rPr lang="en-US" dirty="0" err="1" smtClean="0"/>
-              <a:t>config</a:t>
-            </a:r>
-            <a:r>
-              <a:rPr lang="en-US" dirty="0" smtClean="0"/>
-              <a:t> files are located in </a:t>
-            </a:r>
-            <a:r>
-              <a:rPr lang="en-US" b="1" dirty="0" smtClean="0"/>
-              <a:t>app/</a:t>
-            </a:r>
-            <a:r>
-              <a:rPr lang="en-US" b="1" dirty="0" err="1" smtClean="0"/>
-              <a:t>config</a:t>
-            </a:r>
-            <a:r>
-              <a:rPr lang="en-US" dirty="0" smtClean="0"/>
-              <a:t> folder</a:t>
-            </a:r>
-            <a:endParaRPr lang="en-US" dirty="0"/>
-          </a:p>
-        </p:txBody>
-      </p:sp>
-      <p:cxnSp>
-        <p:nvCxnSpPr>
-          <p:cNvPr id="16" name="Straight Arrow Connector 15"/>
-          <p:cNvCxnSpPr>
-            <a:stCxn id="17" idx="3"/>
-          </p:cNvCxnSpPr>
-          <p:nvPr/>
-        </p:nvCxnSpPr>
-        <p:spPr>
-          <a:xfrm flipV="1">
-            <a:off x="4571999" y="4220997"/>
-            <a:ext cx="1987551" cy="373640"/>
-          </a:xfrm>
-          <a:prstGeom prst="straightConnector1">
-            <a:avLst/>
-          </a:prstGeom>
-          <a:ln w="92075">
-            <a:solidFill>
-              <a:schemeClr val="accent1"/>
-            </a:solidFill>
-            <a:tailEnd type="triangle"/>
-          </a:ln>
-        </p:spPr>
-        <p:style>
-          <a:lnRef idx="1">
-            <a:schemeClr val="accent1"/>
-          </a:lnRef>
-          <a:fillRef idx="0">
-            <a:schemeClr val="accent1"/>
-          </a:fillRef>
-          <a:effectRef idx="0">
-            <a:schemeClr val="accent1"/>
-          </a:effectRef>
-          <a:fontRef idx="minor">
-            <a:schemeClr val="tx1"/>
-          </a:fontRef>
-        </p:style>
-      </p:cxnSp>
-      <p:sp>
-        <p:nvSpPr>
-          <p:cNvPr id="17" name="TextBox 16"/>
-          <p:cNvSpPr txBox="1"/>
-          <p:nvPr/>
-        </p:nvSpPr>
-        <p:spPr>
-          <a:xfrm>
-            <a:off x="1018972" y="4132972"/>
-            <a:ext cx="3553028" cy="923330"/>
-          </a:xfrm>
-          <a:prstGeom prst="rect">
-            <a:avLst/>
-          </a:prstGeom>
-          <a:noFill/>
-        </p:spPr>
-        <p:txBody>
-          <a:bodyPr wrap="square" rtlCol="0">
-            <a:spAutoFit/>
-          </a:bodyPr>
-          <a:lstStyle/>
-          <a:p>
-            <a:pPr algn="ctr"/>
-            <a:r>
-              <a:rPr lang="en-US" dirty="0" smtClean="0"/>
-              <a:t>The service providers that are bootstrapping functions in our app are located in  </a:t>
-            </a:r>
-            <a:r>
-              <a:rPr lang="en-US" b="1" dirty="0" smtClean="0"/>
-              <a:t>app/Providers</a:t>
-            </a:r>
-            <a:r>
-              <a:rPr lang="en-US" dirty="0" smtClean="0"/>
-              <a:t> folder</a:t>
-            </a:r>
-            <a:endParaRPr lang="en-US" dirty="0"/>
-          </a:p>
-        </p:txBody>
-      </p:sp>
-    </p:spTree>
-    <p:extLst>
-      <p:ext uri="{BB962C8B-B14F-4D97-AF65-F5344CB8AC3E}">
-        <p14:creationId xmlns="" xmlns:p14="http://schemas.microsoft.com/office/powerpoint/2010/main" val="2722977966"/>
-      </p:ext>
-    </p:extLst>
-  </p:cSld>
-  <p:clrMapOvr>
-    <a:masterClrMapping/>
-  </p:clrMapOvr>
-  <mc:AlternateContent xmlns:mc="http://schemas.openxmlformats.org/markup-compatibility/2006">
-    <mc:Choice xmlns="" xmlns:p14="http://schemas.microsoft.com/office/powerpoint/2010/main" Requires="p14">
-      <p:transition spd="slow">
-        <p14:reveal/>
-      </p:transition>
-    </mc:Choice>
-    <mc:Fallback>
-      <p:transition spd="slow">
-        <p:fade/>
-      </p:transition>
-    </mc:Fallback>
-  </mc:AlternateContent>
-  <p:timing>
-    <p:tnLst>
-      <p:par>
-        <p:cTn id="1" dur="indefinite" restart="never" nodeType="tmRoot"/>
-      </p:par>
-    </p:tnLst>
-  </p:timing>
-</p:sld>
-</file>
-
-<file path=ppt/slides/slide24.xml><?xml version="1.0" encoding="utf-8"?>
-<p:sld xmlns:a="http://schemas.openxmlformats.org/drawingml/2006/main" xmlns:r="http://schemas.openxmlformats.org/officeDocument/2006/relationships" xmlns:p="http://schemas.openxmlformats.org/presentationml/2006/main">
-  <p:cSld>
-    <p:spTree>
-      <p:nvGrpSpPr>
-        <p:cNvPr id="1" name=""/>
-        <p:cNvGrpSpPr/>
-        <p:nvPr/>
-      </p:nvGrpSpPr>
-      <p:grpSpPr>
-        <a:xfrm>
-          <a:off x="0" y="0"/>
-          <a:ext cx="0" cy="0"/>
-          <a:chOff x="0" y="0"/>
-          <a:chExt cx="0" cy="0"/>
-        </a:xfrm>
-      </p:grpSpPr>
-      <p:pic>
-        <p:nvPicPr>
-          <p:cNvPr id="2" name="Picture 1"/>
-          <p:cNvPicPr>
-            <a:picLocks noChangeAspect="1"/>
-          </p:cNvPicPr>
-          <p:nvPr/>
-        </p:nvPicPr>
-        <p:blipFill>
-          <a:blip r:embed="rId3">
-            <a:extLst>
-              <a:ext uri="{28A0092B-C50C-407E-A947-70E740481C1C}">
-                <a14:useLocalDpi xmlns="" xmlns:a14="http://schemas.microsoft.com/office/drawing/2010/main" val="0"/>
-              </a:ext>
-            </a:extLst>
-          </a:blip>
-          <a:stretch>
-            <a:fillRect/>
-          </a:stretch>
-        </p:blipFill>
-        <p:spPr>
-          <a:xfrm>
-            <a:off x="6328351" y="19236"/>
-            <a:ext cx="2815649" cy="6858000"/>
-          </a:xfrm>
-          <a:prstGeom prst="rect">
-            <a:avLst/>
-          </a:prstGeom>
-        </p:spPr>
-      </p:pic>
-      <p:cxnSp>
-        <p:nvCxnSpPr>
-          <p:cNvPr id="11" name="Straight Arrow Connector 10"/>
-          <p:cNvCxnSpPr>
-            <a:stCxn id="14" idx="3"/>
-          </p:cNvCxnSpPr>
-          <p:nvPr/>
-        </p:nvCxnSpPr>
-        <p:spPr>
-          <a:xfrm flipV="1">
-            <a:off x="4271173" y="132460"/>
-            <a:ext cx="2262977" cy="526004"/>
-          </a:xfrm>
-          <a:prstGeom prst="straightConnector1">
-            <a:avLst/>
-          </a:prstGeom>
-          <a:ln w="92075">
-            <a:solidFill>
-              <a:schemeClr val="accent1"/>
-            </a:solidFill>
-            <a:tailEnd type="triangle"/>
-          </a:ln>
-        </p:spPr>
-        <p:style>
-          <a:lnRef idx="1">
-            <a:schemeClr val="accent1"/>
-          </a:lnRef>
-          <a:fillRef idx="0">
-            <a:schemeClr val="accent1"/>
-          </a:fillRef>
-          <a:effectRef idx="0">
-            <a:schemeClr val="accent1"/>
-          </a:effectRef>
-          <a:fontRef idx="minor">
-            <a:schemeClr val="tx1"/>
-          </a:fontRef>
-        </p:style>
-      </p:cxnSp>
-      <p:sp>
-        <p:nvSpPr>
-          <p:cNvPr id="14" name="TextBox 13"/>
-          <p:cNvSpPr txBox="1"/>
-          <p:nvPr/>
-        </p:nvSpPr>
-        <p:spPr>
-          <a:xfrm>
-            <a:off x="1383338" y="335299"/>
-            <a:ext cx="2887836" cy="646331"/>
-          </a:xfrm>
-          <a:prstGeom prst="rect">
-            <a:avLst/>
-          </a:prstGeom>
-          <a:noFill/>
-        </p:spPr>
-        <p:txBody>
-          <a:bodyPr wrap="square" rtlCol="0">
-            <a:spAutoFit/>
-          </a:bodyPr>
-          <a:lstStyle/>
-          <a:p>
-            <a:pPr algn="ctr"/>
-            <a:r>
-              <a:rPr lang="en-US" b="1" dirty="0" smtClean="0"/>
-              <a:t>Database</a:t>
-            </a:r>
-            <a:r>
-              <a:rPr lang="en-US" dirty="0" smtClean="0"/>
-              <a:t> folder contains the </a:t>
-            </a:r>
-            <a:r>
-              <a:rPr lang="en-US" b="1" dirty="0" smtClean="0"/>
-              <a:t>migrations and seeds</a:t>
-            </a:r>
-            <a:endParaRPr lang="en-US" dirty="0"/>
-          </a:p>
-        </p:txBody>
-      </p:sp>
-      <p:cxnSp>
-        <p:nvCxnSpPr>
-          <p:cNvPr id="19" name="Straight Arrow Connector 18"/>
-          <p:cNvCxnSpPr/>
-          <p:nvPr/>
-        </p:nvCxnSpPr>
-        <p:spPr>
-          <a:xfrm>
-            <a:off x="4706451" y="1607127"/>
-            <a:ext cx="1827699" cy="772006"/>
-          </a:xfrm>
-          <a:prstGeom prst="straightConnector1">
-            <a:avLst/>
-          </a:prstGeom>
-          <a:ln w="92075">
-            <a:solidFill>
-              <a:schemeClr val="accent1"/>
-            </a:solidFill>
-            <a:tailEnd type="triangle"/>
-          </a:ln>
-        </p:spPr>
-        <p:style>
-          <a:lnRef idx="1">
-            <a:schemeClr val="accent1"/>
-          </a:lnRef>
-          <a:fillRef idx="0">
-            <a:schemeClr val="accent1"/>
-          </a:fillRef>
-          <a:effectRef idx="0">
-            <a:schemeClr val="accent1"/>
-          </a:effectRef>
-          <a:fontRef idx="minor">
-            <a:schemeClr val="tx1"/>
-          </a:fontRef>
-        </p:style>
-      </p:cxnSp>
-      <p:sp>
-        <p:nvSpPr>
-          <p:cNvPr id="20" name="TextBox 19"/>
-          <p:cNvSpPr txBox="1"/>
-          <p:nvPr/>
-        </p:nvSpPr>
-        <p:spPr>
-          <a:xfrm>
-            <a:off x="1050742" y="1307580"/>
-            <a:ext cx="3553028" cy="1200329"/>
-          </a:xfrm>
-          <a:prstGeom prst="rect">
-            <a:avLst/>
-          </a:prstGeom>
-          <a:noFill/>
-        </p:spPr>
-        <p:txBody>
-          <a:bodyPr wrap="square" rtlCol="0">
-            <a:spAutoFit/>
-          </a:bodyPr>
-          <a:lstStyle/>
-          <a:p>
-            <a:pPr algn="ctr"/>
-            <a:r>
-              <a:rPr lang="en-US" dirty="0" smtClean="0"/>
-              <a:t>The public folder is the actual folder you are opening on the web server. </a:t>
-            </a:r>
-          </a:p>
-          <a:p>
-            <a:pPr algn="ctr"/>
-            <a:r>
-              <a:rPr lang="en-US" dirty="0" smtClean="0"/>
-              <a:t>All JS / CSS / Images / Uploads are located there.</a:t>
-            </a:r>
-            <a:endParaRPr lang="en-US" dirty="0"/>
-          </a:p>
-        </p:txBody>
-      </p:sp>
-      <p:cxnSp>
-        <p:nvCxnSpPr>
-          <p:cNvPr id="22" name="Straight Arrow Connector 21"/>
-          <p:cNvCxnSpPr/>
-          <p:nvPr/>
-        </p:nvCxnSpPr>
-        <p:spPr>
-          <a:xfrm flipV="1">
-            <a:off x="4603770" y="2555769"/>
-            <a:ext cx="1930381" cy="545549"/>
-          </a:xfrm>
-          <a:prstGeom prst="straightConnector1">
-            <a:avLst/>
-          </a:prstGeom>
-          <a:ln w="92075">
-            <a:solidFill>
-              <a:schemeClr val="accent1"/>
-            </a:solidFill>
-            <a:tailEnd type="triangle"/>
-          </a:ln>
-        </p:spPr>
-        <p:style>
-          <a:lnRef idx="1">
-            <a:schemeClr val="accent1"/>
-          </a:lnRef>
-          <a:fillRef idx="0">
-            <a:schemeClr val="accent1"/>
-          </a:fillRef>
-          <a:effectRef idx="0">
-            <a:schemeClr val="accent1"/>
-          </a:effectRef>
-          <a:fontRef idx="minor">
-            <a:schemeClr val="tx1"/>
-          </a:fontRef>
-        </p:style>
-      </p:cxnSp>
-      <p:sp>
-        <p:nvSpPr>
-          <p:cNvPr id="23" name="TextBox 22"/>
-          <p:cNvSpPr txBox="1"/>
-          <p:nvPr/>
-        </p:nvSpPr>
-        <p:spPr>
-          <a:xfrm>
-            <a:off x="835909" y="2683868"/>
-            <a:ext cx="3553028" cy="1200329"/>
-          </a:xfrm>
-          <a:prstGeom prst="rect">
-            <a:avLst/>
-          </a:prstGeom>
-          <a:noFill/>
-        </p:spPr>
-        <p:txBody>
-          <a:bodyPr wrap="square" rtlCol="0">
-            <a:spAutoFit/>
-          </a:bodyPr>
-          <a:lstStyle/>
-          <a:p>
-            <a:pPr algn="ctr"/>
-            <a:r>
-              <a:rPr lang="en-US" dirty="0" smtClean="0"/>
-              <a:t>The resources folder contains all the </a:t>
-            </a:r>
-            <a:r>
-              <a:rPr lang="en-US" b="1" dirty="0" smtClean="0"/>
-              <a:t>translations</a:t>
-            </a:r>
-            <a:r>
-              <a:rPr lang="en-US" dirty="0" smtClean="0"/>
-              <a:t>, </a:t>
-            </a:r>
-            <a:r>
-              <a:rPr lang="en-US" b="1" dirty="0" smtClean="0"/>
-              <a:t>views</a:t>
-            </a:r>
-            <a:r>
-              <a:rPr lang="en-US" dirty="0" smtClean="0"/>
-              <a:t> and </a:t>
-            </a:r>
-            <a:r>
-              <a:rPr lang="en-US" b="1" dirty="0" smtClean="0"/>
-              <a:t>assets</a:t>
-            </a:r>
-            <a:r>
-              <a:rPr lang="en-US" dirty="0" smtClean="0"/>
-              <a:t> </a:t>
-            </a:r>
-            <a:r>
-              <a:rPr lang="en-US" dirty="0"/>
-              <a:t>(SASS, LESS, JS)</a:t>
-            </a:r>
-          </a:p>
-          <a:p>
-            <a:pPr algn="ctr"/>
-            <a:r>
-              <a:rPr lang="en-US" dirty="0" smtClean="0"/>
-              <a:t> that are compiled into public folder</a:t>
-            </a:r>
-            <a:endParaRPr lang="en-US" dirty="0"/>
-          </a:p>
-        </p:txBody>
-      </p:sp>
-      <p:cxnSp>
-        <p:nvCxnSpPr>
-          <p:cNvPr id="15" name="Straight Arrow Connector 14"/>
-          <p:cNvCxnSpPr/>
-          <p:nvPr/>
-        </p:nvCxnSpPr>
-        <p:spPr>
-          <a:xfrm>
-            <a:off x="4388937" y="4276437"/>
-            <a:ext cx="2145214" cy="145184"/>
-          </a:xfrm>
-          <a:prstGeom prst="straightConnector1">
-            <a:avLst/>
-          </a:prstGeom>
-          <a:ln w="92075">
-            <a:solidFill>
-              <a:schemeClr val="accent1"/>
-            </a:solidFill>
-            <a:tailEnd type="triangle"/>
-          </a:ln>
-        </p:spPr>
-        <p:style>
-          <a:lnRef idx="1">
-            <a:schemeClr val="accent1"/>
-          </a:lnRef>
-          <a:fillRef idx="0">
-            <a:schemeClr val="accent1"/>
-          </a:fillRef>
-          <a:effectRef idx="0">
-            <a:schemeClr val="accent1"/>
-          </a:effectRef>
-          <a:fontRef idx="minor">
-            <a:schemeClr val="tx1"/>
-          </a:fontRef>
-        </p:style>
-      </p:cxnSp>
-      <p:sp>
-        <p:nvSpPr>
-          <p:cNvPr id="16" name="TextBox 15"/>
-          <p:cNvSpPr txBox="1"/>
-          <p:nvPr/>
-        </p:nvSpPr>
-        <p:spPr>
-          <a:xfrm>
-            <a:off x="718146" y="4060157"/>
-            <a:ext cx="3553028" cy="646331"/>
-          </a:xfrm>
-          <a:prstGeom prst="rect">
-            <a:avLst/>
-          </a:prstGeom>
-          <a:noFill/>
-        </p:spPr>
-        <p:txBody>
-          <a:bodyPr wrap="square" rtlCol="0">
-            <a:spAutoFit/>
-          </a:bodyPr>
-          <a:lstStyle/>
-          <a:p>
-            <a:pPr algn="ctr"/>
-            <a:r>
-              <a:rPr lang="en-US" dirty="0" smtClean="0"/>
-              <a:t>The routes folder contains all the routes for the project</a:t>
-            </a:r>
-            <a:endParaRPr lang="en-US" dirty="0"/>
-          </a:p>
-        </p:txBody>
-      </p:sp>
-      <p:cxnSp>
-        <p:nvCxnSpPr>
-          <p:cNvPr id="24" name="Straight Arrow Connector 23"/>
-          <p:cNvCxnSpPr/>
-          <p:nvPr/>
-        </p:nvCxnSpPr>
-        <p:spPr>
-          <a:xfrm>
-            <a:off x="4388937" y="5213511"/>
-            <a:ext cx="2145214" cy="239023"/>
-          </a:xfrm>
-          <a:prstGeom prst="straightConnector1">
-            <a:avLst/>
-          </a:prstGeom>
-          <a:ln w="92075">
-            <a:solidFill>
-              <a:schemeClr val="accent1"/>
-            </a:solidFill>
-            <a:tailEnd type="triangle"/>
-          </a:ln>
-        </p:spPr>
-        <p:style>
-          <a:lnRef idx="1">
-            <a:schemeClr val="accent1"/>
-          </a:lnRef>
-          <a:fillRef idx="0">
-            <a:schemeClr val="accent1"/>
-          </a:fillRef>
-          <a:effectRef idx="0">
-            <a:schemeClr val="accent1"/>
-          </a:effectRef>
-          <a:fontRef idx="minor">
-            <a:schemeClr val="tx1"/>
-          </a:fontRef>
-        </p:style>
-      </p:cxnSp>
-      <p:sp>
-        <p:nvSpPr>
-          <p:cNvPr id="25" name="TextBox 24"/>
-          <p:cNvSpPr txBox="1"/>
-          <p:nvPr/>
-        </p:nvSpPr>
-        <p:spPr>
-          <a:xfrm>
-            <a:off x="718146" y="4997230"/>
-            <a:ext cx="3553028" cy="646331"/>
-          </a:xfrm>
-          <a:prstGeom prst="rect">
-            <a:avLst/>
-          </a:prstGeom>
-          <a:noFill/>
-        </p:spPr>
-        <p:txBody>
-          <a:bodyPr wrap="square" rtlCol="0">
-            <a:spAutoFit/>
-          </a:bodyPr>
-          <a:lstStyle/>
-          <a:p>
-            <a:pPr algn="ctr"/>
-            <a:r>
-              <a:rPr lang="en-US" dirty="0" smtClean="0"/>
-              <a:t>All the </a:t>
-            </a:r>
-            <a:r>
-              <a:rPr lang="en-US" b="1" dirty="0" smtClean="0"/>
-              <a:t>logs</a:t>
-            </a:r>
-            <a:r>
-              <a:rPr lang="en-US" dirty="0" smtClean="0"/>
-              <a:t> / </a:t>
-            </a:r>
-            <a:r>
-              <a:rPr lang="en-US" b="1" dirty="0" smtClean="0"/>
-              <a:t>cache</a:t>
-            </a:r>
-            <a:r>
-              <a:rPr lang="en-US" dirty="0" smtClean="0"/>
-              <a:t> files are located in </a:t>
-            </a:r>
-            <a:r>
-              <a:rPr lang="en-US" b="1" dirty="0" smtClean="0"/>
-              <a:t>storage</a:t>
-            </a:r>
-            <a:r>
-              <a:rPr lang="en-US" dirty="0" smtClean="0"/>
-              <a:t> folder</a:t>
-            </a:r>
-            <a:endParaRPr lang="en-US" dirty="0"/>
-          </a:p>
-        </p:txBody>
-      </p:sp>
-      <p:cxnSp>
-        <p:nvCxnSpPr>
-          <p:cNvPr id="27" name="Straight Arrow Connector 26"/>
-          <p:cNvCxnSpPr/>
-          <p:nvPr/>
-        </p:nvCxnSpPr>
-        <p:spPr>
-          <a:xfrm flipV="1">
-            <a:off x="5563110" y="5858934"/>
-            <a:ext cx="971041" cy="384139"/>
-          </a:xfrm>
-          <a:prstGeom prst="straightConnector1">
-            <a:avLst/>
-          </a:prstGeom>
-          <a:ln w="92075">
-            <a:solidFill>
-              <a:schemeClr val="accent1"/>
-            </a:solidFill>
-            <a:tailEnd type="triangle"/>
-          </a:ln>
-        </p:spPr>
-        <p:style>
-          <a:lnRef idx="1">
-            <a:schemeClr val="accent1"/>
-          </a:lnRef>
-          <a:fillRef idx="0">
-            <a:schemeClr val="accent1"/>
-          </a:fillRef>
-          <a:effectRef idx="0">
-            <a:schemeClr val="accent1"/>
-          </a:effectRef>
-          <a:fontRef idx="minor">
-            <a:schemeClr val="tx1"/>
-          </a:fontRef>
-        </p:style>
-      </p:cxnSp>
-      <p:sp>
-        <p:nvSpPr>
-          <p:cNvPr id="28" name="TextBox 27"/>
-          <p:cNvSpPr txBox="1"/>
-          <p:nvPr/>
-        </p:nvSpPr>
-        <p:spPr>
-          <a:xfrm>
-            <a:off x="1892319" y="6026792"/>
-            <a:ext cx="3553028" cy="646331"/>
-          </a:xfrm>
-          <a:prstGeom prst="rect">
-            <a:avLst/>
-          </a:prstGeom>
-          <a:noFill/>
-        </p:spPr>
-        <p:txBody>
-          <a:bodyPr wrap="square" rtlCol="0">
-            <a:spAutoFit/>
-          </a:bodyPr>
-          <a:lstStyle/>
-          <a:p>
-            <a:pPr algn="ctr"/>
-            <a:r>
-              <a:rPr lang="en-US" dirty="0" smtClean="0"/>
-              <a:t>The </a:t>
-            </a:r>
-            <a:r>
-              <a:rPr lang="en-US" b="1" dirty="0" smtClean="0"/>
-              <a:t>vendor</a:t>
-            </a:r>
-            <a:r>
-              <a:rPr lang="en-US" dirty="0" smtClean="0"/>
-              <a:t> folder contains all the composer packages (dependencies)</a:t>
-            </a:r>
-            <a:endParaRPr lang="en-US" dirty="0"/>
-          </a:p>
-        </p:txBody>
-      </p:sp>
-    </p:spTree>
-    <p:extLst>
-      <p:ext uri="{BB962C8B-B14F-4D97-AF65-F5344CB8AC3E}">
-        <p14:creationId xmlns="" xmlns:p14="http://schemas.microsoft.com/office/powerpoint/2010/main" val="3136044450"/>
-      </p:ext>
-    </p:extLst>
-  </p:cSld>
-  <p:clrMapOvr>
-    <a:masterClrMapping/>
-  </p:clrMapOvr>
-  <mc:AlternateContent xmlns:mc="http://schemas.openxmlformats.org/markup-compatibility/2006">
-    <mc:Choice xmlns="" xmlns:p14="http://schemas.microsoft.com/office/powerpoint/2010/main" Requires="p14">
-      <p:transition spd="slow">
-        <p14:reveal/>
-      </p:transition>
-    </mc:Choice>
-    <mc:Fallback>
-      <p:transition spd="slow">
-        <p:fade/>
-      </p:transition>
-    </mc:Fallback>
-  </mc:AlternateContent>
-  <p:timing>
-    <p:tnLst>
-      <p:par>
-        <p:cTn id="1" dur="indefinite" restart="never" nodeType="tmRoot"/>
-      </p:par>
-    </p:tnLst>
-  </p:timing>
-</p:sld>
-</file>
-
-<file path=ppt/slides/slide25.xml><?xml version="1.0" encoding="utf-8"?>
-<p:sld xmlns:a="http://schemas.openxmlformats.org/drawingml/2006/main" xmlns:r="http://schemas.openxmlformats.org/officeDocument/2006/relationships" xmlns:p="http://schemas.openxmlformats.org/presentationml/2006/main">
-  <p:cSld>
-    <p:spTree>
-      <p:nvGrpSpPr>
-        <p:cNvPr id="1" name=""/>
-        <p:cNvGrpSpPr/>
-        <p:nvPr/>
-      </p:nvGrpSpPr>
-      <p:grpSpPr>
-        <a:xfrm>
-          <a:off x="0" y="0"/>
-          <a:ext cx="0" cy="0"/>
-          <a:chOff x="0" y="0"/>
-          <a:chExt cx="0" cy="0"/>
-        </a:xfrm>
-      </p:grpSpPr>
-      <p:sp>
-        <p:nvSpPr>
-          <p:cNvPr id="2" name="Title 1"/>
-          <p:cNvSpPr>
-            <a:spLocks noGrp="1"/>
-          </p:cNvSpPr>
-          <p:nvPr>
-            <p:ph type="title"/>
-          </p:nvPr>
-        </p:nvSpPr>
-        <p:spPr>
-          <a:xfrm>
-            <a:off x="602674" y="2"/>
-            <a:ext cx="4420361" cy="1681017"/>
-          </a:xfrm>
-        </p:spPr>
-        <p:txBody>
-          <a:bodyPr/>
-          <a:lstStyle/>
-          <a:p>
-            <a:r>
-              <a:rPr lang="en-US" dirty="0" smtClean="0"/>
-              <a:t>  Artisan !</a:t>
-            </a:r>
-            <a:endParaRPr lang="en-US" dirty="0"/>
-          </a:p>
-        </p:txBody>
-      </p:sp>
-      <p:sp>
-        <p:nvSpPr>
-          <p:cNvPr id="3" name="Content Placeholder 2"/>
-          <p:cNvSpPr>
-            <a:spLocks noGrp="1"/>
-          </p:cNvSpPr>
-          <p:nvPr>
-            <p:ph idx="1"/>
-          </p:nvPr>
-        </p:nvSpPr>
-        <p:spPr>
-          <a:xfrm>
-            <a:off x="824345" y="961782"/>
-            <a:ext cx="3962400" cy="4672401"/>
-          </a:xfrm>
-        </p:spPr>
-        <p:txBody>
-          <a:bodyPr>
-            <a:noAutofit/>
-          </a:bodyPr>
-          <a:lstStyle/>
-          <a:p>
-            <a:pPr lvl="0"/>
-            <a:endParaRPr lang="en-US" sz="2000" dirty="0" smtClean="0"/>
-          </a:p>
-          <a:p>
-            <a:pPr lvl="0"/>
-            <a:r>
-              <a:rPr lang="en-US" sz="2000" b="1" dirty="0" smtClean="0"/>
-              <a:t>Artisan</a:t>
-            </a:r>
-            <a:r>
-              <a:rPr lang="en-US" sz="2000" dirty="0" smtClean="0"/>
-              <a:t> is command-line interface for </a:t>
-            </a:r>
-            <a:r>
-              <a:rPr lang="en-US" sz="2000" b="1" dirty="0" err="1" smtClean="0"/>
-              <a:t>Laravel</a:t>
-            </a:r>
-            <a:endParaRPr lang="en-US" sz="2000" b="1" dirty="0" smtClean="0"/>
-          </a:p>
-          <a:p>
-            <a:pPr lvl="0"/>
-            <a:r>
-              <a:rPr lang="en-US" sz="2000" dirty="0"/>
-              <a:t>C</a:t>
-            </a:r>
-            <a:r>
-              <a:rPr lang="en-US" sz="2000" dirty="0" smtClean="0"/>
-              <a:t>ommands that are saving time</a:t>
-            </a:r>
-          </a:p>
-          <a:p>
-            <a:pPr lvl="0"/>
-            <a:r>
-              <a:rPr lang="en-US" sz="2000" dirty="0" smtClean="0"/>
-              <a:t>Generating files with artisan is </a:t>
-            </a:r>
-            <a:r>
-              <a:rPr lang="en-US" sz="2000" b="1" dirty="0" smtClean="0"/>
-              <a:t>recommended</a:t>
-            </a:r>
-          </a:p>
-          <a:p>
-            <a:pPr lvl="0"/>
-            <a:r>
-              <a:rPr lang="en-US" sz="2000" dirty="0" smtClean="0"/>
-              <a:t>Run</a:t>
-            </a:r>
-            <a:r>
-              <a:rPr lang="en-US" sz="2000" b="1" dirty="0" smtClean="0"/>
-              <a:t> </a:t>
-            </a:r>
-            <a:r>
-              <a:rPr lang="en-US" sz="2000" b="1" dirty="0" err="1" smtClean="0"/>
-              <a:t>php</a:t>
-            </a:r>
-            <a:r>
-              <a:rPr lang="en-US" sz="2000" b="1" dirty="0" smtClean="0"/>
-              <a:t> artisan list </a:t>
-            </a:r>
-            <a:r>
-              <a:rPr lang="en-US" sz="2000" dirty="0" smtClean="0"/>
-              <a:t>in the console</a:t>
-            </a:r>
-          </a:p>
-        </p:txBody>
-      </p:sp>
-      <p:pic>
-        <p:nvPicPr>
-          <p:cNvPr id="6" name="Picture 5"/>
-          <p:cNvPicPr>
-            <a:picLocks noChangeAspect="1"/>
-          </p:cNvPicPr>
-          <p:nvPr/>
-        </p:nvPicPr>
-        <p:blipFill>
-          <a:blip r:embed="rId3">
-            <a:extLst>
-              <a:ext uri="{28A0092B-C50C-407E-A947-70E740481C1C}">
-                <a14:useLocalDpi xmlns="" xmlns:a14="http://schemas.microsoft.com/office/drawing/2010/main" val="0"/>
-              </a:ext>
-            </a:extLst>
-          </a:blip>
-          <a:stretch>
-            <a:fillRect/>
-          </a:stretch>
-        </p:blipFill>
-        <p:spPr>
-          <a:xfrm>
-            <a:off x="5023035" y="1"/>
-            <a:ext cx="4120966" cy="6858000"/>
-          </a:xfrm>
-          <a:prstGeom prst="rect">
-            <a:avLst/>
-          </a:prstGeom>
-        </p:spPr>
-      </p:pic>
-    </p:spTree>
-    <p:extLst>
-      <p:ext uri="{BB962C8B-B14F-4D97-AF65-F5344CB8AC3E}">
-        <p14:creationId xmlns="" xmlns:p14="http://schemas.microsoft.com/office/powerpoint/2010/main" val="3837674544"/>
-      </p:ext>
-    </p:extLst>
-  </p:cSld>
-  <p:clrMapOvr>
-    <a:masterClrMapping/>
-  </p:clrMapOvr>
-  <mc:AlternateContent xmlns:mc="http://schemas.openxmlformats.org/markup-compatibility/2006">
-    <mc:Choice xmlns="" xmlns:p14="http://schemas.microsoft.com/office/powerpoint/2010/main" Requires="p14">
-      <p:transition spd="slow">
-        <p14:reveal/>
-      </p:transition>
-    </mc:Choice>
-    <mc:Fallback>
-      <p:transition spd="slow">
-        <p:fade/>
-      </p:transition>
-    </mc:Fallback>
-  </mc:AlternateContent>
-  <p:timing>
-    <p:tnLst>
-      <p:par>
-        <p:cTn id="1" dur="indefinite" restart="never" nodeType="tmRoot"/>
-      </p:par>
-    </p:tnLst>
-  </p:timing>
-</p:sld>
-</file>
-
-<file path=ppt/slides/slide26.xml><?xml version="1.0" encoding="utf-8"?>
-<p:sld xmlns:a="http://schemas.openxmlformats.org/drawingml/2006/main" xmlns:r="http://schemas.openxmlformats.org/officeDocument/2006/relationships" xmlns:p="http://schemas.openxmlformats.org/presentationml/2006/main">
-  <p:cSld>
-    <p:spTree>
-      <p:nvGrpSpPr>
-        <p:cNvPr id="1" name=""/>
-        <p:cNvGrpSpPr/>
-        <p:nvPr/>
-      </p:nvGrpSpPr>
-      <p:grpSpPr>
-        <a:xfrm>
-          <a:off x="0" y="0"/>
-          <a:ext cx="0" cy="0"/>
-          <a:chOff x="0" y="0"/>
-          <a:chExt cx="0" cy="0"/>
-        </a:xfrm>
-      </p:grpSpPr>
-      <p:sp>
-        <p:nvSpPr>
-          <p:cNvPr id="2" name="Title 1"/>
-          <p:cNvSpPr>
-            <a:spLocks noGrp="1"/>
-          </p:cNvSpPr>
-          <p:nvPr>
-            <p:ph type="title"/>
-          </p:nvPr>
-        </p:nvSpPr>
-        <p:spPr/>
-        <p:txBody>
-          <a:bodyPr/>
-          <a:lstStyle/>
-          <a:p>
-            <a:r>
-              <a:rPr lang="en-US" dirty="0" err="1" smtClean="0"/>
-              <a:t>Laravel</a:t>
-            </a:r>
-            <a:r>
-              <a:rPr lang="en-US" dirty="0" smtClean="0"/>
-              <a:t> Architecture</a:t>
-            </a:r>
-            <a:endParaRPr lang="en-US" dirty="0"/>
-          </a:p>
-        </p:txBody>
-      </p:sp>
-      <p:pic>
-        <p:nvPicPr>
-          <p:cNvPr id="5" name="Content Placeholder 4" descr="00cb9e0e03b8d71095ce1bbc38c75627d5cd2375.png"/>
-          <p:cNvPicPr>
-            <a:picLocks noGrp="1" noChangeAspect="1"/>
-          </p:cNvPicPr>
-          <p:nvPr>
-            <p:ph idx="1"/>
-          </p:nvPr>
-        </p:nvPicPr>
-        <p:blipFill>
-          <a:blip r:embed="rId2" cstate="print"/>
-          <a:stretch>
-            <a:fillRect/>
-          </a:stretch>
-        </p:blipFill>
-        <p:spPr>
-          <a:xfrm>
-            <a:off x="1022714" y="1600200"/>
-            <a:ext cx="7098572" cy="4525963"/>
-          </a:xfrm>
-        </p:spPr>
-      </p:pic>
-    </p:spTree>
-  </p:cSld>
-  <p:clrMapOvr>
-    <a:masterClrMapping/>
-  </p:clrMapOvr>
-</p:sld>
-</file>
-
-<file path=ppt/slides/slide3.xml><?xml version="1.0" encoding="utf-8"?>
-<p:sld xmlns:a="http://schemas.openxmlformats.org/drawingml/2006/main" xmlns:r="http://schemas.openxmlformats.org/officeDocument/2006/relationships" xmlns:p="http://schemas.openxmlformats.org/presentationml/2006/main">
-  <p:cSld>
-    <p:spTree>
-      <p:nvGrpSpPr>
-        <p:cNvPr id="1" name=""/>
-        <p:cNvGrpSpPr/>
-        <p:nvPr/>
-      </p:nvGrpSpPr>
-      <p:grpSpPr>
-        <a:xfrm>
-          <a:off x="0" y="0"/>
-          <a:ext cx="0" cy="0"/>
-          <a:chOff x="0" y="0"/>
-          <a:chExt cx="0" cy="0"/>
-        </a:xfrm>
-      </p:grpSpPr>
-      <p:sp>
-        <p:nvSpPr>
-          <p:cNvPr id="2" name="Title 1"/>
-          <p:cNvSpPr>
-            <a:spLocks noGrp="1"/>
-          </p:cNvSpPr>
-          <p:nvPr>
-            <p:ph type="title"/>
-          </p:nvPr>
-        </p:nvSpPr>
-        <p:spPr/>
-        <p:txBody>
-          <a:bodyPr/>
-          <a:lstStyle/>
-          <a:p>
-            <a:r>
-              <a:rPr lang="en-US" dirty="0" smtClean="0"/>
-              <a:t>Client/Server Architecture</a:t>
-            </a:r>
-            <a:endParaRPr lang="ar-EG" dirty="0"/>
-          </a:p>
-        </p:txBody>
-      </p:sp>
-      <p:pic>
-        <p:nvPicPr>
-          <p:cNvPr id="4" name="Content Placeholder 3"/>
-          <p:cNvPicPr>
-            <a:picLocks noGrp="1" noChangeAspect="1"/>
-          </p:cNvPicPr>
-          <p:nvPr>
-            <p:ph idx="1"/>
-          </p:nvPr>
-        </p:nvPicPr>
-        <p:blipFill>
-          <a:blip r:embed="rId2">
-            <a:extLst>
-              <a:ext uri="{28A0092B-C50C-407E-A947-70E740481C1C}">
-                <a14:useLocalDpi xmlns="" xmlns:a14="http://schemas.microsoft.com/office/drawing/2010/main" val="0"/>
-              </a:ext>
-            </a:extLst>
-          </a:blip>
-          <a:stretch>
-            <a:fillRect/>
-          </a:stretch>
-        </p:blipFill>
-        <p:spPr>
-          <a:xfrm>
-            <a:off x="457199" y="1661170"/>
-            <a:ext cx="8147615" cy="4511030"/>
-          </a:xfrm>
-        </p:spPr>
-      </p:pic>
-      <p:sp>
-        <p:nvSpPr>
-          <p:cNvPr id="3" name="Slide Number Placeholder 2"/>
-          <p:cNvSpPr>
-            <a:spLocks noGrp="1"/>
-          </p:cNvSpPr>
-          <p:nvPr>
-            <p:ph type="sldNum" sz="quarter" idx="12"/>
-          </p:nvPr>
-        </p:nvSpPr>
-        <p:spPr/>
-        <p:txBody>
-          <a:bodyPr/>
-          <a:lstStyle/>
-          <a:p>
-            <a:fld id="{B6F15528-21DE-4FAA-801E-634DDDAF4B2B}" type="slidenum">
-              <a:rPr lang="en-US" smtClean="0"/>
-              <a:pPr/>
-              <a:t>3</a:t>
-            </a:fld>
-            <a:endParaRPr lang="en-US"/>
-          </a:p>
-        </p:txBody>
-      </p:sp>
-    </p:spTree>
-    <p:extLst>
-      <p:ext uri="{BB962C8B-B14F-4D97-AF65-F5344CB8AC3E}">
-        <p14:creationId xmlns="" xmlns:p14="http://schemas.microsoft.com/office/powerpoint/2010/main" val="278794199"/>
-      </p:ext>
-    </p:extLst>
-  </p:cSld>
-  <p:clrMapOvr>
-    <a:masterClrMapping/>
-  </p:clrMapOvr>
-  <p:timing>
-    <p:tnLst>
-      <p:par>
-        <p:cTn id="1" dur="indefinite" restart="never" nodeType="tmRoot"/>
-      </p:par>
-    </p:tnLst>
-  </p:timing>
-</p:sld>
-</file>
-
-<file path=ppt/slides/slide4.xml><?xml version="1.0" encoding="utf-8"?>
-<p:sld xmlns:a="http://schemas.openxmlformats.org/drawingml/2006/main" xmlns:r="http://schemas.openxmlformats.org/officeDocument/2006/relationships" xmlns:p="http://schemas.openxmlformats.org/presentationml/2006/main">
-  <p:cSld>
-    <p:spTree>
-      <p:nvGrpSpPr>
-        <p:cNvPr id="1" name=""/>
-        <p:cNvGrpSpPr/>
-        <p:nvPr/>
-      </p:nvGrpSpPr>
-      <p:grpSpPr>
-        <a:xfrm>
-          <a:off x="0" y="0"/>
-          <a:ext cx="0" cy="0"/>
-          <a:chOff x="0" y="0"/>
-          <a:chExt cx="0" cy="0"/>
-        </a:xfrm>
-      </p:grpSpPr>
-      <p:sp>
-        <p:nvSpPr>
-          <p:cNvPr id="2" name="Title 1"/>
-          <p:cNvSpPr>
-            <a:spLocks noGrp="1"/>
-          </p:cNvSpPr>
-          <p:nvPr>
-            <p:ph type="title"/>
-          </p:nvPr>
-        </p:nvSpPr>
-        <p:spPr/>
-        <p:txBody>
-          <a:bodyPr>
-            <a:normAutofit fontScale="90000"/>
-          </a:bodyPr>
-          <a:lstStyle/>
-          <a:p>
-            <a:pPr lvl="0"/>
-            <a:r>
-              <a:rPr lang="en-US" dirty="0"/>
-              <a:t>Web programming language</a:t>
-            </a:r>
-            <a:r>
-              <a:rPr lang="ar-EG" dirty="0"/>
-              <a:t/>
-            </a:r>
-            <a:br>
-              <a:rPr lang="ar-EG" dirty="0"/>
-            </a:br>
-            <a:endParaRPr lang="ar-EG" dirty="0"/>
-          </a:p>
-        </p:txBody>
-      </p:sp>
-      <p:graphicFrame>
-        <p:nvGraphicFramePr>
-          <p:cNvPr id="4" name="Content Placeholder 3"/>
-          <p:cNvGraphicFramePr>
-            <a:graphicFrameLocks noGrp="1"/>
-          </p:cNvGraphicFramePr>
-          <p:nvPr>
-            <p:ph idx="1"/>
-            <p:extLst>
-              <p:ext uri="{D42A27DB-BD31-4B8C-83A1-F6EECF244321}">
-                <p14:modId xmlns="" xmlns:p14="http://schemas.microsoft.com/office/powerpoint/2010/main" val="30894002"/>
-              </p:ext>
-            </p:extLst>
-          </p:nvPr>
-        </p:nvGraphicFramePr>
-        <p:xfrm>
-          <a:off x="457200" y="1600200"/>
-          <a:ext cx="8222776" cy="4525963"/>
-        </p:xfrm>
-        <a:graphic>
-          <a:graphicData uri="http://schemas.openxmlformats.org/drawingml/2006/diagram">
-            <dgm:relIds xmlns:dgm="http://schemas.openxmlformats.org/drawingml/2006/diagram" xmlns:r="http://schemas.openxmlformats.org/officeDocument/2006/relationships" r:dm="rId2" r:lo="rId3" r:qs="rId4" r:cs="rId5"/>
-          </a:graphicData>
-        </a:graphic>
-      </p:graphicFrame>
-      <p:sp>
-        <p:nvSpPr>
-          <p:cNvPr id="3" name="Slide Number Placeholder 2"/>
-          <p:cNvSpPr>
-            <a:spLocks noGrp="1"/>
-          </p:cNvSpPr>
-          <p:nvPr>
-            <p:ph type="sldNum" sz="quarter" idx="12"/>
-          </p:nvPr>
-        </p:nvSpPr>
-        <p:spPr/>
-        <p:txBody>
-          <a:bodyPr/>
-          <a:lstStyle/>
-          <a:p>
-            <a:fld id="{B6F15528-21DE-4FAA-801E-634DDDAF4B2B}" type="slidenum">
-              <a:rPr lang="en-US" smtClean="0"/>
-              <a:pPr/>
-              <a:t>4</a:t>
-            </a:fld>
-            <a:endParaRPr lang="en-US"/>
-          </a:p>
-        </p:txBody>
-      </p:sp>
-    </p:spTree>
-    <p:extLst>
-      <p:ext uri="{BB962C8B-B14F-4D97-AF65-F5344CB8AC3E}">
-        <p14:creationId xmlns="" xmlns:p14="http://schemas.microsoft.com/office/powerpoint/2010/main" val="2446449492"/>
-      </p:ext>
-    </p:extLst>
-  </p:cSld>
-  <p:clrMapOvr>
-    <a:masterClrMapping/>
-  </p:clrMapOvr>
-  <p:timing>
-    <p:tnLst>
-      <p:par>
-        <p:cTn id="1" dur="indefinite" restart="never" nodeType="tmRoot"/>
-      </p:par>
-    </p:tnLst>
-  </p:timing>
-</p:sld>
-</file>
-
-<file path=ppt/slides/slide5.xml><?xml version="1.0" encoding="utf-8"?>
-<p:sld xmlns:a="http://schemas.openxmlformats.org/drawingml/2006/main" xmlns:r="http://schemas.openxmlformats.org/officeDocument/2006/relationships" xmlns:p="http://schemas.openxmlformats.org/presentationml/2006/main">
-  <p:cSld>
-    <p:spTree>
-      <p:nvGrpSpPr>
-        <p:cNvPr id="1" name=""/>
-        <p:cNvGrpSpPr/>
-        <p:nvPr/>
-      </p:nvGrpSpPr>
-      <p:grpSpPr>
-        <a:xfrm>
-          <a:off x="0" y="0"/>
-          <a:ext cx="0" cy="0"/>
-          <a:chOff x="0" y="0"/>
-          <a:chExt cx="0" cy="0"/>
-        </a:xfrm>
-      </p:grpSpPr>
-      <p:sp>
-        <p:nvSpPr>
-          <p:cNvPr id="2" name="Title 1"/>
-          <p:cNvSpPr>
-            <a:spLocks noGrp="1"/>
-          </p:cNvSpPr>
-          <p:nvPr>
-            <p:ph type="title"/>
-          </p:nvPr>
-        </p:nvSpPr>
-        <p:spPr/>
-        <p:txBody>
-          <a:bodyPr/>
-          <a:lstStyle/>
-          <a:p>
-            <a:pPr lvl="0" rtl="1"/>
-            <a:r>
-              <a:rPr lang="en-US" dirty="0" smtClean="0"/>
-              <a:t>client side</a:t>
-            </a:r>
-            <a:endParaRPr lang="ar-EG" dirty="0"/>
-          </a:p>
-        </p:txBody>
-      </p:sp>
-      <p:pic>
-        <p:nvPicPr>
-          <p:cNvPr id="4" name="Content Placeholder 3" descr="HTML  JS CSS.jpg"/>
-          <p:cNvPicPr>
-            <a:picLocks noGrp="1" noChangeAspect="1"/>
-          </p:cNvPicPr>
-          <p:nvPr>
-            <p:ph idx="1"/>
-          </p:nvPr>
-        </p:nvPicPr>
-        <p:blipFill>
-          <a:blip r:embed="rId2"/>
-          <a:stretch>
-            <a:fillRect/>
-          </a:stretch>
-        </p:blipFill>
-        <p:spPr>
-          <a:xfrm>
-            <a:off x="990600" y="1814925"/>
-            <a:ext cx="7239000" cy="4053840"/>
-          </a:xfrm>
-        </p:spPr>
-      </p:pic>
-    </p:spTree>
-  </p:cSld>
-  <p:clrMapOvr>
-    <a:masterClrMapping/>
-  </p:clrMapOvr>
-</p:sld>
-</file>
-
-<file path=ppt/slides/slide6.xml><?xml version="1.0" encoding="utf-8"?>
-<p:sld xmlns:a="http://schemas.openxmlformats.org/drawingml/2006/main" xmlns:r="http://schemas.openxmlformats.org/officeDocument/2006/relationships" xmlns:p="http://schemas.openxmlformats.org/presentationml/2006/main">
-  <p:cSld>
-    <p:spTree>
-      <p:nvGrpSpPr>
-        <p:cNvPr id="1" name=""/>
-        <p:cNvGrpSpPr/>
-        <p:nvPr/>
-      </p:nvGrpSpPr>
-      <p:grpSpPr>
-        <a:xfrm>
-          <a:off x="0" y="0"/>
-          <a:ext cx="0" cy="0"/>
-          <a:chOff x="0" y="0"/>
-          <a:chExt cx="0" cy="0"/>
-        </a:xfrm>
-      </p:grpSpPr>
-      <p:pic>
-        <p:nvPicPr>
-          <p:cNvPr id="4" name="Content Placeholder 3"/>
-          <p:cNvPicPr>
-            <a:picLocks noGrp="1" noChangeAspect="1"/>
-          </p:cNvPicPr>
-          <p:nvPr>
-            <p:ph idx="1"/>
-          </p:nvPr>
-        </p:nvPicPr>
-        <p:blipFill>
-          <a:blip r:embed="rId3">
-            <a:extLst>
-              <a:ext uri="{28A0092B-C50C-407E-A947-70E740481C1C}">
-                <a14:useLocalDpi xmlns="" xmlns:a14="http://schemas.microsoft.com/office/drawing/2010/main" val="0"/>
-              </a:ext>
-            </a:extLst>
-          </a:blip>
-          <a:stretch>
-            <a:fillRect/>
-          </a:stretch>
-        </p:blipFill>
-        <p:spPr>
-          <a:xfrm>
-            <a:off x="2730500" y="2758281"/>
-            <a:ext cx="3683000" cy="2209800"/>
-          </a:xfrm>
-        </p:spPr>
-      </p:pic>
-      <p:sp>
-        <p:nvSpPr>
-          <p:cNvPr id="2" name="Slide Number Placeholder 1"/>
-          <p:cNvSpPr>
-            <a:spLocks noGrp="1"/>
-          </p:cNvSpPr>
-          <p:nvPr>
-            <p:ph type="sldNum" sz="quarter" idx="12"/>
-          </p:nvPr>
-        </p:nvSpPr>
-        <p:spPr/>
-        <p:txBody>
-          <a:bodyPr/>
-          <a:lstStyle/>
-          <a:p>
-            <a:fld id="{B6F15528-21DE-4FAA-801E-634DDDAF4B2B}" type="slidenum">
-              <a:rPr lang="en-US" smtClean="0"/>
-              <a:pPr/>
-              <a:t>6</a:t>
-            </a:fld>
-            <a:endParaRPr lang="en-US"/>
-          </a:p>
-        </p:txBody>
-      </p:sp>
-      <p:sp>
-        <p:nvSpPr>
-          <p:cNvPr id="5" name="TextBox 4"/>
-          <p:cNvSpPr txBox="1"/>
-          <p:nvPr/>
-        </p:nvSpPr>
-        <p:spPr>
-          <a:xfrm>
-            <a:off x="1295400" y="381000"/>
-            <a:ext cx="6477000" cy="1446550"/>
-          </a:xfrm>
-          <a:prstGeom prst="rect">
-            <a:avLst/>
-          </a:prstGeom>
-          <a:noFill/>
-        </p:spPr>
-        <p:txBody>
-          <a:bodyPr wrap="square" rtlCol="1">
-            <a:spAutoFit/>
-          </a:bodyPr>
-          <a:lstStyle/>
-          <a:p>
-            <a:r>
-              <a:rPr lang="en-US" sz="4400" dirty="0" smtClean="0">
-                <a:effectLst>
-                  <a:glow rad="101600">
-                    <a:schemeClr val="accent2">
-                      <a:satMod val="175000"/>
-                      <a:alpha val="40000"/>
-                    </a:schemeClr>
-                  </a:glow>
-                </a:effectLst>
-              </a:rPr>
-              <a:t>client side  Cross-platform</a:t>
-            </a:r>
-          </a:p>
-          <a:p>
-            <a:endParaRPr lang="ar-EG" sz="4400" dirty="0">
-              <a:effectLst>
-                <a:glow rad="101600">
-                  <a:schemeClr val="accent2">
-                    <a:satMod val="175000"/>
-                    <a:alpha val="40000"/>
-                  </a:schemeClr>
-                </a:glow>
-              </a:effectLst>
-            </a:endParaRPr>
-          </a:p>
-        </p:txBody>
-      </p:sp>
-      <p:sp>
-        <p:nvSpPr>
-          <p:cNvPr id="6" name="Rectangle 5"/>
-          <p:cNvSpPr/>
-          <p:nvPr/>
-        </p:nvSpPr>
-        <p:spPr>
-          <a:xfrm>
-            <a:off x="2819400" y="3276600"/>
-            <a:ext cx="3352800" cy="1077218"/>
-          </a:xfrm>
-          <a:prstGeom prst="rect">
-            <a:avLst/>
-          </a:prstGeom>
-        </p:spPr>
-        <p:style>
-          <a:lnRef idx="2">
-            <a:schemeClr val="accent6">
-              <a:shade val="50000"/>
-            </a:schemeClr>
-          </a:lnRef>
-          <a:fillRef idx="1">
-            <a:schemeClr val="accent6"/>
-          </a:fillRef>
-          <a:effectRef idx="0">
-            <a:schemeClr val="accent6"/>
-          </a:effectRef>
-          <a:fontRef idx="minor">
-            <a:schemeClr val="lt1"/>
-          </a:fontRef>
-        </p:style>
-        <p:txBody>
-          <a:bodyPr wrap="square" lIns="91440" tIns="45720" rIns="91440" bIns="45720">
-            <a:spAutoFit/>
-          </a:bodyPr>
-          <a:lstStyle/>
-          <a:p>
-            <a:r>
-              <a:rPr lang="en-US" sz="3200" dirty="0" smtClean="0"/>
-              <a:t>  client side </a:t>
-            </a:r>
-            <a:br>
-              <a:rPr lang="en-US" sz="3200" dirty="0" smtClean="0"/>
-            </a:br>
-            <a:r>
-              <a:rPr lang="en-US" sz="3200" dirty="0" smtClean="0"/>
-              <a:t> Cross-platform</a:t>
-            </a:r>
-          </a:p>
-        </p:txBody>
-      </p:sp>
-    </p:spTree>
-    <p:extLst>
-      <p:ext uri="{BB962C8B-B14F-4D97-AF65-F5344CB8AC3E}">
-        <p14:creationId xmlns="" xmlns:p14="http://schemas.microsoft.com/office/powerpoint/2010/main" val="2736865171"/>
-      </p:ext>
-    </p:extLst>
-  </p:cSld>
-  <p:clrMapOvr>
-    <a:masterClrMapping/>
-  </p:clrMapOvr>
-  <p:timing>
-    <p:tnLst>
-      <p:par>
-        <p:cTn id="1" dur="indefinite" restart="never" nodeType="tmRoot"/>
-      </p:par>
-    </p:tnLst>
-  </p:timing>
-</p:sld>
-</file>
-
-<file path=ppt/slides/slide7.xml><?xml version="1.0" encoding="utf-8"?>
-<p:sld xmlns:a="http://schemas.openxmlformats.org/drawingml/2006/main" xmlns:r="http://schemas.openxmlformats.org/officeDocument/2006/relationships" xmlns:p="http://schemas.openxmlformats.org/presentationml/2006/main">
-  <p:cSld>
-    <p:spTree>
-      <p:nvGrpSpPr>
-        <p:cNvPr id="1" name=""/>
-        <p:cNvGrpSpPr/>
-        <p:nvPr/>
-      </p:nvGrpSpPr>
-      <p:grpSpPr>
-        <a:xfrm>
-          <a:off x="0" y="0"/>
-          <a:ext cx="0" cy="0"/>
-          <a:chOff x="0" y="0"/>
-          <a:chExt cx="0" cy="0"/>
-        </a:xfrm>
-      </p:grpSpPr>
-      <p:pic>
-        <p:nvPicPr>
-          <p:cNvPr id="4" name="Content Placeholder 3"/>
-          <p:cNvPicPr>
-            <a:picLocks noGrp="1" noChangeAspect="1"/>
-          </p:cNvPicPr>
-          <p:nvPr>
-            <p:ph idx="1"/>
-          </p:nvPr>
-        </p:nvPicPr>
-        <p:blipFill>
-          <a:blip r:embed="rId3"/>
-          <a:stretch>
-            <a:fillRect/>
-          </a:stretch>
-        </p:blipFill>
-        <p:spPr>
-          <a:xfrm>
-            <a:off x="1604962" y="2262981"/>
-            <a:ext cx="5934075" cy="3200400"/>
-          </a:xfrm>
-        </p:spPr>
-      </p:pic>
-      <p:sp>
-        <p:nvSpPr>
-          <p:cNvPr id="2" name="Slide Number Placeholder 1"/>
-          <p:cNvSpPr>
-            <a:spLocks noGrp="1"/>
-          </p:cNvSpPr>
-          <p:nvPr>
-            <p:ph type="sldNum" sz="quarter" idx="12"/>
-          </p:nvPr>
-        </p:nvSpPr>
-        <p:spPr/>
-        <p:txBody>
-          <a:bodyPr/>
-          <a:lstStyle/>
-          <a:p>
-            <a:fld id="{B6F15528-21DE-4FAA-801E-634DDDAF4B2B}" type="slidenum">
-              <a:rPr lang="en-US" smtClean="0"/>
-              <a:pPr/>
-              <a:t>7</a:t>
-            </a:fld>
-            <a:endParaRPr lang="en-US"/>
-          </a:p>
-        </p:txBody>
-      </p:sp>
-      <p:sp>
-        <p:nvSpPr>
-          <p:cNvPr id="5" name="TextBox 4"/>
-          <p:cNvSpPr txBox="1"/>
-          <p:nvPr/>
-        </p:nvSpPr>
-        <p:spPr>
-          <a:xfrm>
-            <a:off x="1295400" y="381000"/>
-            <a:ext cx="6477000" cy="1446550"/>
-          </a:xfrm>
-          <a:prstGeom prst="rect">
-            <a:avLst/>
-          </a:prstGeom>
-          <a:noFill/>
-        </p:spPr>
-        <p:txBody>
-          <a:bodyPr wrap="square" rtlCol="1">
-            <a:spAutoFit/>
-          </a:bodyPr>
-          <a:lstStyle/>
-          <a:p>
-            <a:r>
-              <a:rPr lang="en-US" sz="4400" dirty="0" smtClean="0">
-                <a:effectLst>
-                  <a:glow rad="101600">
-                    <a:schemeClr val="accent2">
-                      <a:satMod val="175000"/>
-                      <a:alpha val="40000"/>
-                    </a:schemeClr>
-                  </a:glow>
-                </a:effectLst>
-              </a:rPr>
-              <a:t>client side  Cross-platform</a:t>
-            </a:r>
-          </a:p>
-          <a:p>
-            <a:endParaRPr lang="ar-EG" sz="4400" dirty="0">
-              <a:effectLst>
-                <a:glow rad="101600">
-                  <a:schemeClr val="accent2">
-                    <a:satMod val="175000"/>
-                    <a:alpha val="40000"/>
-                  </a:schemeClr>
-                </a:glow>
-              </a:effectLst>
-            </a:endParaRPr>
-          </a:p>
-        </p:txBody>
-      </p:sp>
-      <p:sp>
-        <p:nvSpPr>
-          <p:cNvPr id="6" name="Rectangle 5"/>
-          <p:cNvSpPr/>
-          <p:nvPr/>
-        </p:nvSpPr>
-        <p:spPr>
-          <a:xfrm>
-            <a:off x="2819400" y="3276600"/>
-            <a:ext cx="3352800" cy="1077218"/>
-          </a:xfrm>
-          <a:prstGeom prst="rect">
-            <a:avLst/>
-          </a:prstGeom>
-        </p:spPr>
-        <p:style>
-          <a:lnRef idx="2">
-            <a:schemeClr val="accent6">
-              <a:shade val="50000"/>
-            </a:schemeClr>
-          </a:lnRef>
-          <a:fillRef idx="1">
-            <a:schemeClr val="accent6"/>
-          </a:fillRef>
-          <a:effectRef idx="0">
-            <a:schemeClr val="accent6"/>
-          </a:effectRef>
-          <a:fontRef idx="minor">
-            <a:schemeClr val="lt1"/>
-          </a:fontRef>
-        </p:style>
-        <p:txBody>
-          <a:bodyPr wrap="square" lIns="91440" tIns="45720" rIns="91440" bIns="45720">
-            <a:spAutoFit/>
-          </a:bodyPr>
-          <a:lstStyle/>
-          <a:p>
-            <a:r>
-              <a:rPr lang="en-US" sz="3200" dirty="0" smtClean="0"/>
-              <a:t>  client side </a:t>
-            </a:r>
-            <a:br>
-              <a:rPr lang="en-US" sz="3200" dirty="0" smtClean="0"/>
-            </a:br>
-            <a:r>
-              <a:rPr lang="en-US" sz="3200" dirty="0" smtClean="0"/>
-              <a:t> Cross-platform</a:t>
-            </a:r>
-          </a:p>
-        </p:txBody>
-      </p:sp>
-    </p:spTree>
-    <p:extLst>
-      <p:ext uri="{BB962C8B-B14F-4D97-AF65-F5344CB8AC3E}">
-        <p14:creationId xmlns="" xmlns:p14="http://schemas.microsoft.com/office/powerpoint/2010/main" val="2736865171"/>
-      </p:ext>
-    </p:extLst>
-  </p:cSld>
-  <p:clrMapOvr>
-    <a:masterClrMapping/>
-  </p:clrMapOvr>
-  <p:timing>
-    <p:tnLst>
-      <p:par>
-        <p:cTn id="1" dur="indefinite" restart="never" nodeType="tmRoot"/>
-      </p:par>
-    </p:tnLst>
-  </p:timing>
-</p:sld>
-</file>
-
-<file path=ppt/slides/slide8.xml><?xml version="1.0" encoding="utf-8"?>
-<p:sld xmlns:a="http://schemas.openxmlformats.org/drawingml/2006/main" xmlns:r="http://schemas.openxmlformats.org/officeDocument/2006/relationships" xmlns:p="http://schemas.openxmlformats.org/presentationml/2006/main">
-  <p:cSld>
-    <p:spTree>
-      <p:nvGrpSpPr>
-        <p:cNvPr id="1" name=""/>
-        <p:cNvGrpSpPr/>
-        <p:nvPr/>
-      </p:nvGrpSpPr>
-      <p:grpSpPr>
-        <a:xfrm>
-          <a:off x="0" y="0"/>
-          <a:ext cx="0" cy="0"/>
-          <a:chOff x="0" y="0"/>
-          <a:chExt cx="0" cy="0"/>
-        </a:xfrm>
-      </p:grpSpPr>
-      <p:sp>
-        <p:nvSpPr>
-          <p:cNvPr id="2" name="Title 1"/>
-          <p:cNvSpPr>
-            <a:spLocks noGrp="1"/>
-          </p:cNvSpPr>
-          <p:nvPr>
-            <p:ph type="title"/>
-          </p:nvPr>
-        </p:nvSpPr>
-        <p:spPr/>
-        <p:txBody>
-          <a:bodyPr>
-            <a:normAutofit fontScale="90000"/>
-          </a:bodyPr>
-          <a:lstStyle/>
-          <a:p>
-            <a:r>
-              <a:rPr lang="en-US" dirty="0" smtClean="0"/>
-              <a:t>HTML  </a:t>
-            </a:r>
-            <a:r>
-              <a:rPr lang="en-US" b="1" dirty="0" smtClean="0">
-                <a:solidFill>
-                  <a:srgbClr val="FF0000"/>
-                </a:solidFill>
-              </a:rPr>
-              <a:t>H</a:t>
-            </a:r>
-            <a:r>
-              <a:rPr lang="en-US" dirty="0" smtClean="0"/>
-              <a:t>yper </a:t>
-            </a:r>
-            <a:r>
-              <a:rPr lang="en-US" b="1" dirty="0" smtClean="0">
-                <a:solidFill>
-                  <a:srgbClr val="FF0000"/>
-                </a:solidFill>
-              </a:rPr>
-              <a:t>T</a:t>
-            </a:r>
-            <a:r>
-              <a:rPr lang="en-US" dirty="0" smtClean="0"/>
-              <a:t>ext </a:t>
-            </a:r>
-            <a:r>
-              <a:rPr lang="en-US" b="1" dirty="0" smtClean="0">
-                <a:solidFill>
-                  <a:srgbClr val="FF0000"/>
-                </a:solidFill>
-              </a:rPr>
-              <a:t>M</a:t>
-            </a:r>
-            <a:r>
-              <a:rPr lang="en-US" dirty="0" smtClean="0"/>
-              <a:t>arkup </a:t>
-            </a:r>
-            <a:r>
-              <a:rPr lang="en-US" b="1" dirty="0" smtClean="0">
-                <a:solidFill>
-                  <a:srgbClr val="FF0000"/>
-                </a:solidFill>
-              </a:rPr>
-              <a:t>L</a:t>
-            </a:r>
-            <a:r>
-              <a:rPr lang="en-US" dirty="0" smtClean="0"/>
-              <a:t>anguage</a:t>
-            </a:r>
-            <a:br>
-              <a:rPr lang="en-US" dirty="0" smtClean="0"/>
-            </a:br>
-            <a:endParaRPr lang="ar-EG" dirty="0"/>
-          </a:p>
-        </p:txBody>
-      </p:sp>
-      <p:pic>
-        <p:nvPicPr>
-          <p:cNvPr id="4" name="Content Placeholder 3" descr="HTML.jpg"/>
-          <p:cNvPicPr>
-            <a:picLocks noGrp="1" noChangeAspect="1"/>
-          </p:cNvPicPr>
-          <p:nvPr>
-            <p:ph idx="1"/>
-          </p:nvPr>
-        </p:nvPicPr>
-        <p:blipFill>
-          <a:blip r:embed="rId2"/>
-          <a:stretch>
-            <a:fillRect/>
-          </a:stretch>
-        </p:blipFill>
-        <p:spPr>
-          <a:xfrm>
-            <a:off x="2133600" y="2024856"/>
-            <a:ext cx="4876800" cy="3676650"/>
-          </a:xfrm>
-        </p:spPr>
-      </p:pic>
-    </p:spTree>
-  </p:cSld>
-  <p:clrMapOvr>
-    <a:masterClrMapping/>
-  </p:clrMapOvr>
-</p:sld>
-</file>
-
-<file path=ppt/slides/slide9.xml><?xml version="1.0" encoding="utf-8"?>
-<p:sld xmlns:a="http://schemas.openxmlformats.org/drawingml/2006/main" xmlns:r="http://schemas.openxmlformats.org/officeDocument/2006/relationships" xmlns:p="http://schemas.openxmlformats.org/presentationml/2006/main">
-  <p:cSld>
-    <p:spTree>
-      <p:nvGrpSpPr>
-        <p:cNvPr id="1" name=""/>
-        <p:cNvGrpSpPr/>
-        <p:nvPr/>
-      </p:nvGrpSpPr>
-      <p:grpSpPr>
-        <a:xfrm>
-          <a:off x="0" y="0"/>
-          <a:ext cx="0" cy="0"/>
-          <a:chOff x="0" y="0"/>
-          <a:chExt cx="0" cy="0"/>
-        </a:xfrm>
-      </p:grpSpPr>
-      <p:sp>
-        <p:nvSpPr>
-          <p:cNvPr id="2" name="Title 1"/>
-          <p:cNvSpPr>
-            <a:spLocks noGrp="1"/>
-          </p:cNvSpPr>
-          <p:nvPr>
-            <p:ph type="title"/>
-          </p:nvPr>
-        </p:nvSpPr>
-        <p:spPr/>
-        <p:txBody>
-          <a:bodyPr>
-            <a:normAutofit fontScale="90000"/>
-          </a:bodyPr>
-          <a:lstStyle/>
-          <a:p>
-            <a:r>
-              <a:rPr lang="en-US" dirty="0"/>
-              <a:t>HTML  </a:t>
-            </a:r>
-            <a:r>
-              <a:rPr lang="en-US" b="1" dirty="0">
-                <a:solidFill>
-                  <a:srgbClr val="FF0000"/>
-                </a:solidFill>
-              </a:rPr>
-              <a:t>H</a:t>
-            </a:r>
-            <a:r>
-              <a:rPr lang="en-US" dirty="0"/>
-              <a:t>yper </a:t>
-            </a:r>
-            <a:r>
-              <a:rPr lang="en-US" b="1" dirty="0">
-                <a:solidFill>
-                  <a:srgbClr val="FF0000"/>
-                </a:solidFill>
-              </a:rPr>
-              <a:t>T</a:t>
-            </a:r>
-            <a:r>
-              <a:rPr lang="en-US" dirty="0"/>
-              <a:t>ext </a:t>
-            </a:r>
-            <a:r>
-              <a:rPr lang="en-US" b="1" dirty="0">
-                <a:solidFill>
-                  <a:srgbClr val="FF0000"/>
-                </a:solidFill>
-              </a:rPr>
-              <a:t>M</a:t>
-            </a:r>
-            <a:r>
-              <a:rPr lang="en-US" dirty="0"/>
-              <a:t>arkup </a:t>
-            </a:r>
-            <a:r>
-              <a:rPr lang="en-US" b="1" dirty="0">
-                <a:solidFill>
-                  <a:srgbClr val="FF0000"/>
-                </a:solidFill>
-              </a:rPr>
-              <a:t>L</a:t>
-            </a:r>
-            <a:r>
-              <a:rPr lang="en-US" dirty="0"/>
-              <a:t>anguage</a:t>
-            </a:r>
-            <a:br>
-              <a:rPr lang="en-US" dirty="0"/>
-            </a:br>
-            <a:endParaRPr lang="ar-EG" dirty="0"/>
-          </a:p>
-        </p:txBody>
-      </p:sp>
-      <p:sp>
-        <p:nvSpPr>
-          <p:cNvPr id="3" name="Content Placeholder 2"/>
-          <p:cNvSpPr>
-            <a:spLocks noGrp="1"/>
-          </p:cNvSpPr>
-          <p:nvPr>
-            <p:ph idx="1"/>
-          </p:nvPr>
-        </p:nvSpPr>
-        <p:spPr/>
-        <p:txBody>
-          <a:bodyPr>
-            <a:normAutofit fontScale="92500" lnSpcReduction="10000"/>
-          </a:bodyPr>
-          <a:lstStyle/>
-          <a:p>
-            <a:r>
-              <a:rPr lang="en-US" b="1" dirty="0">
-                <a:solidFill>
-                  <a:srgbClr val="FF0000"/>
-                </a:solidFill>
-              </a:rPr>
-              <a:t>What is HTML?</a:t>
-            </a:r>
-          </a:p>
-          <a:p>
-            <a:r>
-              <a:rPr lang="en-US" dirty="0"/>
-              <a:t>HTML is a language for describing web pages.</a:t>
-            </a:r>
-          </a:p>
-          <a:p>
-            <a:r>
-              <a:rPr lang="en-US" dirty="0"/>
-              <a:t>HTML stands for </a:t>
-            </a:r>
-            <a:r>
-              <a:rPr lang="en-US" b="1" dirty="0"/>
-              <a:t>H</a:t>
-            </a:r>
-            <a:r>
-              <a:rPr lang="en-US" dirty="0"/>
-              <a:t>yper </a:t>
-            </a:r>
-            <a:r>
-              <a:rPr lang="en-US" b="1" dirty="0"/>
-              <a:t>T</a:t>
-            </a:r>
-            <a:r>
-              <a:rPr lang="en-US" dirty="0"/>
-              <a:t>ext </a:t>
-            </a:r>
-            <a:r>
-              <a:rPr lang="en-US" b="1" dirty="0"/>
-              <a:t>M</a:t>
-            </a:r>
-            <a:r>
-              <a:rPr lang="en-US" dirty="0"/>
-              <a:t>arkup </a:t>
-            </a:r>
-            <a:r>
-              <a:rPr lang="en-US" b="1" dirty="0"/>
-              <a:t>L</a:t>
-            </a:r>
-            <a:r>
-              <a:rPr lang="en-US" dirty="0"/>
-              <a:t>anguage</a:t>
-            </a:r>
-          </a:p>
-          <a:p>
-            <a:r>
-              <a:rPr lang="en-US" dirty="0"/>
-              <a:t>HTML is a </a:t>
-            </a:r>
-            <a:r>
-              <a:rPr lang="en-US" b="1" dirty="0"/>
-              <a:t>markup </a:t>
-            </a:r>
-            <a:r>
-              <a:rPr lang="en-US" dirty="0"/>
-              <a:t>language</a:t>
-            </a:r>
-          </a:p>
-          <a:p>
-            <a:r>
-              <a:rPr lang="en-US" dirty="0"/>
-              <a:t>A markup language is a set of markup</a:t>
-            </a:r>
-            <a:r>
-              <a:rPr lang="en-US" b="1" dirty="0"/>
-              <a:t> tags</a:t>
-            </a:r>
-            <a:endParaRPr lang="en-US" dirty="0"/>
-          </a:p>
-          <a:p>
-            <a:r>
-              <a:rPr lang="en-US" dirty="0"/>
-              <a:t>The tags </a:t>
-            </a:r>
-            <a:r>
-              <a:rPr lang="en-US" b="1" dirty="0"/>
-              <a:t>describe</a:t>
-            </a:r>
-            <a:r>
-              <a:rPr lang="en-US" dirty="0"/>
-              <a:t> document content</a:t>
-            </a:r>
-          </a:p>
-          <a:p>
-            <a:r>
-              <a:rPr lang="en-US" dirty="0"/>
-              <a:t>HTML documents contain</a:t>
-            </a:r>
-            <a:r>
-              <a:rPr lang="en-US" b="1" dirty="0"/>
-              <a:t> </a:t>
-            </a:r>
-            <a:r>
-              <a:rPr lang="en-US" dirty="0"/>
-              <a:t>HTML</a:t>
-            </a:r>
-            <a:r>
-              <a:rPr lang="en-US" b="1" dirty="0"/>
-              <a:t> tags</a:t>
-            </a:r>
-            <a:r>
-              <a:rPr lang="en-US" dirty="0"/>
-              <a:t> and </a:t>
-            </a:r>
-            <a:r>
-              <a:rPr lang="en-US" b="1" dirty="0"/>
-              <a:t>plain</a:t>
-            </a:r>
-            <a:r>
-              <a:rPr lang="en-US" dirty="0"/>
-              <a:t> </a:t>
-            </a:r>
-            <a:r>
-              <a:rPr lang="en-US" b="1" dirty="0"/>
-              <a:t>text</a:t>
-            </a:r>
-            <a:endParaRPr lang="en-US" dirty="0"/>
-          </a:p>
-          <a:p>
-            <a:r>
-              <a:rPr lang="en-US" dirty="0"/>
-              <a:t>HTML documents are also called</a:t>
-            </a:r>
-            <a:r>
-              <a:rPr lang="en-US" b="1" dirty="0"/>
-              <a:t> web pages</a:t>
-            </a:r>
-            <a:endParaRPr lang="en-US" dirty="0"/>
-          </a:p>
-        </p:txBody>
-      </p:sp>
-      <p:sp>
-        <p:nvSpPr>
-          <p:cNvPr id="4" name="Slide Number Placeholder 3"/>
-          <p:cNvSpPr>
-            <a:spLocks noGrp="1"/>
-          </p:cNvSpPr>
-          <p:nvPr>
-            <p:ph type="sldNum" sz="quarter" idx="12"/>
-          </p:nvPr>
-        </p:nvSpPr>
-        <p:spPr/>
-        <p:txBody>
-          <a:bodyPr/>
-          <a:lstStyle/>
-          <a:p>
-            <a:fld id="{B6F15528-21DE-4FAA-801E-634DDDAF4B2B}" type="slidenum">
-              <a:rPr lang="en-US" smtClean="0"/>
-              <a:pPr/>
-              <a:t>9</a:t>
-            </a:fld>
-            <a:endParaRPr lang="en-US"/>
-          </a:p>
-        </p:txBody>
-      </p:sp>
-    </p:spTree>
-    <p:extLst>
-      <p:ext uri="{BB962C8B-B14F-4D97-AF65-F5344CB8AC3E}">
-        <p14:creationId xmlns="" xmlns:p14="http://schemas.microsoft.com/office/powerpoint/2010/main" val="2323770195"/>
       </p:ext>
     </p:extLst>
   </p:cSld>

--- a/PPT/Lec1/1-Laravel-tutorial.pptx
+++ b/PPT/Lec1/1-Laravel-tutorial.pptx
@@ -3095,7 +3095,7 @@
             <a:fld id="{EA38CB6D-63C9-464B-889E-D8FE438905A2}" type="datetimeFigureOut">
               <a:rPr lang="ar-EG" smtClean="0"/>
               <a:pPr/>
-              <a:t>18/03/1440</a:t>
+              <a:t>25/03/1440</a:t>
             </a:fld>
             <a:endParaRPr lang="ar-EG"/>
           </a:p>
@@ -4209,7 +4209,7 @@
             <a:fld id="{1D8BD707-D9CF-40AE-B4C6-C98DA3205C09}" type="datetimeFigureOut">
               <a:rPr lang="en-US" smtClean="0"/>
               <a:pPr/>
-              <a:t>11/26/2018</a:t>
+              <a:t>12/3/2018</a:t>
             </a:fld>
             <a:endParaRPr lang="en-US"/>
           </a:p>
@@ -4376,7 +4376,7 @@
             <a:fld id="{1D8BD707-D9CF-40AE-B4C6-C98DA3205C09}" type="datetimeFigureOut">
               <a:rPr lang="en-US" smtClean="0"/>
               <a:pPr/>
-              <a:t>11/26/2018</a:t>
+              <a:t>12/3/2018</a:t>
             </a:fld>
             <a:endParaRPr lang="en-US"/>
           </a:p>
@@ -4553,7 +4553,7 @@
             <a:fld id="{1D8BD707-D9CF-40AE-B4C6-C98DA3205C09}" type="datetimeFigureOut">
               <a:rPr lang="en-US" smtClean="0"/>
               <a:pPr/>
-              <a:t>11/26/2018</a:t>
+              <a:t>12/3/2018</a:t>
             </a:fld>
             <a:endParaRPr lang="en-US"/>
           </a:p>
@@ -4720,7 +4720,7 @@
             <a:fld id="{1D8BD707-D9CF-40AE-B4C6-C98DA3205C09}" type="datetimeFigureOut">
               <a:rPr lang="en-US" smtClean="0"/>
               <a:pPr/>
-              <a:t>11/26/2018</a:t>
+              <a:t>12/3/2018</a:t>
             </a:fld>
             <a:endParaRPr lang="en-US"/>
           </a:p>
@@ -4963,7 +4963,7 @@
             <a:fld id="{1D8BD707-D9CF-40AE-B4C6-C98DA3205C09}" type="datetimeFigureOut">
               <a:rPr lang="en-US" smtClean="0"/>
               <a:pPr/>
-              <a:t>11/26/2018</a:t>
+              <a:t>12/3/2018</a:t>
             </a:fld>
             <a:endParaRPr lang="en-US"/>
           </a:p>
@@ -5248,7 +5248,7 @@
             <a:fld id="{1D8BD707-D9CF-40AE-B4C6-C98DA3205C09}" type="datetimeFigureOut">
               <a:rPr lang="en-US" smtClean="0"/>
               <a:pPr/>
-              <a:t>11/26/2018</a:t>
+              <a:t>12/3/2018</a:t>
             </a:fld>
             <a:endParaRPr lang="en-US"/>
           </a:p>
@@ -5667,7 +5667,7 @@
             <a:fld id="{1D8BD707-D9CF-40AE-B4C6-C98DA3205C09}" type="datetimeFigureOut">
               <a:rPr lang="en-US" smtClean="0"/>
               <a:pPr/>
-              <a:t>11/26/2018</a:t>
+              <a:t>12/3/2018</a:t>
             </a:fld>
             <a:endParaRPr lang="en-US"/>
           </a:p>
@@ -5782,7 +5782,7 @@
             <a:fld id="{1D8BD707-D9CF-40AE-B4C6-C98DA3205C09}" type="datetimeFigureOut">
               <a:rPr lang="en-US" smtClean="0"/>
               <a:pPr/>
-              <a:t>11/26/2018</a:t>
+              <a:t>12/3/2018</a:t>
             </a:fld>
             <a:endParaRPr lang="en-US"/>
           </a:p>
@@ -5874,7 +5874,7 @@
             <a:fld id="{1D8BD707-D9CF-40AE-B4C6-C98DA3205C09}" type="datetimeFigureOut">
               <a:rPr lang="en-US" smtClean="0"/>
               <a:pPr/>
-              <a:t>11/26/2018</a:t>
+              <a:t>12/3/2018</a:t>
             </a:fld>
             <a:endParaRPr lang="en-US"/>
           </a:p>
@@ -6148,7 +6148,7 @@
             <a:fld id="{1D8BD707-D9CF-40AE-B4C6-C98DA3205C09}" type="datetimeFigureOut">
               <a:rPr lang="en-US" smtClean="0"/>
               <a:pPr/>
-              <a:t>11/26/2018</a:t>
+              <a:t>12/3/2018</a:t>
             </a:fld>
             <a:endParaRPr lang="en-US"/>
           </a:p>
@@ -6398,7 +6398,7 @@
             <a:fld id="{1D8BD707-D9CF-40AE-B4C6-C98DA3205C09}" type="datetimeFigureOut">
               <a:rPr lang="en-US" smtClean="0"/>
               <a:pPr/>
-              <a:t>11/26/2018</a:t>
+              <a:t>12/3/2018</a:t>
             </a:fld>
             <a:endParaRPr lang="en-US"/>
           </a:p>
@@ -6608,7 +6608,7 @@
             <a:fld id="{1D8BD707-D9CF-40AE-B4C6-C98DA3205C09}" type="datetimeFigureOut">
               <a:rPr lang="en-US" smtClean="0"/>
               <a:pPr/>
-              <a:t>11/26/2018</a:t>
+              <a:t>12/3/2018</a:t>
             </a:fld>
             <a:endParaRPr lang="en-US"/>
           </a:p>
@@ -8668,8 +8668,12 @@
           </a:p>
           <a:p>
             <a:r>
+              <a:rPr lang="en-US" sz="1800" smtClean="0"/>
+              <a:t>"</a:t>
+            </a:r>
+            <a:r>
               <a:rPr lang="en-US" sz="1800" dirty="0" smtClean="0"/>
-              <a:t>"Route::resource('$1','$2Controller');\n </a:t>
+              <a:t>Route::resource('$1','$2Controller');\n </a:t>
             </a:r>
             <a:r>
               <a:rPr lang="en-US" sz="1800" dirty="0" err="1" smtClean="0"/>
@@ -8685,8 +8689,11 @@
             </a:r>
             <a:r>
               <a:rPr lang="en-US" sz="1800" dirty="0" smtClean="0"/>
-              <a:t> $2 -r -m $2"</a:t>
-            </a:r>
+              <a:t> $2Controller -r -m $2",</a:t>
+            </a:r>
+          </a:p>
+          <a:p>
+            <a:endParaRPr lang="en-US" sz="1800" dirty="0" smtClean="0"/>
           </a:p>
           <a:p>
             <a:r>
@@ -8837,7 +8844,7 @@
         <p:spPr/>
         <p:txBody>
           <a:bodyPr>
-            <a:normAutofit fontScale="92500" lnSpcReduction="10000"/>
+            <a:normAutofit fontScale="85000" lnSpcReduction="20000"/>
           </a:bodyPr>
           <a:lstStyle/>
           <a:p>
@@ -8886,7 +8893,7 @@
             </a:r>
             <a:r>
               <a:rPr lang="en-US" dirty="0" err="1" smtClean="0"/>
-              <a:t>alhendy</a:t>
+              <a:t>Petrojet</a:t>
             </a:r>
             <a:endParaRPr lang="en-US" dirty="0" smtClean="0"/>
           </a:p>
@@ -8897,8 +8904,37 @@
             </a:r>
             <a:r>
               <a:rPr lang="en-US" dirty="0" smtClean="0"/>
-              <a:t> install</a:t>
-            </a:r>
+              <a:t> </a:t>
+            </a:r>
+            <a:r>
+              <a:rPr lang="en-US" dirty="0" smtClean="0"/>
+              <a:t>install</a:t>
+            </a:r>
+          </a:p>
+          <a:p>
+            <a:r>
+              <a:rPr lang="en-US" dirty="0" smtClean="0"/>
+              <a:t>Composer install</a:t>
+            </a:r>
+          </a:p>
+          <a:p>
+            <a:r>
+              <a:rPr lang="en-US" dirty="0" err="1" smtClean="0"/>
+              <a:t>php</a:t>
+            </a:r>
+            <a:r>
+              <a:rPr lang="en-US" dirty="0" smtClean="0"/>
+              <a:t> artisan </a:t>
+            </a:r>
+            <a:r>
+              <a:rPr lang="en-US" dirty="0" err="1" smtClean="0"/>
+              <a:t>key:generate</a:t>
+            </a:r>
+            <a:r>
+              <a:rPr lang="en-US" smtClean="0"/>
+              <a:t> </a:t>
+            </a:r>
+            <a:endParaRPr lang="en-US" dirty="0" smtClean="0"/>
           </a:p>
           <a:p>
             <a:r>
